--- a/Document/PZEM 004 10A.pptx
+++ b/Document/PZEM 004 10A.pptx
@@ -1,20 +1,21 @@
 
 <file path=ppt/presentation.xml><?xml version="1.0" encoding="utf-8"?>
-<p:presentation xmlns:a="http://schemas.openxmlformats.org/drawingml/2006/main" xmlns:r="http://schemas.openxmlformats.org/officeDocument/2006/relationships" xmlns:mc="http://schemas.openxmlformats.org/markup-compatibility/2006" xmlns:mv="urn:schemas-microsoft-com:mac:vml" xmlns:p="http://schemas.openxmlformats.org/presentationml/2006/main" xmlns:c="http://schemas.openxmlformats.org/drawingml/2006/chart" xmlns:dgm="http://schemas.openxmlformats.org/drawingml/2006/diagram" xmlns:o="urn:schemas-microsoft-com:office:office" xmlns:v="urn:schemas-microsoft-com:vml" xmlns:pvml="urn:schemas-microsoft-com:office:powerpoint" xmlns:com="http://schemas.openxmlformats.org/drawingml/2006/compatibility" xmlns:p14="http://schemas.microsoft.com/office/powerpoint/2010/main" xmlns:p15="http://schemas.microsoft.com/office/powerpoint/2012/main" xmlns:ahyp="http://schemas.microsoft.com/office/drawing/2018/hyperlinkcolor" autoCompressPictures="0" strictFirstAndLastChars="0" saveSubsetFonts="1">
+<p:presentation xmlns:a="http://schemas.openxmlformats.org/drawingml/2006/main" xmlns:r="http://schemas.openxmlformats.org/officeDocument/2006/relationships" xmlns:p="http://schemas.openxmlformats.org/presentationml/2006/main" strictFirstAndLastChars="0" saveSubsetFonts="1" autoCompressPictures="0">
   <p:sldMasterIdLst>
-    <p:sldMasterId id="2147483648" r:id="rId3"/>
+    <p:sldMasterId id="2147483648" r:id="rId1"/>
   </p:sldMasterIdLst>
   <p:notesMasterIdLst>
-    <p:notesMasterId r:id="rId4"/>
+    <p:notesMasterId r:id="rId5"/>
   </p:notesMasterIdLst>
   <p:sldIdLst>
-    <p:sldId id="256" r:id="rId5"/>
-    <p:sldId id="257" r:id="rId6"/>
+    <p:sldId id="256" r:id="rId2"/>
+    <p:sldId id="257" r:id="rId3"/>
+    <p:sldId id="258" r:id="rId4"/>
   </p:sldIdLst>
-  <p:sldSz cy="6858000" cx="12192000"/>
+  <p:sldSz cx="12192000" cy="6858000"/>
   <p:notesSz cx="6858000" cy="9144000"/>
   <p:defaultTextStyle>
-    <a:defPPr lvl="0" marR="0" rtl="0" algn="l">
+    <a:defPPr marR="0" lvl="0" algn="l" rtl="0">
       <a:lnSpc>
         <a:spcPct val="100000"/>
       </a:lnSpc>
@@ -25,7 +26,7 @@
         <a:spcPts val="0"/>
       </a:spcAft>
     </a:defPPr>
-    <a:lvl1pPr lvl="0" marR="0" rtl="0" algn="l">
+    <a:lvl1pPr marR="0" lvl="0" algn="l" rtl="0">
       <a:lnSpc>
         <a:spcPct val="100000"/>
       </a:lnSpc>
@@ -39,7 +40,7 @@
         <a:srgbClr val="000000"/>
       </a:buClr>
       <a:buFont typeface="Arial"/>
-      <a:defRPr b="0" i="0" sz="1400" u="none" cap="none" strike="noStrike">
+      <a:defRPr sz="1400" b="0" i="0" u="none" strike="noStrike" cap="none">
         <a:solidFill>
           <a:srgbClr val="000000"/>
         </a:solidFill>
@@ -49,7 +50,7 @@
         <a:sym typeface="Arial"/>
       </a:defRPr>
     </a:lvl1pPr>
-    <a:lvl2pPr lvl="1" marR="0" rtl="0" algn="l">
+    <a:lvl2pPr marR="0" lvl="1" algn="l" rtl="0">
       <a:lnSpc>
         <a:spcPct val="100000"/>
       </a:lnSpc>
@@ -63,7 +64,7 @@
         <a:srgbClr val="000000"/>
       </a:buClr>
       <a:buFont typeface="Arial"/>
-      <a:defRPr b="0" i="0" sz="1400" u="none" cap="none" strike="noStrike">
+      <a:defRPr sz="1400" b="0" i="0" u="none" strike="noStrike" cap="none">
         <a:solidFill>
           <a:srgbClr val="000000"/>
         </a:solidFill>
@@ -73,7 +74,7 @@
         <a:sym typeface="Arial"/>
       </a:defRPr>
     </a:lvl2pPr>
-    <a:lvl3pPr lvl="2" marR="0" rtl="0" algn="l">
+    <a:lvl3pPr marR="0" lvl="2" algn="l" rtl="0">
       <a:lnSpc>
         <a:spcPct val="100000"/>
       </a:lnSpc>
@@ -87,7 +88,7 @@
         <a:srgbClr val="000000"/>
       </a:buClr>
       <a:buFont typeface="Arial"/>
-      <a:defRPr b="0" i="0" sz="1400" u="none" cap="none" strike="noStrike">
+      <a:defRPr sz="1400" b="0" i="0" u="none" strike="noStrike" cap="none">
         <a:solidFill>
           <a:srgbClr val="000000"/>
         </a:solidFill>
@@ -97,7 +98,7 @@
         <a:sym typeface="Arial"/>
       </a:defRPr>
     </a:lvl3pPr>
-    <a:lvl4pPr lvl="3" marR="0" rtl="0" algn="l">
+    <a:lvl4pPr marR="0" lvl="3" algn="l" rtl="0">
       <a:lnSpc>
         <a:spcPct val="100000"/>
       </a:lnSpc>
@@ -111,7 +112,7 @@
         <a:srgbClr val="000000"/>
       </a:buClr>
       <a:buFont typeface="Arial"/>
-      <a:defRPr b="0" i="0" sz="1400" u="none" cap="none" strike="noStrike">
+      <a:defRPr sz="1400" b="0" i="0" u="none" strike="noStrike" cap="none">
         <a:solidFill>
           <a:srgbClr val="000000"/>
         </a:solidFill>
@@ -121,7 +122,7 @@
         <a:sym typeface="Arial"/>
       </a:defRPr>
     </a:lvl4pPr>
-    <a:lvl5pPr lvl="4" marR="0" rtl="0" algn="l">
+    <a:lvl5pPr marR="0" lvl="4" algn="l" rtl="0">
       <a:lnSpc>
         <a:spcPct val="100000"/>
       </a:lnSpc>
@@ -135,7 +136,7 @@
         <a:srgbClr val="000000"/>
       </a:buClr>
       <a:buFont typeface="Arial"/>
-      <a:defRPr b="0" i="0" sz="1400" u="none" cap="none" strike="noStrike">
+      <a:defRPr sz="1400" b="0" i="0" u="none" strike="noStrike" cap="none">
         <a:solidFill>
           <a:srgbClr val="000000"/>
         </a:solidFill>
@@ -145,7 +146,7 @@
         <a:sym typeface="Arial"/>
       </a:defRPr>
     </a:lvl5pPr>
-    <a:lvl6pPr lvl="5" marR="0" rtl="0" algn="l">
+    <a:lvl6pPr marR="0" lvl="5" algn="l" rtl="0">
       <a:lnSpc>
         <a:spcPct val="100000"/>
       </a:lnSpc>
@@ -159,7 +160,7 @@
         <a:srgbClr val="000000"/>
       </a:buClr>
       <a:buFont typeface="Arial"/>
-      <a:defRPr b="0" i="0" sz="1400" u="none" cap="none" strike="noStrike">
+      <a:defRPr sz="1400" b="0" i="0" u="none" strike="noStrike" cap="none">
         <a:solidFill>
           <a:srgbClr val="000000"/>
         </a:solidFill>
@@ -169,7 +170,7 @@
         <a:sym typeface="Arial"/>
       </a:defRPr>
     </a:lvl6pPr>
-    <a:lvl7pPr lvl="6" marR="0" rtl="0" algn="l">
+    <a:lvl7pPr marR="0" lvl="6" algn="l" rtl="0">
       <a:lnSpc>
         <a:spcPct val="100000"/>
       </a:lnSpc>
@@ -183,7 +184,7 @@
         <a:srgbClr val="000000"/>
       </a:buClr>
       <a:buFont typeface="Arial"/>
-      <a:defRPr b="0" i="0" sz="1400" u="none" cap="none" strike="noStrike">
+      <a:defRPr sz="1400" b="0" i="0" u="none" strike="noStrike" cap="none">
         <a:solidFill>
           <a:srgbClr val="000000"/>
         </a:solidFill>
@@ -193,7 +194,7 @@
         <a:sym typeface="Arial"/>
       </a:defRPr>
     </a:lvl7pPr>
-    <a:lvl8pPr lvl="7" marR="0" rtl="0" algn="l">
+    <a:lvl8pPr marR="0" lvl="7" algn="l" rtl="0">
       <a:lnSpc>
         <a:spcPct val="100000"/>
       </a:lnSpc>
@@ -207,7 +208,7 @@
         <a:srgbClr val="000000"/>
       </a:buClr>
       <a:buFont typeface="Arial"/>
-      <a:defRPr b="0" i="0" sz="1400" u="none" cap="none" strike="noStrike">
+      <a:defRPr sz="1400" b="0" i="0" u="none" strike="noStrike" cap="none">
         <a:solidFill>
           <a:srgbClr val="000000"/>
         </a:solidFill>
@@ -217,7 +218,7 @@
         <a:sym typeface="Arial"/>
       </a:defRPr>
     </a:lvl8pPr>
-    <a:lvl9pPr lvl="8" marR="0" rtl="0" algn="l">
+    <a:lvl9pPr marR="0" lvl="8" algn="l" rtl="0">
       <a:lnSpc>
         <a:spcPct val="100000"/>
       </a:lnSpc>
@@ -231,7 +232,7 @@
         <a:srgbClr val="000000"/>
       </a:buClr>
       <a:buFont typeface="Arial"/>
-      <a:defRPr b="0" i="0" sz="1400" u="none" cap="none" strike="noStrike">
+      <a:defRPr sz="1400" b="0" i="0" u="none" strike="noStrike" cap="none">
         <a:solidFill>
           <a:srgbClr val="000000"/>
         </a:solidFill>
@@ -244,25 +245,26 @@
   </p:defaultTextStyle>
   <p:extLst>
     <p:ext uri="http://customooxmlschemas.google.com/">
-      <go:slidesCustomData xmlns:go="http://customooxmlschemas.google.com/" r:id="rId7" roundtripDataSignature="AMtx7mjiW+Ih3m3h6AJfVTBxuC3KStLRNw=="/>
+      <go:slidesCustomData xmlns:go="http://customooxmlschemas.google.com/" xmlns:ahyp="http://schemas.microsoft.com/office/drawing/2018/hyperlinkcolor" xmlns:p15="http://schemas.microsoft.com/office/powerpoint/2012/main" xmlns:p14="http://schemas.microsoft.com/office/powerpoint/2010/main" xmlns:com="http://schemas.openxmlformats.org/drawingml/2006/compatibility" xmlns:pvml="urn:schemas-microsoft-com:office:powerpoint" xmlns:v="urn:schemas-microsoft-com:vml" xmlns:o="urn:schemas-microsoft-com:office:office" xmlns:dgm="http://schemas.openxmlformats.org/drawingml/2006/diagram" xmlns:c="http://schemas.openxmlformats.org/drawingml/2006/chart" xmlns:mv="urn:schemas-microsoft-com:mac:vml" xmlns:mc="http://schemas.openxmlformats.org/markup-compatibility/2006" xmlns="" r:id="rId7" roundtripDataSignature="AMtx7mjiW+Ih3m3h6AJfVTBxuC3KStLRNw=="/>
     </p:ext>
   </p:extLst>
 </p:presentation>
 </file>
 
 <file path=ppt/notesMasters/notesMaster1.xml><?xml version="1.0" encoding="utf-8"?>
-<p:notesMaster xmlns:a="http://schemas.openxmlformats.org/drawingml/2006/main" xmlns:r="http://schemas.openxmlformats.org/officeDocument/2006/relationships" xmlns:mc="http://schemas.openxmlformats.org/markup-compatibility/2006" xmlns:mv="urn:schemas-microsoft-com:mac:vml" xmlns:p="http://schemas.openxmlformats.org/presentationml/2006/main" xmlns:c="http://schemas.openxmlformats.org/drawingml/2006/chart" xmlns:dgm="http://schemas.openxmlformats.org/drawingml/2006/diagram" xmlns:o="urn:schemas-microsoft-com:office:office" xmlns:v="urn:schemas-microsoft-com:vml" xmlns:pvml="urn:schemas-microsoft-com:office:powerpoint" xmlns:com="http://schemas.openxmlformats.org/drawingml/2006/compatibility" xmlns:p14="http://schemas.microsoft.com/office/powerpoint/2010/main" xmlns:p15="http://schemas.microsoft.com/office/powerpoint/2012/main" xmlns:ahyp="http://schemas.microsoft.com/office/drawing/2018/hyperlinkcolor">
+<p:notesMaster xmlns:a="http://schemas.openxmlformats.org/drawingml/2006/main" xmlns:r="http://schemas.openxmlformats.org/officeDocument/2006/relationships" xmlns:p="http://schemas.openxmlformats.org/presentationml/2006/main">
   <p:cSld>
     <p:bg>
       <p:bgPr>
         <a:solidFill>
           <a:schemeClr val="lt1"/>
         </a:solidFill>
+        <a:effectLst/>
       </p:bgPr>
     </p:bg>
     <p:spTree>
       <p:nvGrpSpPr>
-        <p:cNvPr id="2" name="Shape 2"/>
+        <p:cNvPr id="1" name="Shape 2"/>
         <p:cNvGrpSpPr/>
         <p:nvPr/>
       </p:nvGrpSpPr>
@@ -277,9 +279,11 @@
       <p:sp>
         <p:nvSpPr>
           <p:cNvPr id="3" name="Google Shape;3;n"/>
-          <p:cNvSpPr txBox="1"/>
+          <p:cNvSpPr txBox="1">
+            <a:spLocks noGrp="1"/>
+          </p:cNvSpPr>
           <p:nvPr>
-            <p:ph idx="2" type="hdr"/>
+            <p:ph type="hdr" idx="2"/>
           </p:nvPr>
         </p:nvSpPr>
         <p:spPr>
@@ -296,20 +300,20 @@
           </a:ln>
         </p:spPr>
         <p:txBody>
-          <a:bodyPr anchorCtr="0" anchor="t" bIns="45700" lIns="91425" spcFirstLastPara="1" rIns="91425" wrap="square" tIns="45700">
+          <a:bodyPr spcFirstLastPara="1" wrap="square" lIns="91425" tIns="45700" rIns="91425" bIns="45700" anchor="t" anchorCtr="0">
             <a:noAutofit/>
           </a:bodyPr>
           <a:lstStyle>
-            <a:lvl1pPr lvl="0" marR="0" rtl="0" algn="l">
-              <a:spcBef>
-                <a:spcPts val="0"/>
-              </a:spcBef>
-              <a:spcAft>
-                <a:spcPts val="0"/>
-              </a:spcAft>
-              <a:buSzPts val="1400"/>
-              <a:buNone/>
-              <a:defRPr b="0" i="0" sz="1200" u="none" cap="none" strike="noStrike">
+            <a:lvl1pPr marR="0" lvl="0" algn="l" rtl="0">
+              <a:spcBef>
+                <a:spcPts val="0"/>
+              </a:spcBef>
+              <a:spcAft>
+                <a:spcPts val="0"/>
+              </a:spcAft>
+              <a:buSzPts val="1400"/>
+              <a:buNone/>
+              <a:defRPr sz="1200" b="0" i="0" u="none" strike="noStrike" cap="none">
                 <a:solidFill>
                   <a:schemeClr val="dk1"/>
                 </a:solidFill>
@@ -319,16 +323,16 @@
                 <a:sym typeface="Calibri"/>
               </a:defRPr>
             </a:lvl1pPr>
-            <a:lvl2pPr lvl="1" marR="0" rtl="0" algn="l">
-              <a:spcBef>
-                <a:spcPts val="0"/>
-              </a:spcBef>
-              <a:spcAft>
-                <a:spcPts val="0"/>
-              </a:spcAft>
-              <a:buSzPts val="1400"/>
-              <a:buNone/>
-              <a:defRPr b="0" i="0" sz="1800" u="none" cap="none" strike="noStrike">
+            <a:lvl2pPr marR="0" lvl="1" algn="l" rtl="0">
+              <a:spcBef>
+                <a:spcPts val="0"/>
+              </a:spcBef>
+              <a:spcAft>
+                <a:spcPts val="0"/>
+              </a:spcAft>
+              <a:buSzPts val="1400"/>
+              <a:buNone/>
+              <a:defRPr sz="1800" b="0" i="0" u="none" strike="noStrike" cap="none">
                 <a:solidFill>
                   <a:schemeClr val="dk1"/>
                 </a:solidFill>
@@ -338,16 +342,16 @@
                 <a:sym typeface="Calibri"/>
               </a:defRPr>
             </a:lvl2pPr>
-            <a:lvl3pPr lvl="2" marR="0" rtl="0" algn="l">
-              <a:spcBef>
-                <a:spcPts val="0"/>
-              </a:spcBef>
-              <a:spcAft>
-                <a:spcPts val="0"/>
-              </a:spcAft>
-              <a:buSzPts val="1400"/>
-              <a:buNone/>
-              <a:defRPr b="0" i="0" sz="1800" u="none" cap="none" strike="noStrike">
+            <a:lvl3pPr marR="0" lvl="2" algn="l" rtl="0">
+              <a:spcBef>
+                <a:spcPts val="0"/>
+              </a:spcBef>
+              <a:spcAft>
+                <a:spcPts val="0"/>
+              </a:spcAft>
+              <a:buSzPts val="1400"/>
+              <a:buNone/>
+              <a:defRPr sz="1800" b="0" i="0" u="none" strike="noStrike" cap="none">
                 <a:solidFill>
                   <a:schemeClr val="dk1"/>
                 </a:solidFill>
@@ -357,16 +361,16 @@
                 <a:sym typeface="Calibri"/>
               </a:defRPr>
             </a:lvl3pPr>
-            <a:lvl4pPr lvl="3" marR="0" rtl="0" algn="l">
-              <a:spcBef>
-                <a:spcPts val="0"/>
-              </a:spcBef>
-              <a:spcAft>
-                <a:spcPts val="0"/>
-              </a:spcAft>
-              <a:buSzPts val="1400"/>
-              <a:buNone/>
-              <a:defRPr b="0" i="0" sz="1800" u="none" cap="none" strike="noStrike">
+            <a:lvl4pPr marR="0" lvl="3" algn="l" rtl="0">
+              <a:spcBef>
+                <a:spcPts val="0"/>
+              </a:spcBef>
+              <a:spcAft>
+                <a:spcPts val="0"/>
+              </a:spcAft>
+              <a:buSzPts val="1400"/>
+              <a:buNone/>
+              <a:defRPr sz="1800" b="0" i="0" u="none" strike="noStrike" cap="none">
                 <a:solidFill>
                   <a:schemeClr val="dk1"/>
                 </a:solidFill>
@@ -376,16 +380,16 @@
                 <a:sym typeface="Calibri"/>
               </a:defRPr>
             </a:lvl4pPr>
-            <a:lvl5pPr lvl="4" marR="0" rtl="0" algn="l">
-              <a:spcBef>
-                <a:spcPts val="0"/>
-              </a:spcBef>
-              <a:spcAft>
-                <a:spcPts val="0"/>
-              </a:spcAft>
-              <a:buSzPts val="1400"/>
-              <a:buNone/>
-              <a:defRPr b="0" i="0" sz="1800" u="none" cap="none" strike="noStrike">
+            <a:lvl5pPr marR="0" lvl="4" algn="l" rtl="0">
+              <a:spcBef>
+                <a:spcPts val="0"/>
+              </a:spcBef>
+              <a:spcAft>
+                <a:spcPts val="0"/>
+              </a:spcAft>
+              <a:buSzPts val="1400"/>
+              <a:buNone/>
+              <a:defRPr sz="1800" b="0" i="0" u="none" strike="noStrike" cap="none">
                 <a:solidFill>
                   <a:schemeClr val="dk1"/>
                 </a:solidFill>
@@ -395,16 +399,16 @@
                 <a:sym typeface="Calibri"/>
               </a:defRPr>
             </a:lvl5pPr>
-            <a:lvl6pPr lvl="5" marR="0" rtl="0" algn="l">
-              <a:spcBef>
-                <a:spcPts val="0"/>
-              </a:spcBef>
-              <a:spcAft>
-                <a:spcPts val="0"/>
-              </a:spcAft>
-              <a:buSzPts val="1400"/>
-              <a:buNone/>
-              <a:defRPr b="0" i="0" sz="1800" u="none" cap="none" strike="noStrike">
+            <a:lvl6pPr marR="0" lvl="5" algn="l" rtl="0">
+              <a:spcBef>
+                <a:spcPts val="0"/>
+              </a:spcBef>
+              <a:spcAft>
+                <a:spcPts val="0"/>
+              </a:spcAft>
+              <a:buSzPts val="1400"/>
+              <a:buNone/>
+              <a:defRPr sz="1800" b="0" i="0" u="none" strike="noStrike" cap="none">
                 <a:solidFill>
                   <a:schemeClr val="dk1"/>
                 </a:solidFill>
@@ -414,16 +418,16 @@
                 <a:sym typeface="Calibri"/>
               </a:defRPr>
             </a:lvl6pPr>
-            <a:lvl7pPr lvl="6" marR="0" rtl="0" algn="l">
-              <a:spcBef>
-                <a:spcPts val="0"/>
-              </a:spcBef>
-              <a:spcAft>
-                <a:spcPts val="0"/>
-              </a:spcAft>
-              <a:buSzPts val="1400"/>
-              <a:buNone/>
-              <a:defRPr b="0" i="0" sz="1800" u="none" cap="none" strike="noStrike">
+            <a:lvl7pPr marR="0" lvl="6" algn="l" rtl="0">
+              <a:spcBef>
+                <a:spcPts val="0"/>
+              </a:spcBef>
+              <a:spcAft>
+                <a:spcPts val="0"/>
+              </a:spcAft>
+              <a:buSzPts val="1400"/>
+              <a:buNone/>
+              <a:defRPr sz="1800" b="0" i="0" u="none" strike="noStrike" cap="none">
                 <a:solidFill>
                   <a:schemeClr val="dk1"/>
                 </a:solidFill>
@@ -433,16 +437,16 @@
                 <a:sym typeface="Calibri"/>
               </a:defRPr>
             </a:lvl7pPr>
-            <a:lvl8pPr lvl="7" marR="0" rtl="0" algn="l">
-              <a:spcBef>
-                <a:spcPts val="0"/>
-              </a:spcBef>
-              <a:spcAft>
-                <a:spcPts val="0"/>
-              </a:spcAft>
-              <a:buSzPts val="1400"/>
-              <a:buNone/>
-              <a:defRPr b="0" i="0" sz="1800" u="none" cap="none" strike="noStrike">
+            <a:lvl8pPr marR="0" lvl="7" algn="l" rtl="0">
+              <a:spcBef>
+                <a:spcPts val="0"/>
+              </a:spcBef>
+              <a:spcAft>
+                <a:spcPts val="0"/>
+              </a:spcAft>
+              <a:buSzPts val="1400"/>
+              <a:buNone/>
+              <a:defRPr sz="1800" b="0" i="0" u="none" strike="noStrike" cap="none">
                 <a:solidFill>
                   <a:schemeClr val="dk1"/>
                 </a:solidFill>
@@ -452,16 +456,16 @@
                 <a:sym typeface="Calibri"/>
               </a:defRPr>
             </a:lvl8pPr>
-            <a:lvl9pPr lvl="8" marR="0" rtl="0" algn="l">
-              <a:spcBef>
-                <a:spcPts val="0"/>
-              </a:spcBef>
-              <a:spcAft>
-                <a:spcPts val="0"/>
-              </a:spcAft>
-              <a:buSzPts val="1400"/>
-              <a:buNone/>
-              <a:defRPr b="0" i="0" sz="1800" u="none" cap="none" strike="noStrike">
+            <a:lvl9pPr marR="0" lvl="8" algn="l" rtl="0">
+              <a:spcBef>
+                <a:spcPts val="0"/>
+              </a:spcBef>
+              <a:spcAft>
+                <a:spcPts val="0"/>
+              </a:spcAft>
+              <a:buSzPts val="1400"/>
+              <a:buNone/>
+              <a:defRPr sz="1800" b="0" i="0" u="none" strike="noStrike" cap="none">
                 <a:solidFill>
                   <a:schemeClr val="dk1"/>
                 </a:solidFill>
@@ -472,15 +476,19 @@
               </a:defRPr>
             </a:lvl9pPr>
           </a:lstStyle>
-          <a:p/>
+          <a:p>
+            <a:endParaRPr/>
+          </a:p>
         </p:txBody>
       </p:sp>
       <p:sp>
         <p:nvSpPr>
           <p:cNvPr id="4" name="Google Shape;4;n"/>
-          <p:cNvSpPr txBox="1"/>
+          <p:cNvSpPr txBox="1">
+            <a:spLocks noGrp="1"/>
+          </p:cNvSpPr>
           <p:nvPr>
-            <p:ph idx="10" type="dt"/>
+            <p:ph type="dt" idx="10"/>
           </p:nvPr>
         </p:nvSpPr>
         <p:spPr>
@@ -497,20 +505,20 @@
           </a:ln>
         </p:spPr>
         <p:txBody>
-          <a:bodyPr anchorCtr="0" anchor="t" bIns="45700" lIns="91425" spcFirstLastPara="1" rIns="91425" wrap="square" tIns="45700">
+          <a:bodyPr spcFirstLastPara="1" wrap="square" lIns="91425" tIns="45700" rIns="91425" bIns="45700" anchor="t" anchorCtr="0">
             <a:noAutofit/>
           </a:bodyPr>
           <a:lstStyle>
-            <a:lvl1pPr lvl="0" marR="0" rtl="0" algn="r">
-              <a:spcBef>
-                <a:spcPts val="0"/>
-              </a:spcBef>
-              <a:spcAft>
-                <a:spcPts val="0"/>
-              </a:spcAft>
-              <a:buSzPts val="1400"/>
-              <a:buNone/>
-              <a:defRPr b="0" i="0" sz="1200" u="none" cap="none" strike="noStrike">
+            <a:lvl1pPr marR="0" lvl="0" algn="r" rtl="0">
+              <a:spcBef>
+                <a:spcPts val="0"/>
+              </a:spcBef>
+              <a:spcAft>
+                <a:spcPts val="0"/>
+              </a:spcAft>
+              <a:buSzPts val="1400"/>
+              <a:buNone/>
+              <a:defRPr sz="1200" b="0" i="0" u="none" strike="noStrike" cap="none">
                 <a:solidFill>
                   <a:schemeClr val="dk1"/>
                 </a:solidFill>
@@ -520,16 +528,16 @@
                 <a:sym typeface="Calibri"/>
               </a:defRPr>
             </a:lvl1pPr>
-            <a:lvl2pPr lvl="1" marR="0" rtl="0" algn="l">
-              <a:spcBef>
-                <a:spcPts val="0"/>
-              </a:spcBef>
-              <a:spcAft>
-                <a:spcPts val="0"/>
-              </a:spcAft>
-              <a:buSzPts val="1400"/>
-              <a:buNone/>
-              <a:defRPr b="0" i="0" sz="1800" u="none" cap="none" strike="noStrike">
+            <a:lvl2pPr marR="0" lvl="1" algn="l" rtl="0">
+              <a:spcBef>
+                <a:spcPts val="0"/>
+              </a:spcBef>
+              <a:spcAft>
+                <a:spcPts val="0"/>
+              </a:spcAft>
+              <a:buSzPts val="1400"/>
+              <a:buNone/>
+              <a:defRPr sz="1800" b="0" i="0" u="none" strike="noStrike" cap="none">
                 <a:solidFill>
                   <a:schemeClr val="dk1"/>
                 </a:solidFill>
@@ -539,16 +547,16 @@
                 <a:sym typeface="Calibri"/>
               </a:defRPr>
             </a:lvl2pPr>
-            <a:lvl3pPr lvl="2" marR="0" rtl="0" algn="l">
-              <a:spcBef>
-                <a:spcPts val="0"/>
-              </a:spcBef>
-              <a:spcAft>
-                <a:spcPts val="0"/>
-              </a:spcAft>
-              <a:buSzPts val="1400"/>
-              <a:buNone/>
-              <a:defRPr b="0" i="0" sz="1800" u="none" cap="none" strike="noStrike">
+            <a:lvl3pPr marR="0" lvl="2" algn="l" rtl="0">
+              <a:spcBef>
+                <a:spcPts val="0"/>
+              </a:spcBef>
+              <a:spcAft>
+                <a:spcPts val="0"/>
+              </a:spcAft>
+              <a:buSzPts val="1400"/>
+              <a:buNone/>
+              <a:defRPr sz="1800" b="0" i="0" u="none" strike="noStrike" cap="none">
                 <a:solidFill>
                   <a:schemeClr val="dk1"/>
                 </a:solidFill>
@@ -558,16 +566,16 @@
                 <a:sym typeface="Calibri"/>
               </a:defRPr>
             </a:lvl3pPr>
-            <a:lvl4pPr lvl="3" marR="0" rtl="0" algn="l">
-              <a:spcBef>
-                <a:spcPts val="0"/>
-              </a:spcBef>
-              <a:spcAft>
-                <a:spcPts val="0"/>
-              </a:spcAft>
-              <a:buSzPts val="1400"/>
-              <a:buNone/>
-              <a:defRPr b="0" i="0" sz="1800" u="none" cap="none" strike="noStrike">
+            <a:lvl4pPr marR="0" lvl="3" algn="l" rtl="0">
+              <a:spcBef>
+                <a:spcPts val="0"/>
+              </a:spcBef>
+              <a:spcAft>
+                <a:spcPts val="0"/>
+              </a:spcAft>
+              <a:buSzPts val="1400"/>
+              <a:buNone/>
+              <a:defRPr sz="1800" b="0" i="0" u="none" strike="noStrike" cap="none">
                 <a:solidFill>
                   <a:schemeClr val="dk1"/>
                 </a:solidFill>
@@ -577,16 +585,16 @@
                 <a:sym typeface="Calibri"/>
               </a:defRPr>
             </a:lvl4pPr>
-            <a:lvl5pPr lvl="4" marR="0" rtl="0" algn="l">
-              <a:spcBef>
-                <a:spcPts val="0"/>
-              </a:spcBef>
-              <a:spcAft>
-                <a:spcPts val="0"/>
-              </a:spcAft>
-              <a:buSzPts val="1400"/>
-              <a:buNone/>
-              <a:defRPr b="0" i="0" sz="1800" u="none" cap="none" strike="noStrike">
+            <a:lvl5pPr marR="0" lvl="4" algn="l" rtl="0">
+              <a:spcBef>
+                <a:spcPts val="0"/>
+              </a:spcBef>
+              <a:spcAft>
+                <a:spcPts val="0"/>
+              </a:spcAft>
+              <a:buSzPts val="1400"/>
+              <a:buNone/>
+              <a:defRPr sz="1800" b="0" i="0" u="none" strike="noStrike" cap="none">
                 <a:solidFill>
                   <a:schemeClr val="dk1"/>
                 </a:solidFill>
@@ -596,16 +604,16 @@
                 <a:sym typeface="Calibri"/>
               </a:defRPr>
             </a:lvl5pPr>
-            <a:lvl6pPr lvl="5" marR="0" rtl="0" algn="l">
-              <a:spcBef>
-                <a:spcPts val="0"/>
-              </a:spcBef>
-              <a:spcAft>
-                <a:spcPts val="0"/>
-              </a:spcAft>
-              <a:buSzPts val="1400"/>
-              <a:buNone/>
-              <a:defRPr b="0" i="0" sz="1800" u="none" cap="none" strike="noStrike">
+            <a:lvl6pPr marR="0" lvl="5" algn="l" rtl="0">
+              <a:spcBef>
+                <a:spcPts val="0"/>
+              </a:spcBef>
+              <a:spcAft>
+                <a:spcPts val="0"/>
+              </a:spcAft>
+              <a:buSzPts val="1400"/>
+              <a:buNone/>
+              <a:defRPr sz="1800" b="0" i="0" u="none" strike="noStrike" cap="none">
                 <a:solidFill>
                   <a:schemeClr val="dk1"/>
                 </a:solidFill>
@@ -615,16 +623,16 @@
                 <a:sym typeface="Calibri"/>
               </a:defRPr>
             </a:lvl6pPr>
-            <a:lvl7pPr lvl="6" marR="0" rtl="0" algn="l">
-              <a:spcBef>
-                <a:spcPts val="0"/>
-              </a:spcBef>
-              <a:spcAft>
-                <a:spcPts val="0"/>
-              </a:spcAft>
-              <a:buSzPts val="1400"/>
-              <a:buNone/>
-              <a:defRPr b="0" i="0" sz="1800" u="none" cap="none" strike="noStrike">
+            <a:lvl7pPr marR="0" lvl="6" algn="l" rtl="0">
+              <a:spcBef>
+                <a:spcPts val="0"/>
+              </a:spcBef>
+              <a:spcAft>
+                <a:spcPts val="0"/>
+              </a:spcAft>
+              <a:buSzPts val="1400"/>
+              <a:buNone/>
+              <a:defRPr sz="1800" b="0" i="0" u="none" strike="noStrike" cap="none">
                 <a:solidFill>
                   <a:schemeClr val="dk1"/>
                 </a:solidFill>
@@ -634,16 +642,16 @@
                 <a:sym typeface="Calibri"/>
               </a:defRPr>
             </a:lvl7pPr>
-            <a:lvl8pPr lvl="7" marR="0" rtl="0" algn="l">
-              <a:spcBef>
-                <a:spcPts val="0"/>
-              </a:spcBef>
-              <a:spcAft>
-                <a:spcPts val="0"/>
-              </a:spcAft>
-              <a:buSzPts val="1400"/>
-              <a:buNone/>
-              <a:defRPr b="0" i="0" sz="1800" u="none" cap="none" strike="noStrike">
+            <a:lvl8pPr marR="0" lvl="7" algn="l" rtl="0">
+              <a:spcBef>
+                <a:spcPts val="0"/>
+              </a:spcBef>
+              <a:spcAft>
+                <a:spcPts val="0"/>
+              </a:spcAft>
+              <a:buSzPts val="1400"/>
+              <a:buNone/>
+              <a:defRPr sz="1800" b="0" i="0" u="none" strike="noStrike" cap="none">
                 <a:solidFill>
                   <a:schemeClr val="dk1"/>
                 </a:solidFill>
@@ -653,16 +661,16 @@
                 <a:sym typeface="Calibri"/>
               </a:defRPr>
             </a:lvl8pPr>
-            <a:lvl9pPr lvl="8" marR="0" rtl="0" algn="l">
-              <a:spcBef>
-                <a:spcPts val="0"/>
-              </a:spcBef>
-              <a:spcAft>
-                <a:spcPts val="0"/>
-              </a:spcAft>
-              <a:buSzPts val="1400"/>
-              <a:buNone/>
-              <a:defRPr b="0" i="0" sz="1800" u="none" cap="none" strike="noStrike">
+            <a:lvl9pPr marR="0" lvl="8" algn="l" rtl="0">
+              <a:spcBef>
+                <a:spcPts val="0"/>
+              </a:spcBef>
+              <a:spcAft>
+                <a:spcPts val="0"/>
+              </a:spcAft>
+              <a:buSzPts val="1400"/>
+              <a:buNone/>
+              <a:defRPr sz="1800" b="0" i="0" u="none" strike="noStrike" cap="none">
                 <a:solidFill>
                   <a:schemeClr val="dk1"/>
                 </a:solidFill>
@@ -673,15 +681,19 @@
               </a:defRPr>
             </a:lvl9pPr>
           </a:lstStyle>
-          <a:p/>
+          <a:p>
+            <a:endParaRPr/>
+          </a:p>
         </p:txBody>
       </p:sp>
       <p:sp>
         <p:nvSpPr>
           <p:cNvPr id="5" name="Google Shape;5;n"/>
-          <p:cNvSpPr/>
+          <p:cNvSpPr>
+            <a:spLocks noGrp="1" noRot="1" noChangeAspect="1"/>
+          </p:cNvSpPr>
           <p:nvPr>
-            <p:ph idx="3" type="sldImg"/>
+            <p:ph type="sldImg" idx="3"/>
           </p:nvPr>
         </p:nvSpPr>
         <p:spPr>
@@ -690,9 +702,13 @@
             <a:ext cx="5486400" cy="3086100"/>
           </a:xfrm>
           <a:custGeom>
-            <a:rect b="b" l="l" r="r" t="t"/>
+            <a:avLst/>
+            <a:gdLst/>
+            <a:ahLst/>
+            <a:cxnLst/>
+            <a:rect l="l" t="t" r="r" b="b"/>
             <a:pathLst>
-              <a:path extrusionOk="0" h="120000" w="120000">
+              <a:path w="120000" h="120000" extrusionOk="0">
                 <a:moveTo>
                   <a:pt x="0" y="0"/>
                 </a:moveTo>
@@ -710,23 +726,25 @@
             </a:pathLst>
           </a:custGeom>
           <a:noFill/>
-          <a:ln cap="flat" cmpd="sng" w="12700">
+          <a:ln w="12700" cap="flat" cmpd="sng">
             <a:solidFill>
               <a:srgbClr val="000000"/>
             </a:solidFill>
             <a:prstDash val="solid"/>
             <a:round/>
-            <a:headEnd len="sm" w="sm" type="none"/>
-            <a:tailEnd len="sm" w="sm" type="none"/>
+            <a:headEnd type="none" w="sm" len="sm"/>
+            <a:tailEnd type="none" w="sm" len="sm"/>
           </a:ln>
         </p:spPr>
       </p:sp>
       <p:sp>
         <p:nvSpPr>
           <p:cNvPr id="6" name="Google Shape;6;n"/>
-          <p:cNvSpPr txBox="1"/>
+          <p:cNvSpPr txBox="1">
+            <a:spLocks noGrp="1"/>
+          </p:cNvSpPr>
           <p:nvPr>
-            <p:ph idx="1" type="body"/>
+            <p:ph type="body" idx="1"/>
           </p:nvPr>
         </p:nvSpPr>
         <p:spPr>
@@ -743,20 +761,20 @@
           </a:ln>
         </p:spPr>
         <p:txBody>
-          <a:bodyPr anchorCtr="0" anchor="t" bIns="45700" lIns="91425" spcFirstLastPara="1" rIns="91425" wrap="square" tIns="45700">
+          <a:bodyPr spcFirstLastPara="1" wrap="square" lIns="91425" tIns="45700" rIns="91425" bIns="45700" anchor="t" anchorCtr="0">
             <a:noAutofit/>
           </a:bodyPr>
           <a:lstStyle>
-            <a:lvl1pPr indent="-228600" lvl="0" marL="457200" marR="0" rtl="0" algn="l">
-              <a:spcBef>
-                <a:spcPts val="0"/>
-              </a:spcBef>
-              <a:spcAft>
-                <a:spcPts val="0"/>
-              </a:spcAft>
-              <a:buSzPts val="1400"/>
-              <a:buNone/>
-              <a:defRPr b="0" i="0" sz="1200" u="none" cap="none" strike="noStrike">
+            <a:lvl1pPr marL="457200" marR="0" lvl="0" indent="-228600" algn="l" rtl="0">
+              <a:spcBef>
+                <a:spcPts val="0"/>
+              </a:spcBef>
+              <a:spcAft>
+                <a:spcPts val="0"/>
+              </a:spcAft>
+              <a:buSzPts val="1400"/>
+              <a:buNone/>
+              <a:defRPr sz="1200" b="0" i="0" u="none" strike="noStrike" cap="none">
                 <a:solidFill>
                   <a:schemeClr val="dk1"/>
                 </a:solidFill>
@@ -766,16 +784,16 @@
                 <a:sym typeface="Calibri"/>
               </a:defRPr>
             </a:lvl1pPr>
-            <a:lvl2pPr indent="-228600" lvl="1" marL="914400" marR="0" rtl="0" algn="l">
-              <a:spcBef>
-                <a:spcPts val="0"/>
-              </a:spcBef>
-              <a:spcAft>
-                <a:spcPts val="0"/>
-              </a:spcAft>
-              <a:buSzPts val="1400"/>
-              <a:buNone/>
-              <a:defRPr b="0" i="0" sz="1200" u="none" cap="none" strike="noStrike">
+            <a:lvl2pPr marL="914400" marR="0" lvl="1" indent="-228600" algn="l" rtl="0">
+              <a:spcBef>
+                <a:spcPts val="0"/>
+              </a:spcBef>
+              <a:spcAft>
+                <a:spcPts val="0"/>
+              </a:spcAft>
+              <a:buSzPts val="1400"/>
+              <a:buNone/>
+              <a:defRPr sz="1200" b="0" i="0" u="none" strike="noStrike" cap="none">
                 <a:solidFill>
                   <a:schemeClr val="dk1"/>
                 </a:solidFill>
@@ -785,16 +803,16 @@
                 <a:sym typeface="Calibri"/>
               </a:defRPr>
             </a:lvl2pPr>
-            <a:lvl3pPr indent="-228600" lvl="2" marL="1371600" marR="0" rtl="0" algn="l">
-              <a:spcBef>
-                <a:spcPts val="0"/>
-              </a:spcBef>
-              <a:spcAft>
-                <a:spcPts val="0"/>
-              </a:spcAft>
-              <a:buSzPts val="1400"/>
-              <a:buNone/>
-              <a:defRPr b="0" i="0" sz="1200" u="none" cap="none" strike="noStrike">
+            <a:lvl3pPr marL="1371600" marR="0" lvl="2" indent="-228600" algn="l" rtl="0">
+              <a:spcBef>
+                <a:spcPts val="0"/>
+              </a:spcBef>
+              <a:spcAft>
+                <a:spcPts val="0"/>
+              </a:spcAft>
+              <a:buSzPts val="1400"/>
+              <a:buNone/>
+              <a:defRPr sz="1200" b="0" i="0" u="none" strike="noStrike" cap="none">
                 <a:solidFill>
                   <a:schemeClr val="dk1"/>
                 </a:solidFill>
@@ -804,16 +822,16 @@
                 <a:sym typeface="Calibri"/>
               </a:defRPr>
             </a:lvl3pPr>
-            <a:lvl4pPr indent="-228600" lvl="3" marL="1828800" marR="0" rtl="0" algn="l">
-              <a:spcBef>
-                <a:spcPts val="0"/>
-              </a:spcBef>
-              <a:spcAft>
-                <a:spcPts val="0"/>
-              </a:spcAft>
-              <a:buSzPts val="1400"/>
-              <a:buNone/>
-              <a:defRPr b="0" i="0" sz="1200" u="none" cap="none" strike="noStrike">
+            <a:lvl4pPr marL="1828800" marR="0" lvl="3" indent="-228600" algn="l" rtl="0">
+              <a:spcBef>
+                <a:spcPts val="0"/>
+              </a:spcBef>
+              <a:spcAft>
+                <a:spcPts val="0"/>
+              </a:spcAft>
+              <a:buSzPts val="1400"/>
+              <a:buNone/>
+              <a:defRPr sz="1200" b="0" i="0" u="none" strike="noStrike" cap="none">
                 <a:solidFill>
                   <a:schemeClr val="dk1"/>
                 </a:solidFill>
@@ -823,16 +841,16 @@
                 <a:sym typeface="Calibri"/>
               </a:defRPr>
             </a:lvl4pPr>
-            <a:lvl5pPr indent="-228600" lvl="4" marL="2286000" marR="0" rtl="0" algn="l">
-              <a:spcBef>
-                <a:spcPts val="0"/>
-              </a:spcBef>
-              <a:spcAft>
-                <a:spcPts val="0"/>
-              </a:spcAft>
-              <a:buSzPts val="1400"/>
-              <a:buNone/>
-              <a:defRPr b="0" i="0" sz="1200" u="none" cap="none" strike="noStrike">
+            <a:lvl5pPr marL="2286000" marR="0" lvl="4" indent="-228600" algn="l" rtl="0">
+              <a:spcBef>
+                <a:spcPts val="0"/>
+              </a:spcBef>
+              <a:spcAft>
+                <a:spcPts val="0"/>
+              </a:spcAft>
+              <a:buSzPts val="1400"/>
+              <a:buNone/>
+              <a:defRPr sz="1200" b="0" i="0" u="none" strike="noStrike" cap="none">
                 <a:solidFill>
                   <a:schemeClr val="dk1"/>
                 </a:solidFill>
@@ -842,16 +860,16 @@
                 <a:sym typeface="Calibri"/>
               </a:defRPr>
             </a:lvl5pPr>
-            <a:lvl6pPr indent="-228600" lvl="5" marL="2743200" marR="0" rtl="0" algn="l">
-              <a:spcBef>
-                <a:spcPts val="0"/>
-              </a:spcBef>
-              <a:spcAft>
-                <a:spcPts val="0"/>
-              </a:spcAft>
-              <a:buSzPts val="1400"/>
-              <a:buNone/>
-              <a:defRPr b="0" i="0" sz="1200" u="none" cap="none" strike="noStrike">
+            <a:lvl6pPr marL="2743200" marR="0" lvl="5" indent="-228600" algn="l" rtl="0">
+              <a:spcBef>
+                <a:spcPts val="0"/>
+              </a:spcBef>
+              <a:spcAft>
+                <a:spcPts val="0"/>
+              </a:spcAft>
+              <a:buSzPts val="1400"/>
+              <a:buNone/>
+              <a:defRPr sz="1200" b="0" i="0" u="none" strike="noStrike" cap="none">
                 <a:solidFill>
                   <a:schemeClr val="dk1"/>
                 </a:solidFill>
@@ -861,16 +879,16 @@
                 <a:sym typeface="Calibri"/>
               </a:defRPr>
             </a:lvl6pPr>
-            <a:lvl7pPr indent="-228600" lvl="6" marL="3200400" marR="0" rtl="0" algn="l">
-              <a:spcBef>
-                <a:spcPts val="0"/>
-              </a:spcBef>
-              <a:spcAft>
-                <a:spcPts val="0"/>
-              </a:spcAft>
-              <a:buSzPts val="1400"/>
-              <a:buNone/>
-              <a:defRPr b="0" i="0" sz="1200" u="none" cap="none" strike="noStrike">
+            <a:lvl7pPr marL="3200400" marR="0" lvl="6" indent="-228600" algn="l" rtl="0">
+              <a:spcBef>
+                <a:spcPts val="0"/>
+              </a:spcBef>
+              <a:spcAft>
+                <a:spcPts val="0"/>
+              </a:spcAft>
+              <a:buSzPts val="1400"/>
+              <a:buNone/>
+              <a:defRPr sz="1200" b="0" i="0" u="none" strike="noStrike" cap="none">
                 <a:solidFill>
                   <a:schemeClr val="dk1"/>
                 </a:solidFill>
@@ -880,16 +898,16 @@
                 <a:sym typeface="Calibri"/>
               </a:defRPr>
             </a:lvl7pPr>
-            <a:lvl8pPr indent="-228600" lvl="7" marL="3657600" marR="0" rtl="0" algn="l">
-              <a:spcBef>
-                <a:spcPts val="0"/>
-              </a:spcBef>
-              <a:spcAft>
-                <a:spcPts val="0"/>
-              </a:spcAft>
-              <a:buSzPts val="1400"/>
-              <a:buNone/>
-              <a:defRPr b="0" i="0" sz="1200" u="none" cap="none" strike="noStrike">
+            <a:lvl8pPr marL="3657600" marR="0" lvl="7" indent="-228600" algn="l" rtl="0">
+              <a:spcBef>
+                <a:spcPts val="0"/>
+              </a:spcBef>
+              <a:spcAft>
+                <a:spcPts val="0"/>
+              </a:spcAft>
+              <a:buSzPts val="1400"/>
+              <a:buNone/>
+              <a:defRPr sz="1200" b="0" i="0" u="none" strike="noStrike" cap="none">
                 <a:solidFill>
                   <a:schemeClr val="dk1"/>
                 </a:solidFill>
@@ -899,16 +917,16 @@
                 <a:sym typeface="Calibri"/>
               </a:defRPr>
             </a:lvl8pPr>
-            <a:lvl9pPr indent="-228600" lvl="8" marL="4114800" marR="0" rtl="0" algn="l">
-              <a:spcBef>
-                <a:spcPts val="0"/>
-              </a:spcBef>
-              <a:spcAft>
-                <a:spcPts val="0"/>
-              </a:spcAft>
-              <a:buSzPts val="1400"/>
-              <a:buNone/>
-              <a:defRPr b="0" i="0" sz="1200" u="none" cap="none" strike="noStrike">
+            <a:lvl9pPr marL="4114800" marR="0" lvl="8" indent="-228600" algn="l" rtl="0">
+              <a:spcBef>
+                <a:spcPts val="0"/>
+              </a:spcBef>
+              <a:spcAft>
+                <a:spcPts val="0"/>
+              </a:spcAft>
+              <a:buSzPts val="1400"/>
+              <a:buNone/>
+              <a:defRPr sz="1200" b="0" i="0" u="none" strike="noStrike" cap="none">
                 <a:solidFill>
                   <a:schemeClr val="dk1"/>
                 </a:solidFill>
@@ -919,15 +937,19 @@
               </a:defRPr>
             </a:lvl9pPr>
           </a:lstStyle>
-          <a:p/>
+          <a:p>
+            <a:endParaRPr/>
+          </a:p>
         </p:txBody>
       </p:sp>
       <p:sp>
         <p:nvSpPr>
           <p:cNvPr id="7" name="Google Shape;7;n"/>
-          <p:cNvSpPr txBox="1"/>
+          <p:cNvSpPr txBox="1">
+            <a:spLocks noGrp="1"/>
+          </p:cNvSpPr>
           <p:nvPr>
-            <p:ph idx="11" type="ftr"/>
+            <p:ph type="ftr" idx="11"/>
           </p:nvPr>
         </p:nvSpPr>
         <p:spPr>
@@ -944,20 +966,20 @@
           </a:ln>
         </p:spPr>
         <p:txBody>
-          <a:bodyPr anchorCtr="0" anchor="b" bIns="45700" lIns="91425" spcFirstLastPara="1" rIns="91425" wrap="square" tIns="45700">
+          <a:bodyPr spcFirstLastPara="1" wrap="square" lIns="91425" tIns="45700" rIns="91425" bIns="45700" anchor="b" anchorCtr="0">
             <a:noAutofit/>
           </a:bodyPr>
           <a:lstStyle>
-            <a:lvl1pPr lvl="0" marR="0" rtl="0" algn="l">
-              <a:spcBef>
-                <a:spcPts val="0"/>
-              </a:spcBef>
-              <a:spcAft>
-                <a:spcPts val="0"/>
-              </a:spcAft>
-              <a:buSzPts val="1400"/>
-              <a:buNone/>
-              <a:defRPr b="0" i="0" sz="1200" u="none" cap="none" strike="noStrike">
+            <a:lvl1pPr marR="0" lvl="0" algn="l" rtl="0">
+              <a:spcBef>
+                <a:spcPts val="0"/>
+              </a:spcBef>
+              <a:spcAft>
+                <a:spcPts val="0"/>
+              </a:spcAft>
+              <a:buSzPts val="1400"/>
+              <a:buNone/>
+              <a:defRPr sz="1200" b="0" i="0" u="none" strike="noStrike" cap="none">
                 <a:solidFill>
                   <a:schemeClr val="dk1"/>
                 </a:solidFill>
@@ -967,16 +989,16 @@
                 <a:sym typeface="Calibri"/>
               </a:defRPr>
             </a:lvl1pPr>
-            <a:lvl2pPr lvl="1" marR="0" rtl="0" algn="l">
-              <a:spcBef>
-                <a:spcPts val="0"/>
-              </a:spcBef>
-              <a:spcAft>
-                <a:spcPts val="0"/>
-              </a:spcAft>
-              <a:buSzPts val="1400"/>
-              <a:buNone/>
-              <a:defRPr b="0" i="0" sz="1800" u="none" cap="none" strike="noStrike">
+            <a:lvl2pPr marR="0" lvl="1" algn="l" rtl="0">
+              <a:spcBef>
+                <a:spcPts val="0"/>
+              </a:spcBef>
+              <a:spcAft>
+                <a:spcPts val="0"/>
+              </a:spcAft>
+              <a:buSzPts val="1400"/>
+              <a:buNone/>
+              <a:defRPr sz="1800" b="0" i="0" u="none" strike="noStrike" cap="none">
                 <a:solidFill>
                   <a:schemeClr val="dk1"/>
                 </a:solidFill>
@@ -986,16 +1008,16 @@
                 <a:sym typeface="Calibri"/>
               </a:defRPr>
             </a:lvl2pPr>
-            <a:lvl3pPr lvl="2" marR="0" rtl="0" algn="l">
-              <a:spcBef>
-                <a:spcPts val="0"/>
-              </a:spcBef>
-              <a:spcAft>
-                <a:spcPts val="0"/>
-              </a:spcAft>
-              <a:buSzPts val="1400"/>
-              <a:buNone/>
-              <a:defRPr b="0" i="0" sz="1800" u="none" cap="none" strike="noStrike">
+            <a:lvl3pPr marR="0" lvl="2" algn="l" rtl="0">
+              <a:spcBef>
+                <a:spcPts val="0"/>
+              </a:spcBef>
+              <a:spcAft>
+                <a:spcPts val="0"/>
+              </a:spcAft>
+              <a:buSzPts val="1400"/>
+              <a:buNone/>
+              <a:defRPr sz="1800" b="0" i="0" u="none" strike="noStrike" cap="none">
                 <a:solidFill>
                   <a:schemeClr val="dk1"/>
                 </a:solidFill>
@@ -1005,16 +1027,16 @@
                 <a:sym typeface="Calibri"/>
               </a:defRPr>
             </a:lvl3pPr>
-            <a:lvl4pPr lvl="3" marR="0" rtl="0" algn="l">
-              <a:spcBef>
-                <a:spcPts val="0"/>
-              </a:spcBef>
-              <a:spcAft>
-                <a:spcPts val="0"/>
-              </a:spcAft>
-              <a:buSzPts val="1400"/>
-              <a:buNone/>
-              <a:defRPr b="0" i="0" sz="1800" u="none" cap="none" strike="noStrike">
+            <a:lvl4pPr marR="0" lvl="3" algn="l" rtl="0">
+              <a:spcBef>
+                <a:spcPts val="0"/>
+              </a:spcBef>
+              <a:spcAft>
+                <a:spcPts val="0"/>
+              </a:spcAft>
+              <a:buSzPts val="1400"/>
+              <a:buNone/>
+              <a:defRPr sz="1800" b="0" i="0" u="none" strike="noStrike" cap="none">
                 <a:solidFill>
                   <a:schemeClr val="dk1"/>
                 </a:solidFill>
@@ -1024,16 +1046,16 @@
                 <a:sym typeface="Calibri"/>
               </a:defRPr>
             </a:lvl4pPr>
-            <a:lvl5pPr lvl="4" marR="0" rtl="0" algn="l">
-              <a:spcBef>
-                <a:spcPts val="0"/>
-              </a:spcBef>
-              <a:spcAft>
-                <a:spcPts val="0"/>
-              </a:spcAft>
-              <a:buSzPts val="1400"/>
-              <a:buNone/>
-              <a:defRPr b="0" i="0" sz="1800" u="none" cap="none" strike="noStrike">
+            <a:lvl5pPr marR="0" lvl="4" algn="l" rtl="0">
+              <a:spcBef>
+                <a:spcPts val="0"/>
+              </a:spcBef>
+              <a:spcAft>
+                <a:spcPts val="0"/>
+              </a:spcAft>
+              <a:buSzPts val="1400"/>
+              <a:buNone/>
+              <a:defRPr sz="1800" b="0" i="0" u="none" strike="noStrike" cap="none">
                 <a:solidFill>
                   <a:schemeClr val="dk1"/>
                 </a:solidFill>
@@ -1043,16 +1065,16 @@
                 <a:sym typeface="Calibri"/>
               </a:defRPr>
             </a:lvl5pPr>
-            <a:lvl6pPr lvl="5" marR="0" rtl="0" algn="l">
-              <a:spcBef>
-                <a:spcPts val="0"/>
-              </a:spcBef>
-              <a:spcAft>
-                <a:spcPts val="0"/>
-              </a:spcAft>
-              <a:buSzPts val="1400"/>
-              <a:buNone/>
-              <a:defRPr b="0" i="0" sz="1800" u="none" cap="none" strike="noStrike">
+            <a:lvl6pPr marR="0" lvl="5" algn="l" rtl="0">
+              <a:spcBef>
+                <a:spcPts val="0"/>
+              </a:spcBef>
+              <a:spcAft>
+                <a:spcPts val="0"/>
+              </a:spcAft>
+              <a:buSzPts val="1400"/>
+              <a:buNone/>
+              <a:defRPr sz="1800" b="0" i="0" u="none" strike="noStrike" cap="none">
                 <a:solidFill>
                   <a:schemeClr val="dk1"/>
                 </a:solidFill>
@@ -1062,16 +1084,16 @@
                 <a:sym typeface="Calibri"/>
               </a:defRPr>
             </a:lvl6pPr>
-            <a:lvl7pPr lvl="6" marR="0" rtl="0" algn="l">
-              <a:spcBef>
-                <a:spcPts val="0"/>
-              </a:spcBef>
-              <a:spcAft>
-                <a:spcPts val="0"/>
-              </a:spcAft>
-              <a:buSzPts val="1400"/>
-              <a:buNone/>
-              <a:defRPr b="0" i="0" sz="1800" u="none" cap="none" strike="noStrike">
+            <a:lvl7pPr marR="0" lvl="6" algn="l" rtl="0">
+              <a:spcBef>
+                <a:spcPts val="0"/>
+              </a:spcBef>
+              <a:spcAft>
+                <a:spcPts val="0"/>
+              </a:spcAft>
+              <a:buSzPts val="1400"/>
+              <a:buNone/>
+              <a:defRPr sz="1800" b="0" i="0" u="none" strike="noStrike" cap="none">
                 <a:solidFill>
                   <a:schemeClr val="dk1"/>
                 </a:solidFill>
@@ -1081,16 +1103,16 @@
                 <a:sym typeface="Calibri"/>
               </a:defRPr>
             </a:lvl7pPr>
-            <a:lvl8pPr lvl="7" marR="0" rtl="0" algn="l">
-              <a:spcBef>
-                <a:spcPts val="0"/>
-              </a:spcBef>
-              <a:spcAft>
-                <a:spcPts val="0"/>
-              </a:spcAft>
-              <a:buSzPts val="1400"/>
-              <a:buNone/>
-              <a:defRPr b="0" i="0" sz="1800" u="none" cap="none" strike="noStrike">
+            <a:lvl8pPr marR="0" lvl="7" algn="l" rtl="0">
+              <a:spcBef>
+                <a:spcPts val="0"/>
+              </a:spcBef>
+              <a:spcAft>
+                <a:spcPts val="0"/>
+              </a:spcAft>
+              <a:buSzPts val="1400"/>
+              <a:buNone/>
+              <a:defRPr sz="1800" b="0" i="0" u="none" strike="noStrike" cap="none">
                 <a:solidFill>
                   <a:schemeClr val="dk1"/>
                 </a:solidFill>
@@ -1100,16 +1122,16 @@
                 <a:sym typeface="Calibri"/>
               </a:defRPr>
             </a:lvl8pPr>
-            <a:lvl9pPr lvl="8" marR="0" rtl="0" algn="l">
-              <a:spcBef>
-                <a:spcPts val="0"/>
-              </a:spcBef>
-              <a:spcAft>
-                <a:spcPts val="0"/>
-              </a:spcAft>
-              <a:buSzPts val="1400"/>
-              <a:buNone/>
-              <a:defRPr b="0" i="0" sz="1800" u="none" cap="none" strike="noStrike">
+            <a:lvl9pPr marR="0" lvl="8" algn="l" rtl="0">
+              <a:spcBef>
+                <a:spcPts val="0"/>
+              </a:spcBef>
+              <a:spcAft>
+                <a:spcPts val="0"/>
+              </a:spcAft>
+              <a:buSzPts val="1400"/>
+              <a:buNone/>
+              <a:defRPr sz="1800" b="0" i="0" u="none" strike="noStrike" cap="none">
                 <a:solidFill>
                   <a:schemeClr val="dk1"/>
                 </a:solidFill>
@@ -1120,15 +1142,19 @@
               </a:defRPr>
             </a:lvl9pPr>
           </a:lstStyle>
-          <a:p/>
+          <a:p>
+            <a:endParaRPr/>
+          </a:p>
         </p:txBody>
       </p:sp>
       <p:sp>
         <p:nvSpPr>
           <p:cNvPr id="8" name="Google Shape;8;n"/>
-          <p:cNvSpPr txBox="1"/>
+          <p:cNvSpPr txBox="1">
+            <a:spLocks noGrp="1"/>
+          </p:cNvSpPr>
           <p:nvPr>
-            <p:ph idx="12" type="sldNum"/>
+            <p:ph type="sldNum" idx="12"/>
           </p:nvPr>
         </p:nvSpPr>
         <p:spPr>
@@ -1145,12 +1171,12 @@
           </a:ln>
         </p:spPr>
         <p:txBody>
-          <a:bodyPr anchorCtr="0" anchor="b" bIns="45700" lIns="91425" spcFirstLastPara="1" rIns="91425" wrap="square" tIns="45700">
+          <a:bodyPr spcFirstLastPara="1" wrap="square" lIns="91425" tIns="45700" rIns="91425" bIns="45700" anchor="b" anchorCtr="0">
             <a:noAutofit/>
           </a:bodyPr>
           <a:lstStyle/>
           <a:p>
-            <a:pPr indent="0" lvl="0" marL="0" marR="0" rtl="0" algn="r">
+            <a:pPr marL="0" marR="0" lvl="0" indent="0" algn="r" rtl="0">
               <a:spcBef>
                 <a:spcPts val="0"/>
               </a:spcBef>
@@ -1160,7 +1186,7 @@
               <a:buNone/>
             </a:pPr>
             <a:fld id="{00000000-1234-1234-1234-123412341234}" type="slidenum">
-              <a:rPr b="0" i="0" lang="en-US" sz="1200" u="none" cap="none" strike="noStrike">
+              <a:rPr lang="en-US" sz="1200" b="0" i="0" u="none" strike="noStrike" cap="none">
                 <a:solidFill>
                   <a:schemeClr val="dk1"/>
                 </a:solidFill>
@@ -1171,7 +1197,7 @@
               </a:rPr>
               <a:t>‹#›</a:t>
             </a:fld>
-            <a:endParaRPr b="0" i="0" sz="1200" u="none" cap="none" strike="noStrike">
+            <a:endParaRPr sz="1200" b="0" i="0" u="none" strike="noStrike" cap="none">
               <a:solidFill>
                 <a:schemeClr val="dk1"/>
               </a:solidFill>
@@ -1185,9 +1211,9 @@
       </p:sp>
     </p:spTree>
   </p:cSld>
-  <p:clrMap accent1="accent1" accent2="accent2" accent3="accent3" accent4="accent4" accent5="accent5" accent6="accent6" bg1="lt1" bg2="dk2" tx1="dk1" tx2="lt2" folHlink="folHlink" hlink="hlink"/>
+  <p:clrMap bg1="lt1" tx1="dk1" bg2="dk2" tx2="lt2" accent1="accent1" accent2="accent2" accent3="accent3" accent4="accent4" accent5="accent5" accent6="accent6" hlink="hlink" folHlink="folHlink"/>
   <p:notesStyle>
-    <a:defPPr lvl="0" marR="0" rtl="0" algn="l">
+    <a:defPPr marR="0" lvl="0" algn="l" rtl="0">
       <a:lnSpc>
         <a:spcPct val="100000"/>
       </a:lnSpc>
@@ -1198,7 +1224,7 @@
         <a:spcPts val="0"/>
       </a:spcAft>
     </a:defPPr>
-    <a:lvl1pPr lvl="0" marR="0" rtl="0" algn="l">
+    <a:lvl1pPr marR="0" lvl="0" algn="l" rtl="0">
       <a:lnSpc>
         <a:spcPct val="100000"/>
       </a:lnSpc>
@@ -1212,7 +1238,7 @@
         <a:srgbClr val="000000"/>
       </a:buClr>
       <a:buFont typeface="Arial"/>
-      <a:defRPr b="0" i="0" sz="1400" u="none" cap="none" strike="noStrike">
+      <a:defRPr sz="1400" b="0" i="0" u="none" strike="noStrike" cap="none">
         <a:solidFill>
           <a:srgbClr val="000000"/>
         </a:solidFill>
@@ -1222,7 +1248,7 @@
         <a:sym typeface="Arial"/>
       </a:defRPr>
     </a:lvl1pPr>
-    <a:lvl2pPr lvl="1" marR="0" rtl="0" algn="l">
+    <a:lvl2pPr marR="0" lvl="1" algn="l" rtl="0">
       <a:lnSpc>
         <a:spcPct val="100000"/>
       </a:lnSpc>
@@ -1236,7 +1262,7 @@
         <a:srgbClr val="000000"/>
       </a:buClr>
       <a:buFont typeface="Arial"/>
-      <a:defRPr b="0" i="0" sz="1400" u="none" cap="none" strike="noStrike">
+      <a:defRPr sz="1400" b="0" i="0" u="none" strike="noStrike" cap="none">
         <a:solidFill>
           <a:srgbClr val="000000"/>
         </a:solidFill>
@@ -1246,7 +1272,7 @@
         <a:sym typeface="Arial"/>
       </a:defRPr>
     </a:lvl2pPr>
-    <a:lvl3pPr lvl="2" marR="0" rtl="0" algn="l">
+    <a:lvl3pPr marR="0" lvl="2" algn="l" rtl="0">
       <a:lnSpc>
         <a:spcPct val="100000"/>
       </a:lnSpc>
@@ -1260,7 +1286,7 @@
         <a:srgbClr val="000000"/>
       </a:buClr>
       <a:buFont typeface="Arial"/>
-      <a:defRPr b="0" i="0" sz="1400" u="none" cap="none" strike="noStrike">
+      <a:defRPr sz="1400" b="0" i="0" u="none" strike="noStrike" cap="none">
         <a:solidFill>
           <a:srgbClr val="000000"/>
         </a:solidFill>
@@ -1270,7 +1296,7 @@
         <a:sym typeface="Arial"/>
       </a:defRPr>
     </a:lvl3pPr>
-    <a:lvl4pPr lvl="3" marR="0" rtl="0" algn="l">
+    <a:lvl4pPr marR="0" lvl="3" algn="l" rtl="0">
       <a:lnSpc>
         <a:spcPct val="100000"/>
       </a:lnSpc>
@@ -1284,7 +1310,7 @@
         <a:srgbClr val="000000"/>
       </a:buClr>
       <a:buFont typeface="Arial"/>
-      <a:defRPr b="0" i="0" sz="1400" u="none" cap="none" strike="noStrike">
+      <a:defRPr sz="1400" b="0" i="0" u="none" strike="noStrike" cap="none">
         <a:solidFill>
           <a:srgbClr val="000000"/>
         </a:solidFill>
@@ -1294,7 +1320,7 @@
         <a:sym typeface="Arial"/>
       </a:defRPr>
     </a:lvl4pPr>
-    <a:lvl5pPr lvl="4" marR="0" rtl="0" algn="l">
+    <a:lvl5pPr marR="0" lvl="4" algn="l" rtl="0">
       <a:lnSpc>
         <a:spcPct val="100000"/>
       </a:lnSpc>
@@ -1308,7 +1334,7 @@
         <a:srgbClr val="000000"/>
       </a:buClr>
       <a:buFont typeface="Arial"/>
-      <a:defRPr b="0" i="0" sz="1400" u="none" cap="none" strike="noStrike">
+      <a:defRPr sz="1400" b="0" i="0" u="none" strike="noStrike" cap="none">
         <a:solidFill>
           <a:srgbClr val="000000"/>
         </a:solidFill>
@@ -1318,7 +1344,7 @@
         <a:sym typeface="Arial"/>
       </a:defRPr>
     </a:lvl5pPr>
-    <a:lvl6pPr lvl="5" marR="0" rtl="0" algn="l">
+    <a:lvl6pPr marR="0" lvl="5" algn="l" rtl="0">
       <a:lnSpc>
         <a:spcPct val="100000"/>
       </a:lnSpc>
@@ -1332,7 +1358,7 @@
         <a:srgbClr val="000000"/>
       </a:buClr>
       <a:buFont typeface="Arial"/>
-      <a:defRPr b="0" i="0" sz="1400" u="none" cap="none" strike="noStrike">
+      <a:defRPr sz="1400" b="0" i="0" u="none" strike="noStrike" cap="none">
         <a:solidFill>
           <a:srgbClr val="000000"/>
         </a:solidFill>
@@ -1342,7 +1368,7 @@
         <a:sym typeface="Arial"/>
       </a:defRPr>
     </a:lvl6pPr>
-    <a:lvl7pPr lvl="6" marR="0" rtl="0" algn="l">
+    <a:lvl7pPr marR="0" lvl="6" algn="l" rtl="0">
       <a:lnSpc>
         <a:spcPct val="100000"/>
       </a:lnSpc>
@@ -1356,7 +1382,7 @@
         <a:srgbClr val="000000"/>
       </a:buClr>
       <a:buFont typeface="Arial"/>
-      <a:defRPr b="0" i="0" sz="1400" u="none" cap="none" strike="noStrike">
+      <a:defRPr sz="1400" b="0" i="0" u="none" strike="noStrike" cap="none">
         <a:solidFill>
           <a:srgbClr val="000000"/>
         </a:solidFill>
@@ -1366,7 +1392,7 @@
         <a:sym typeface="Arial"/>
       </a:defRPr>
     </a:lvl7pPr>
-    <a:lvl8pPr lvl="7" marR="0" rtl="0" algn="l">
+    <a:lvl8pPr marR="0" lvl="7" algn="l" rtl="0">
       <a:lnSpc>
         <a:spcPct val="100000"/>
       </a:lnSpc>
@@ -1380,7 +1406,7 @@
         <a:srgbClr val="000000"/>
       </a:buClr>
       <a:buFont typeface="Arial"/>
-      <a:defRPr b="0" i="0" sz="1400" u="none" cap="none" strike="noStrike">
+      <a:defRPr sz="1400" b="0" i="0" u="none" strike="noStrike" cap="none">
         <a:solidFill>
           <a:srgbClr val="000000"/>
         </a:solidFill>
@@ -1390,7 +1416,7 @@
         <a:sym typeface="Arial"/>
       </a:defRPr>
     </a:lvl8pPr>
-    <a:lvl9pPr lvl="8" marR="0" rtl="0" algn="l">
+    <a:lvl9pPr marR="0" lvl="8" algn="l" rtl="0">
       <a:lnSpc>
         <a:spcPct val="100000"/>
       </a:lnSpc>
@@ -1404,7 +1430,7 @@
         <a:srgbClr val="000000"/>
       </a:buClr>
       <a:buFont typeface="Arial"/>
-      <a:defRPr b="0" i="0" sz="1400" u="none" cap="none" strike="noStrike">
+      <a:defRPr sz="1400" b="0" i="0" u="none" strike="noStrike" cap="none">
         <a:solidFill>
           <a:srgbClr val="000000"/>
         </a:solidFill>
@@ -1419,11 +1445,11 @@
 </file>
 
 <file path=ppt/notesSlides/notesSlide1.xml><?xml version="1.0" encoding="utf-8"?>
-<p:notes xmlns:a="http://schemas.openxmlformats.org/drawingml/2006/main" xmlns:r="http://schemas.openxmlformats.org/officeDocument/2006/relationships" xmlns:mc="http://schemas.openxmlformats.org/markup-compatibility/2006" xmlns:mv="urn:schemas-microsoft-com:mac:vml" xmlns:p="http://schemas.openxmlformats.org/presentationml/2006/main" xmlns:c="http://schemas.openxmlformats.org/drawingml/2006/chart" xmlns:dgm="http://schemas.openxmlformats.org/drawingml/2006/diagram" xmlns:o="urn:schemas-microsoft-com:office:office" xmlns:v="urn:schemas-microsoft-com:vml" xmlns:pvml="urn:schemas-microsoft-com:office:powerpoint" xmlns:com="http://schemas.openxmlformats.org/drawingml/2006/compatibility" xmlns:p14="http://schemas.microsoft.com/office/powerpoint/2010/main" xmlns:p15="http://schemas.microsoft.com/office/powerpoint/2012/main" xmlns:ahyp="http://schemas.microsoft.com/office/drawing/2018/hyperlinkcolor" showMasterPhAnim="0" showMasterSp="0">
+<p:notes xmlns:a="http://schemas.openxmlformats.org/drawingml/2006/main" xmlns:r="http://schemas.openxmlformats.org/officeDocument/2006/relationships" xmlns:p="http://schemas.openxmlformats.org/presentationml/2006/main" showMasterSp="0" showMasterPhAnim="0">
   <p:cSld>
     <p:spTree>
       <p:nvGrpSpPr>
-        <p:cNvPr id="84" name="Shape 84"/>
+        <p:cNvPr id="1" name="Shape 84"/>
         <p:cNvGrpSpPr/>
         <p:nvPr/>
       </p:nvGrpSpPr>
@@ -1438,9 +1464,11 @@
       <p:sp>
         <p:nvSpPr>
           <p:cNvPr id="85" name="Google Shape;85;p1:notes"/>
-          <p:cNvSpPr/>
+          <p:cNvSpPr>
+            <a:spLocks noGrp="1" noRot="1" noChangeAspect="1"/>
+          </p:cNvSpPr>
           <p:nvPr>
-            <p:ph idx="2" type="sldImg"/>
+            <p:ph type="sldImg" idx="2"/>
           </p:nvPr>
         </p:nvSpPr>
         <p:spPr>
@@ -1449,9 +1477,13 @@
             <a:ext cx="5486400" cy="3086100"/>
           </a:xfrm>
           <a:custGeom>
-            <a:rect b="b" l="l" r="r" t="t"/>
+            <a:avLst/>
+            <a:gdLst/>
+            <a:ahLst/>
+            <a:cxnLst/>
+            <a:rect l="l" t="t" r="r" b="b"/>
             <a:pathLst>
-              <a:path extrusionOk="0" h="120000" w="120000">
+              <a:path w="120000" h="120000" extrusionOk="0">
                 <a:moveTo>
                   <a:pt x="0" y="0"/>
                 </a:moveTo>
@@ -1469,23 +1501,25 @@
             </a:pathLst>
           </a:custGeom>
           <a:noFill/>
-          <a:ln cap="flat" cmpd="sng" w="12700">
+          <a:ln w="12700" cap="flat" cmpd="sng">
             <a:solidFill>
               <a:srgbClr val="000000"/>
             </a:solidFill>
             <a:prstDash val="solid"/>
             <a:round/>
-            <a:headEnd len="sm" w="sm" type="none"/>
-            <a:tailEnd len="sm" w="sm" type="none"/>
+            <a:headEnd type="none" w="sm" len="sm"/>
+            <a:tailEnd type="none" w="sm" len="sm"/>
           </a:ln>
         </p:spPr>
       </p:sp>
       <p:sp>
         <p:nvSpPr>
           <p:cNvPr id="86" name="Google Shape;86;p1:notes"/>
-          <p:cNvSpPr txBox="1"/>
+          <p:cNvSpPr txBox="1">
+            <a:spLocks noGrp="1"/>
+          </p:cNvSpPr>
           <p:nvPr>
-            <p:ph idx="1" type="body"/>
+            <p:ph type="body" idx="1"/>
           </p:nvPr>
         </p:nvSpPr>
         <p:spPr>
@@ -1502,12 +1536,12 @@
           </a:ln>
         </p:spPr>
         <p:txBody>
-          <a:bodyPr anchorCtr="0" anchor="t" bIns="45700" lIns="91425" spcFirstLastPara="1" rIns="91425" wrap="square" tIns="45700">
+          <a:bodyPr spcFirstLastPara="1" wrap="square" lIns="91425" tIns="45700" rIns="91425" bIns="45700" anchor="t" anchorCtr="0">
             <a:noAutofit/>
           </a:bodyPr>
           <a:lstStyle/>
           <a:p>
-            <a:pPr indent="0" lvl="0" marL="0" rtl="0" algn="l">
+            <a:pPr marL="0" lvl="0" indent="0" algn="l" rtl="0">
               <a:spcBef>
                 <a:spcPts val="0"/>
               </a:spcBef>
@@ -1516,9 +1550,6 @@
               </a:spcAft>
               <a:buNone/>
             </a:pPr>
-            <a:r>
-              <a:t/>
-            </a:r>
             <a:endParaRPr/>
           </a:p>
         </p:txBody>
@@ -1532,11 +1563,11 @@
 </file>
 
 <file path=ppt/notesSlides/notesSlide2.xml><?xml version="1.0" encoding="utf-8"?>
-<p:notes xmlns:a="http://schemas.openxmlformats.org/drawingml/2006/main" xmlns:r="http://schemas.openxmlformats.org/officeDocument/2006/relationships" xmlns:mc="http://schemas.openxmlformats.org/markup-compatibility/2006" xmlns:mv="urn:schemas-microsoft-com:mac:vml" xmlns:p="http://schemas.openxmlformats.org/presentationml/2006/main" xmlns:c="http://schemas.openxmlformats.org/drawingml/2006/chart" xmlns:dgm="http://schemas.openxmlformats.org/drawingml/2006/diagram" xmlns:o="urn:schemas-microsoft-com:office:office" xmlns:v="urn:schemas-microsoft-com:vml" xmlns:pvml="urn:schemas-microsoft-com:office:powerpoint" xmlns:com="http://schemas.openxmlformats.org/drawingml/2006/compatibility" xmlns:p14="http://schemas.microsoft.com/office/powerpoint/2010/main" xmlns:p15="http://schemas.microsoft.com/office/powerpoint/2012/main" xmlns:ahyp="http://schemas.microsoft.com/office/drawing/2018/hyperlinkcolor" showMasterPhAnim="0" showMasterSp="0">
+<p:notes xmlns:a="http://schemas.openxmlformats.org/drawingml/2006/main" xmlns:r="http://schemas.openxmlformats.org/officeDocument/2006/relationships" xmlns:p="http://schemas.openxmlformats.org/presentationml/2006/main" showMasterSp="0" showMasterPhAnim="0">
   <p:cSld>
     <p:spTree>
       <p:nvGrpSpPr>
-        <p:cNvPr id="122" name="Shape 122"/>
+        <p:cNvPr id="1" name="Shape 122"/>
         <p:cNvGrpSpPr/>
         <p:nvPr/>
       </p:nvGrpSpPr>
@@ -1551,9 +1582,11 @@
       <p:sp>
         <p:nvSpPr>
           <p:cNvPr id="123" name="Google Shape;123;geb7df42461_0_0:notes"/>
-          <p:cNvSpPr/>
+          <p:cNvSpPr>
+            <a:spLocks noGrp="1" noRot="1" noChangeAspect="1"/>
+          </p:cNvSpPr>
           <p:nvPr>
-            <p:ph idx="2" type="sldImg"/>
+            <p:ph type="sldImg" idx="2"/>
           </p:nvPr>
         </p:nvSpPr>
         <p:spPr>
@@ -1562,9 +1595,13 @@
             <a:ext cx="5486400" cy="3086100"/>
           </a:xfrm>
           <a:custGeom>
-            <a:rect b="b" l="l" r="r" t="t"/>
+            <a:avLst/>
+            <a:gdLst/>
+            <a:ahLst/>
+            <a:cxnLst/>
+            <a:rect l="l" t="t" r="r" b="b"/>
             <a:pathLst>
-              <a:path extrusionOk="0" h="120000" w="120000">
+              <a:path w="120000" h="120000" extrusionOk="0">
                 <a:moveTo>
                   <a:pt x="0" y="0"/>
                 </a:moveTo>
@@ -1586,9 +1623,11 @@
       <p:sp>
         <p:nvSpPr>
           <p:cNvPr id="124" name="Google Shape;124;geb7df42461_0_0:notes"/>
-          <p:cNvSpPr txBox="1"/>
+          <p:cNvSpPr txBox="1">
+            <a:spLocks noGrp="1"/>
+          </p:cNvSpPr>
           <p:nvPr>
-            <p:ph idx="1" type="body"/>
+            <p:ph type="body" idx="1"/>
           </p:nvPr>
         </p:nvSpPr>
         <p:spPr>
@@ -1601,12 +1640,12 @@
           </a:prstGeom>
         </p:spPr>
         <p:txBody>
-          <a:bodyPr anchorCtr="0" anchor="t" bIns="45700" lIns="91425" spcFirstLastPara="1" rIns="91425" wrap="square" tIns="45700">
+          <a:bodyPr spcFirstLastPara="1" wrap="square" lIns="91425" tIns="45700" rIns="91425" bIns="45700" anchor="t" anchorCtr="0">
             <a:noAutofit/>
           </a:bodyPr>
           <a:lstStyle/>
           <a:p>
-            <a:pPr indent="0" lvl="0" marL="0" rtl="0" algn="l">
+            <a:pPr marL="0" lvl="0" indent="0" algn="l" rtl="0">
               <a:spcBef>
                 <a:spcPts val="0"/>
               </a:spcBef>
@@ -1615,9 +1654,6 @@
               </a:spcAft>
               <a:buNone/>
             </a:pPr>
-            <a:r>
-              <a:t/>
-            </a:r>
             <a:endParaRPr/>
           </a:p>
         </p:txBody>
@@ -1625,9 +1661,11 @@
       <p:sp>
         <p:nvSpPr>
           <p:cNvPr id="125" name="Google Shape;125;geb7df42461_0_0:notes"/>
-          <p:cNvSpPr txBox="1"/>
+          <p:cNvSpPr txBox="1">
+            <a:spLocks noGrp="1"/>
+          </p:cNvSpPr>
           <p:nvPr>
-            <p:ph idx="12" type="sldNum"/>
+            <p:ph type="sldNum" idx="12"/>
           </p:nvPr>
         </p:nvSpPr>
         <p:spPr>
@@ -1640,12 +1678,12 @@
           </a:prstGeom>
         </p:spPr>
         <p:txBody>
-          <a:bodyPr anchorCtr="0" anchor="b" bIns="45700" lIns="91425" spcFirstLastPara="1" rIns="91425" wrap="square" tIns="45700">
+          <a:bodyPr spcFirstLastPara="1" wrap="square" lIns="91425" tIns="45700" rIns="91425" bIns="45700" anchor="b" anchorCtr="0">
             <a:noAutofit/>
           </a:bodyPr>
           <a:lstStyle/>
           <a:p>
-            <a:pPr indent="0" lvl="0" marL="0" rtl="0" algn="r">
+            <a:pPr marL="0" lvl="0" indent="0" algn="r" rtl="0">
               <a:spcBef>
                 <a:spcPts val="0"/>
               </a:spcBef>
@@ -1660,7 +1698,7 @@
             </a:pPr>
             <a:fld id="{00000000-1234-1234-1234-123412341234}" type="slidenum">
               <a:rPr lang="en-US"/>
-              <a:t>‹#›</a:t>
+              <a:t>2</a:t>
             </a:fld>
             <a:endParaRPr/>
           </a:p>
@@ -1675,11 +1713,11 @@
 </file>
 
 <file path=ppt/slideLayouts/slideLayout1.xml><?xml version="1.0" encoding="utf-8"?>
-<p:sldLayout xmlns:a="http://schemas.openxmlformats.org/drawingml/2006/main" xmlns:r="http://schemas.openxmlformats.org/officeDocument/2006/relationships" xmlns:mc="http://schemas.openxmlformats.org/markup-compatibility/2006" xmlns:mv="urn:schemas-microsoft-com:mac:vml" xmlns:p="http://schemas.openxmlformats.org/presentationml/2006/main" xmlns:c="http://schemas.openxmlformats.org/drawingml/2006/chart" xmlns:dgm="http://schemas.openxmlformats.org/drawingml/2006/diagram" xmlns:o="urn:schemas-microsoft-com:office:office" xmlns:v="urn:schemas-microsoft-com:vml" xmlns:pvml="urn:schemas-microsoft-com:office:powerpoint" xmlns:com="http://schemas.openxmlformats.org/drawingml/2006/compatibility" xmlns:p14="http://schemas.microsoft.com/office/powerpoint/2010/main" xmlns:p15="http://schemas.microsoft.com/office/powerpoint/2012/main" xmlns:ahyp="http://schemas.microsoft.com/office/drawing/2018/hyperlinkcolor" matchingName="Title Slide" type="title">
+<p:sldLayout xmlns:a="http://schemas.openxmlformats.org/drawingml/2006/main" xmlns:r="http://schemas.openxmlformats.org/officeDocument/2006/relationships" xmlns:p="http://schemas.openxmlformats.org/presentationml/2006/main" matchingName="Title Slide" type="title">
   <p:cSld name="TITLE">
     <p:spTree>
       <p:nvGrpSpPr>
-        <p:cNvPr id="15" name="Shape 15"/>
+        <p:cNvPr id="1" name="Shape 15"/>
         <p:cNvGrpSpPr/>
         <p:nvPr/>
       </p:nvGrpSpPr>
@@ -1694,7 +1732,9 @@
       <p:sp>
         <p:nvSpPr>
           <p:cNvPr id="16" name="Google Shape;16;p3"/>
-          <p:cNvSpPr txBox="1"/>
+          <p:cNvSpPr txBox="1">
+            <a:spLocks noGrp="1"/>
+          </p:cNvSpPr>
           <p:nvPr>
             <p:ph type="ctrTitle"/>
           </p:nvPr>
@@ -1713,7 +1753,7 @@
           </a:ln>
         </p:spPr>
         <p:txBody>
-          <a:bodyPr anchorCtr="0" anchor="b" bIns="45700" lIns="91425" spcFirstLastPara="1" rIns="91425" wrap="square" tIns="45700">
+          <a:bodyPr spcFirstLastPara="1" wrap="square" lIns="91425" tIns="45700" rIns="91425" bIns="45700" anchor="b" anchorCtr="0">
             <a:normAutofit/>
           </a:bodyPr>
           <a:lstStyle>
@@ -1824,15 +1864,19 @@
               <a:defRPr/>
             </a:lvl9pPr>
           </a:lstStyle>
-          <a:p/>
+          <a:p>
+            <a:endParaRPr/>
+          </a:p>
         </p:txBody>
       </p:sp>
       <p:sp>
         <p:nvSpPr>
           <p:cNvPr id="17" name="Google Shape;17;p3"/>
-          <p:cNvSpPr txBox="1"/>
+          <p:cNvSpPr txBox="1">
+            <a:spLocks noGrp="1"/>
+          </p:cNvSpPr>
           <p:nvPr>
-            <p:ph idx="1" type="subTitle"/>
+            <p:ph type="subTitle" idx="1"/>
           </p:nvPr>
         </p:nvSpPr>
         <p:spPr>
@@ -1849,7 +1893,7 @@
           </a:ln>
         </p:spPr>
         <p:txBody>
-          <a:bodyPr anchorCtr="0" anchor="t" bIns="45700" lIns="91425" spcFirstLastPara="1" rIns="91425" wrap="square" tIns="45700">
+          <a:bodyPr spcFirstLastPara="1" wrap="square" lIns="91425" tIns="45700" rIns="91425" bIns="45700" anchor="t" anchorCtr="0">
             <a:normAutofit/>
           </a:bodyPr>
           <a:lstStyle>
@@ -2007,15 +2051,19 @@
               <a:defRPr sz="1600"/>
             </a:lvl9pPr>
           </a:lstStyle>
-          <a:p/>
+          <a:p>
+            <a:endParaRPr/>
+          </a:p>
         </p:txBody>
       </p:sp>
       <p:sp>
         <p:nvSpPr>
           <p:cNvPr id="18" name="Google Shape;18;p3"/>
-          <p:cNvSpPr txBox="1"/>
+          <p:cNvSpPr txBox="1">
+            <a:spLocks noGrp="1"/>
+          </p:cNvSpPr>
           <p:nvPr>
-            <p:ph idx="10" type="dt"/>
+            <p:ph type="dt" idx="10"/>
           </p:nvPr>
         </p:nvSpPr>
         <p:spPr>
@@ -2032,7 +2080,7 @@
           </a:ln>
         </p:spPr>
         <p:txBody>
-          <a:bodyPr anchorCtr="0" anchor="ctr" bIns="45700" lIns="91425" spcFirstLastPara="1" rIns="91425" wrap="square" tIns="45700">
+          <a:bodyPr spcFirstLastPara="1" wrap="square" lIns="91425" tIns="45700" rIns="91425" bIns="45700" anchor="ctr" anchorCtr="0">
             <a:noAutofit/>
           </a:bodyPr>
           <a:lstStyle>
@@ -2136,15 +2184,19 @@
               <a:defRPr/>
             </a:lvl9pPr>
           </a:lstStyle>
-          <a:p/>
+          <a:p>
+            <a:endParaRPr/>
+          </a:p>
         </p:txBody>
       </p:sp>
       <p:sp>
         <p:nvSpPr>
           <p:cNvPr id="19" name="Google Shape;19;p3"/>
-          <p:cNvSpPr txBox="1"/>
+          <p:cNvSpPr txBox="1">
+            <a:spLocks noGrp="1"/>
+          </p:cNvSpPr>
           <p:nvPr>
-            <p:ph idx="11" type="ftr"/>
+            <p:ph type="ftr" idx="11"/>
           </p:nvPr>
         </p:nvSpPr>
         <p:spPr>
@@ -2161,7 +2213,7 @@
           </a:ln>
         </p:spPr>
         <p:txBody>
-          <a:bodyPr anchorCtr="0" anchor="ctr" bIns="45700" lIns="91425" spcFirstLastPara="1" rIns="91425" wrap="square" tIns="45700">
+          <a:bodyPr spcFirstLastPara="1" wrap="square" lIns="91425" tIns="45700" rIns="91425" bIns="45700" anchor="ctr" anchorCtr="0">
             <a:noAutofit/>
           </a:bodyPr>
           <a:lstStyle>
@@ -2265,15 +2317,19 @@
               <a:defRPr/>
             </a:lvl9pPr>
           </a:lstStyle>
-          <a:p/>
+          <a:p>
+            <a:endParaRPr/>
+          </a:p>
         </p:txBody>
       </p:sp>
       <p:sp>
         <p:nvSpPr>
           <p:cNvPr id="20" name="Google Shape;20;p3"/>
-          <p:cNvSpPr txBox="1"/>
+          <p:cNvSpPr txBox="1">
+            <a:spLocks noGrp="1"/>
+          </p:cNvSpPr>
           <p:nvPr>
-            <p:ph idx="12" type="sldNum"/>
+            <p:ph type="sldNum" idx="12"/>
           </p:nvPr>
         </p:nvSpPr>
         <p:spPr>
@@ -2290,67 +2346,67 @@
           </a:ln>
         </p:spPr>
         <p:txBody>
-          <a:bodyPr anchorCtr="0" anchor="ctr" bIns="45700" lIns="91425" spcFirstLastPara="1" rIns="91425" wrap="square" tIns="45700">
+          <a:bodyPr spcFirstLastPara="1" wrap="square" lIns="91425" tIns="45700" rIns="91425" bIns="45700" anchor="ctr" anchorCtr="0">
             <a:noAutofit/>
           </a:bodyPr>
           <a:lstStyle>
-            <a:lvl1pPr indent="0" lvl="0" marL="0" algn="r">
+            <a:lvl1pPr marL="0" lvl="0" indent="0" algn="r">
               <a:spcBef>
                 <a:spcPts val="0"/>
               </a:spcBef>
               <a:buNone/>
               <a:defRPr/>
             </a:lvl1pPr>
-            <a:lvl2pPr indent="0" lvl="1" marL="0" algn="r">
+            <a:lvl2pPr marL="0" lvl="1" indent="0" algn="r">
               <a:spcBef>
                 <a:spcPts val="0"/>
               </a:spcBef>
               <a:buNone/>
               <a:defRPr/>
             </a:lvl2pPr>
-            <a:lvl3pPr indent="0" lvl="2" marL="0" algn="r">
+            <a:lvl3pPr marL="0" lvl="2" indent="0" algn="r">
               <a:spcBef>
                 <a:spcPts val="0"/>
               </a:spcBef>
               <a:buNone/>
               <a:defRPr/>
             </a:lvl3pPr>
-            <a:lvl4pPr indent="0" lvl="3" marL="0" algn="r">
+            <a:lvl4pPr marL="0" lvl="3" indent="0" algn="r">
               <a:spcBef>
                 <a:spcPts val="0"/>
               </a:spcBef>
               <a:buNone/>
               <a:defRPr/>
             </a:lvl4pPr>
-            <a:lvl5pPr indent="0" lvl="4" marL="0" algn="r">
+            <a:lvl5pPr marL="0" lvl="4" indent="0" algn="r">
               <a:spcBef>
                 <a:spcPts val="0"/>
               </a:spcBef>
               <a:buNone/>
               <a:defRPr/>
             </a:lvl5pPr>
-            <a:lvl6pPr indent="0" lvl="5" marL="0" algn="r">
+            <a:lvl6pPr marL="0" lvl="5" indent="0" algn="r">
               <a:spcBef>
                 <a:spcPts val="0"/>
               </a:spcBef>
               <a:buNone/>
               <a:defRPr/>
             </a:lvl6pPr>
-            <a:lvl7pPr indent="0" lvl="6" marL="0" algn="r">
+            <a:lvl7pPr marL="0" lvl="6" indent="0" algn="r">
               <a:spcBef>
                 <a:spcPts val="0"/>
               </a:spcBef>
               <a:buNone/>
               <a:defRPr/>
             </a:lvl7pPr>
-            <a:lvl8pPr indent="0" lvl="7" marL="0" algn="r">
+            <a:lvl8pPr marL="0" lvl="7" indent="0" algn="r">
               <a:spcBef>
                 <a:spcPts val="0"/>
               </a:spcBef>
               <a:buNone/>
               <a:defRPr/>
             </a:lvl8pPr>
-            <a:lvl9pPr indent="0" lvl="8" marL="0" algn="r">
+            <a:lvl9pPr marL="0" lvl="8" indent="0" algn="r">
               <a:spcBef>
                 <a:spcPts val="0"/>
               </a:spcBef>
@@ -2359,7 +2415,7 @@
             </a:lvl9pPr>
           </a:lstStyle>
           <a:p>
-            <a:pPr indent="0" lvl="0" marL="0" rtl="0" algn="r">
+            <a:pPr marL="0" lvl="0" indent="0" algn="r" rtl="0">
               <a:spcBef>
                 <a:spcPts val="0"/>
               </a:spcBef>
@@ -2385,11 +2441,11 @@
 </file>
 
 <file path=ppt/slideLayouts/slideLayout10.xml><?xml version="1.0" encoding="utf-8"?>
-<p:sldLayout xmlns:a="http://schemas.openxmlformats.org/drawingml/2006/main" xmlns:r="http://schemas.openxmlformats.org/officeDocument/2006/relationships" xmlns:mc="http://schemas.openxmlformats.org/markup-compatibility/2006" xmlns:mv="urn:schemas-microsoft-com:mac:vml" xmlns:p="http://schemas.openxmlformats.org/presentationml/2006/main" xmlns:c="http://schemas.openxmlformats.org/drawingml/2006/chart" xmlns:dgm="http://schemas.openxmlformats.org/drawingml/2006/diagram" xmlns:o="urn:schemas-microsoft-com:office:office" xmlns:v="urn:schemas-microsoft-com:vml" xmlns:pvml="urn:schemas-microsoft-com:office:powerpoint" xmlns:com="http://schemas.openxmlformats.org/drawingml/2006/compatibility" xmlns:p14="http://schemas.microsoft.com/office/powerpoint/2010/main" xmlns:p15="http://schemas.microsoft.com/office/powerpoint/2012/main" xmlns:ahyp="http://schemas.microsoft.com/office/drawing/2018/hyperlinkcolor" matchingName="Title and Vertical Text" type="vertTx">
+<p:sldLayout xmlns:a="http://schemas.openxmlformats.org/drawingml/2006/main" xmlns:r="http://schemas.openxmlformats.org/officeDocument/2006/relationships" xmlns:p="http://schemas.openxmlformats.org/presentationml/2006/main" matchingName="Title and Vertical Text" type="vertTx">
   <p:cSld name="VERTICAL_TEXT">
     <p:spTree>
       <p:nvGrpSpPr>
-        <p:cNvPr id="72" name="Shape 72"/>
+        <p:cNvPr id="1" name="Shape 72"/>
         <p:cNvGrpSpPr/>
         <p:nvPr/>
       </p:nvGrpSpPr>
@@ -2404,7 +2460,9 @@
       <p:sp>
         <p:nvSpPr>
           <p:cNvPr id="73" name="Google Shape;73;p12"/>
-          <p:cNvSpPr txBox="1"/>
+          <p:cNvSpPr txBox="1">
+            <a:spLocks noGrp="1"/>
+          </p:cNvSpPr>
           <p:nvPr>
             <p:ph type="title"/>
           </p:nvPr>
@@ -2423,7 +2481,7 @@
           </a:ln>
         </p:spPr>
         <p:txBody>
-          <a:bodyPr anchorCtr="0" anchor="ctr" bIns="45700" lIns="91425" spcFirstLastPara="1" rIns="91425" wrap="square" tIns="45700">
+          <a:bodyPr spcFirstLastPara="1" wrap="square" lIns="91425" tIns="45700" rIns="91425" bIns="45700" anchor="ctr" anchorCtr="0">
             <a:normAutofit/>
           </a:bodyPr>
           <a:lstStyle>
@@ -2533,15 +2591,19 @@
               <a:defRPr/>
             </a:lvl9pPr>
           </a:lstStyle>
-          <a:p/>
+          <a:p>
+            <a:endParaRPr/>
+          </a:p>
         </p:txBody>
       </p:sp>
       <p:sp>
         <p:nvSpPr>
           <p:cNvPr id="74" name="Google Shape;74;p12"/>
-          <p:cNvSpPr txBox="1"/>
+          <p:cNvSpPr txBox="1">
+            <a:spLocks noGrp="1"/>
+          </p:cNvSpPr>
           <p:nvPr>
-            <p:ph idx="1" type="body"/>
+            <p:ph type="body" idx="1"/>
           </p:nvPr>
         </p:nvSpPr>
         <p:spPr>
@@ -2558,11 +2620,11 @@
           </a:ln>
         </p:spPr>
         <p:txBody>
-          <a:bodyPr anchorCtr="0" anchor="t" bIns="45700" lIns="91425" spcFirstLastPara="1" rIns="91425" wrap="square" tIns="45700">
+          <a:bodyPr spcFirstLastPara="1" wrap="square" lIns="91425" tIns="45700" rIns="91425" bIns="45700" anchor="t" anchorCtr="0">
             <a:normAutofit/>
           </a:bodyPr>
           <a:lstStyle>
-            <a:lvl1pPr indent="-342900" lvl="0" marL="457200" algn="l">
+            <a:lvl1pPr marL="457200" lvl="0" indent="-342900" algn="l">
               <a:lnSpc>
                 <a:spcPct val="90000"/>
               </a:lnSpc>
@@ -2579,7 +2641,7 @@
               <a:buChar char="•"/>
               <a:defRPr/>
             </a:lvl1pPr>
-            <a:lvl2pPr indent="-342900" lvl="1" marL="914400" algn="l">
+            <a:lvl2pPr marL="914400" lvl="1" indent="-342900" algn="l">
               <a:lnSpc>
                 <a:spcPct val="90000"/>
               </a:lnSpc>
@@ -2596,7 +2658,7 @@
               <a:buChar char="•"/>
               <a:defRPr/>
             </a:lvl2pPr>
-            <a:lvl3pPr indent="-342900" lvl="2" marL="1371600" algn="l">
+            <a:lvl3pPr marL="1371600" lvl="2" indent="-342900" algn="l">
               <a:lnSpc>
                 <a:spcPct val="90000"/>
               </a:lnSpc>
@@ -2613,7 +2675,7 @@
               <a:buChar char="•"/>
               <a:defRPr/>
             </a:lvl3pPr>
-            <a:lvl4pPr indent="-342900" lvl="3" marL="1828800" algn="l">
+            <a:lvl4pPr marL="1828800" lvl="3" indent="-342900" algn="l">
               <a:lnSpc>
                 <a:spcPct val="90000"/>
               </a:lnSpc>
@@ -2630,7 +2692,7 @@
               <a:buChar char="•"/>
               <a:defRPr/>
             </a:lvl4pPr>
-            <a:lvl5pPr indent="-342900" lvl="4" marL="2286000" algn="l">
+            <a:lvl5pPr marL="2286000" lvl="4" indent="-342900" algn="l">
               <a:lnSpc>
                 <a:spcPct val="90000"/>
               </a:lnSpc>
@@ -2647,7 +2709,7 @@
               <a:buChar char="•"/>
               <a:defRPr/>
             </a:lvl5pPr>
-            <a:lvl6pPr indent="-342900" lvl="5" marL="2743200" algn="l">
+            <a:lvl6pPr marL="2743200" lvl="5" indent="-342900" algn="l">
               <a:lnSpc>
                 <a:spcPct val="90000"/>
               </a:lnSpc>
@@ -2664,7 +2726,7 @@
               <a:buChar char="•"/>
               <a:defRPr/>
             </a:lvl6pPr>
-            <a:lvl7pPr indent="-342900" lvl="6" marL="3200400" algn="l">
+            <a:lvl7pPr marL="3200400" lvl="6" indent="-342900" algn="l">
               <a:lnSpc>
                 <a:spcPct val="90000"/>
               </a:lnSpc>
@@ -2681,7 +2743,7 @@
               <a:buChar char="•"/>
               <a:defRPr/>
             </a:lvl7pPr>
-            <a:lvl8pPr indent="-342900" lvl="7" marL="3657600" algn="l">
+            <a:lvl8pPr marL="3657600" lvl="7" indent="-342900" algn="l">
               <a:lnSpc>
                 <a:spcPct val="90000"/>
               </a:lnSpc>
@@ -2698,7 +2760,7 @@
               <a:buChar char="•"/>
               <a:defRPr/>
             </a:lvl8pPr>
-            <a:lvl9pPr indent="-342900" lvl="8" marL="4114800" algn="l">
+            <a:lvl9pPr marL="4114800" lvl="8" indent="-342900" algn="l">
               <a:lnSpc>
                 <a:spcPct val="90000"/>
               </a:lnSpc>
@@ -2716,15 +2778,19 @@
               <a:defRPr/>
             </a:lvl9pPr>
           </a:lstStyle>
-          <a:p/>
+          <a:p>
+            <a:endParaRPr/>
+          </a:p>
         </p:txBody>
       </p:sp>
       <p:sp>
         <p:nvSpPr>
           <p:cNvPr id="75" name="Google Shape;75;p12"/>
-          <p:cNvSpPr txBox="1"/>
+          <p:cNvSpPr txBox="1">
+            <a:spLocks noGrp="1"/>
+          </p:cNvSpPr>
           <p:nvPr>
-            <p:ph idx="10" type="dt"/>
+            <p:ph type="dt" idx="10"/>
           </p:nvPr>
         </p:nvSpPr>
         <p:spPr>
@@ -2741,7 +2807,7 @@
           </a:ln>
         </p:spPr>
         <p:txBody>
-          <a:bodyPr anchorCtr="0" anchor="ctr" bIns="45700" lIns="91425" spcFirstLastPara="1" rIns="91425" wrap="square" tIns="45700">
+          <a:bodyPr spcFirstLastPara="1" wrap="square" lIns="91425" tIns="45700" rIns="91425" bIns="45700" anchor="ctr" anchorCtr="0">
             <a:noAutofit/>
           </a:bodyPr>
           <a:lstStyle>
@@ -2845,15 +2911,19 @@
               <a:defRPr/>
             </a:lvl9pPr>
           </a:lstStyle>
-          <a:p/>
+          <a:p>
+            <a:endParaRPr/>
+          </a:p>
         </p:txBody>
       </p:sp>
       <p:sp>
         <p:nvSpPr>
           <p:cNvPr id="76" name="Google Shape;76;p12"/>
-          <p:cNvSpPr txBox="1"/>
+          <p:cNvSpPr txBox="1">
+            <a:spLocks noGrp="1"/>
+          </p:cNvSpPr>
           <p:nvPr>
-            <p:ph idx="11" type="ftr"/>
+            <p:ph type="ftr" idx="11"/>
           </p:nvPr>
         </p:nvSpPr>
         <p:spPr>
@@ -2870,7 +2940,7 @@
           </a:ln>
         </p:spPr>
         <p:txBody>
-          <a:bodyPr anchorCtr="0" anchor="ctr" bIns="45700" lIns="91425" spcFirstLastPara="1" rIns="91425" wrap="square" tIns="45700">
+          <a:bodyPr spcFirstLastPara="1" wrap="square" lIns="91425" tIns="45700" rIns="91425" bIns="45700" anchor="ctr" anchorCtr="0">
             <a:noAutofit/>
           </a:bodyPr>
           <a:lstStyle>
@@ -2974,15 +3044,19 @@
               <a:defRPr/>
             </a:lvl9pPr>
           </a:lstStyle>
-          <a:p/>
+          <a:p>
+            <a:endParaRPr/>
+          </a:p>
         </p:txBody>
       </p:sp>
       <p:sp>
         <p:nvSpPr>
           <p:cNvPr id="77" name="Google Shape;77;p12"/>
-          <p:cNvSpPr txBox="1"/>
+          <p:cNvSpPr txBox="1">
+            <a:spLocks noGrp="1"/>
+          </p:cNvSpPr>
           <p:nvPr>
-            <p:ph idx="12" type="sldNum"/>
+            <p:ph type="sldNum" idx="12"/>
           </p:nvPr>
         </p:nvSpPr>
         <p:spPr>
@@ -2999,67 +3073,67 @@
           </a:ln>
         </p:spPr>
         <p:txBody>
-          <a:bodyPr anchorCtr="0" anchor="ctr" bIns="45700" lIns="91425" spcFirstLastPara="1" rIns="91425" wrap="square" tIns="45700">
+          <a:bodyPr spcFirstLastPara="1" wrap="square" lIns="91425" tIns="45700" rIns="91425" bIns="45700" anchor="ctr" anchorCtr="0">
             <a:noAutofit/>
           </a:bodyPr>
           <a:lstStyle>
-            <a:lvl1pPr indent="0" lvl="0" marL="0" algn="r">
+            <a:lvl1pPr marL="0" lvl="0" indent="0" algn="r">
               <a:spcBef>
                 <a:spcPts val="0"/>
               </a:spcBef>
               <a:buNone/>
               <a:defRPr/>
             </a:lvl1pPr>
-            <a:lvl2pPr indent="0" lvl="1" marL="0" algn="r">
+            <a:lvl2pPr marL="0" lvl="1" indent="0" algn="r">
               <a:spcBef>
                 <a:spcPts val="0"/>
               </a:spcBef>
               <a:buNone/>
               <a:defRPr/>
             </a:lvl2pPr>
-            <a:lvl3pPr indent="0" lvl="2" marL="0" algn="r">
+            <a:lvl3pPr marL="0" lvl="2" indent="0" algn="r">
               <a:spcBef>
                 <a:spcPts val="0"/>
               </a:spcBef>
               <a:buNone/>
               <a:defRPr/>
             </a:lvl3pPr>
-            <a:lvl4pPr indent="0" lvl="3" marL="0" algn="r">
+            <a:lvl4pPr marL="0" lvl="3" indent="0" algn="r">
               <a:spcBef>
                 <a:spcPts val="0"/>
               </a:spcBef>
               <a:buNone/>
               <a:defRPr/>
             </a:lvl4pPr>
-            <a:lvl5pPr indent="0" lvl="4" marL="0" algn="r">
+            <a:lvl5pPr marL="0" lvl="4" indent="0" algn="r">
               <a:spcBef>
                 <a:spcPts val="0"/>
               </a:spcBef>
               <a:buNone/>
               <a:defRPr/>
             </a:lvl5pPr>
-            <a:lvl6pPr indent="0" lvl="5" marL="0" algn="r">
+            <a:lvl6pPr marL="0" lvl="5" indent="0" algn="r">
               <a:spcBef>
                 <a:spcPts val="0"/>
               </a:spcBef>
               <a:buNone/>
               <a:defRPr/>
             </a:lvl6pPr>
-            <a:lvl7pPr indent="0" lvl="6" marL="0" algn="r">
+            <a:lvl7pPr marL="0" lvl="6" indent="0" algn="r">
               <a:spcBef>
                 <a:spcPts val="0"/>
               </a:spcBef>
               <a:buNone/>
               <a:defRPr/>
             </a:lvl7pPr>
-            <a:lvl8pPr indent="0" lvl="7" marL="0" algn="r">
+            <a:lvl8pPr marL="0" lvl="7" indent="0" algn="r">
               <a:spcBef>
                 <a:spcPts val="0"/>
               </a:spcBef>
               <a:buNone/>
               <a:defRPr/>
             </a:lvl8pPr>
-            <a:lvl9pPr indent="0" lvl="8" marL="0" algn="r">
+            <a:lvl9pPr marL="0" lvl="8" indent="0" algn="r">
               <a:spcBef>
                 <a:spcPts val="0"/>
               </a:spcBef>
@@ -3068,7 +3142,7 @@
             </a:lvl9pPr>
           </a:lstStyle>
           <a:p>
-            <a:pPr indent="0" lvl="0" marL="0" rtl="0" algn="r">
+            <a:pPr marL="0" lvl="0" indent="0" algn="r" rtl="0">
               <a:spcBef>
                 <a:spcPts val="0"/>
               </a:spcBef>
@@ -3094,11 +3168,11 @@
 </file>
 
 <file path=ppt/slideLayouts/slideLayout11.xml><?xml version="1.0" encoding="utf-8"?>
-<p:sldLayout xmlns:a="http://schemas.openxmlformats.org/drawingml/2006/main" xmlns:r="http://schemas.openxmlformats.org/officeDocument/2006/relationships" xmlns:mc="http://schemas.openxmlformats.org/markup-compatibility/2006" xmlns:mv="urn:schemas-microsoft-com:mac:vml" xmlns:p="http://schemas.openxmlformats.org/presentationml/2006/main" xmlns:c="http://schemas.openxmlformats.org/drawingml/2006/chart" xmlns:dgm="http://schemas.openxmlformats.org/drawingml/2006/diagram" xmlns:o="urn:schemas-microsoft-com:office:office" xmlns:v="urn:schemas-microsoft-com:vml" xmlns:pvml="urn:schemas-microsoft-com:office:powerpoint" xmlns:com="http://schemas.openxmlformats.org/drawingml/2006/compatibility" xmlns:p14="http://schemas.microsoft.com/office/powerpoint/2010/main" xmlns:p15="http://schemas.microsoft.com/office/powerpoint/2012/main" xmlns:ahyp="http://schemas.microsoft.com/office/drawing/2018/hyperlinkcolor" matchingName="Vertical Title and Text" type="vertTitleAndTx">
+<p:sldLayout xmlns:a="http://schemas.openxmlformats.org/drawingml/2006/main" xmlns:r="http://schemas.openxmlformats.org/officeDocument/2006/relationships" xmlns:p="http://schemas.openxmlformats.org/presentationml/2006/main" matchingName="Vertical Title and Text" type="vertTitleAndTx">
   <p:cSld name="VERTICAL_TITLE_AND_VERTICAL_TEXT">
     <p:spTree>
       <p:nvGrpSpPr>
-        <p:cNvPr id="78" name="Shape 78"/>
+        <p:cNvPr id="1" name="Shape 78"/>
         <p:cNvGrpSpPr/>
         <p:nvPr/>
       </p:nvGrpSpPr>
@@ -3113,7 +3187,9 @@
       <p:sp>
         <p:nvSpPr>
           <p:cNvPr id="79" name="Google Shape;79;p13"/>
-          <p:cNvSpPr txBox="1"/>
+          <p:cNvSpPr txBox="1">
+            <a:spLocks noGrp="1"/>
+          </p:cNvSpPr>
           <p:nvPr>
             <p:ph type="title"/>
           </p:nvPr>
@@ -3132,7 +3208,7 @@
           </a:ln>
         </p:spPr>
         <p:txBody>
-          <a:bodyPr anchorCtr="0" anchor="ctr" bIns="45700" lIns="91425" spcFirstLastPara="1" rIns="91425" wrap="square" tIns="45700">
+          <a:bodyPr spcFirstLastPara="1" wrap="square" lIns="91425" tIns="45700" rIns="91425" bIns="45700" anchor="ctr" anchorCtr="0">
             <a:normAutofit/>
           </a:bodyPr>
           <a:lstStyle>
@@ -3242,15 +3318,19 @@
               <a:defRPr/>
             </a:lvl9pPr>
           </a:lstStyle>
-          <a:p/>
+          <a:p>
+            <a:endParaRPr/>
+          </a:p>
         </p:txBody>
       </p:sp>
       <p:sp>
         <p:nvSpPr>
           <p:cNvPr id="80" name="Google Shape;80;p13"/>
-          <p:cNvSpPr txBox="1"/>
+          <p:cNvSpPr txBox="1">
+            <a:spLocks noGrp="1"/>
+          </p:cNvSpPr>
           <p:nvPr>
-            <p:ph idx="1" type="body"/>
+            <p:ph type="body" idx="1"/>
           </p:nvPr>
         </p:nvSpPr>
         <p:spPr>
@@ -3267,11 +3347,11 @@
           </a:ln>
         </p:spPr>
         <p:txBody>
-          <a:bodyPr anchorCtr="0" anchor="t" bIns="45700" lIns="91425" spcFirstLastPara="1" rIns="91425" wrap="square" tIns="45700">
+          <a:bodyPr spcFirstLastPara="1" wrap="square" lIns="91425" tIns="45700" rIns="91425" bIns="45700" anchor="t" anchorCtr="0">
             <a:normAutofit/>
           </a:bodyPr>
           <a:lstStyle>
-            <a:lvl1pPr indent="-342900" lvl="0" marL="457200" algn="l">
+            <a:lvl1pPr marL="457200" lvl="0" indent="-342900" algn="l">
               <a:lnSpc>
                 <a:spcPct val="90000"/>
               </a:lnSpc>
@@ -3288,7 +3368,7 @@
               <a:buChar char="•"/>
               <a:defRPr/>
             </a:lvl1pPr>
-            <a:lvl2pPr indent="-342900" lvl="1" marL="914400" algn="l">
+            <a:lvl2pPr marL="914400" lvl="1" indent="-342900" algn="l">
               <a:lnSpc>
                 <a:spcPct val="90000"/>
               </a:lnSpc>
@@ -3305,7 +3385,7 @@
               <a:buChar char="•"/>
               <a:defRPr/>
             </a:lvl2pPr>
-            <a:lvl3pPr indent="-342900" lvl="2" marL="1371600" algn="l">
+            <a:lvl3pPr marL="1371600" lvl="2" indent="-342900" algn="l">
               <a:lnSpc>
                 <a:spcPct val="90000"/>
               </a:lnSpc>
@@ -3322,7 +3402,7 @@
               <a:buChar char="•"/>
               <a:defRPr/>
             </a:lvl3pPr>
-            <a:lvl4pPr indent="-342900" lvl="3" marL="1828800" algn="l">
+            <a:lvl4pPr marL="1828800" lvl="3" indent="-342900" algn="l">
               <a:lnSpc>
                 <a:spcPct val="90000"/>
               </a:lnSpc>
@@ -3339,7 +3419,7 @@
               <a:buChar char="•"/>
               <a:defRPr/>
             </a:lvl4pPr>
-            <a:lvl5pPr indent="-342900" lvl="4" marL="2286000" algn="l">
+            <a:lvl5pPr marL="2286000" lvl="4" indent="-342900" algn="l">
               <a:lnSpc>
                 <a:spcPct val="90000"/>
               </a:lnSpc>
@@ -3356,7 +3436,7 @@
               <a:buChar char="•"/>
               <a:defRPr/>
             </a:lvl5pPr>
-            <a:lvl6pPr indent="-342900" lvl="5" marL="2743200" algn="l">
+            <a:lvl6pPr marL="2743200" lvl="5" indent="-342900" algn="l">
               <a:lnSpc>
                 <a:spcPct val="90000"/>
               </a:lnSpc>
@@ -3373,7 +3453,7 @@
               <a:buChar char="•"/>
               <a:defRPr/>
             </a:lvl6pPr>
-            <a:lvl7pPr indent="-342900" lvl="6" marL="3200400" algn="l">
+            <a:lvl7pPr marL="3200400" lvl="6" indent="-342900" algn="l">
               <a:lnSpc>
                 <a:spcPct val="90000"/>
               </a:lnSpc>
@@ -3390,7 +3470,7 @@
               <a:buChar char="•"/>
               <a:defRPr/>
             </a:lvl7pPr>
-            <a:lvl8pPr indent="-342900" lvl="7" marL="3657600" algn="l">
+            <a:lvl8pPr marL="3657600" lvl="7" indent="-342900" algn="l">
               <a:lnSpc>
                 <a:spcPct val="90000"/>
               </a:lnSpc>
@@ -3407,7 +3487,7 @@
               <a:buChar char="•"/>
               <a:defRPr/>
             </a:lvl8pPr>
-            <a:lvl9pPr indent="-342900" lvl="8" marL="4114800" algn="l">
+            <a:lvl9pPr marL="4114800" lvl="8" indent="-342900" algn="l">
               <a:lnSpc>
                 <a:spcPct val="90000"/>
               </a:lnSpc>
@@ -3425,15 +3505,19 @@
               <a:defRPr/>
             </a:lvl9pPr>
           </a:lstStyle>
-          <a:p/>
+          <a:p>
+            <a:endParaRPr/>
+          </a:p>
         </p:txBody>
       </p:sp>
       <p:sp>
         <p:nvSpPr>
           <p:cNvPr id="81" name="Google Shape;81;p13"/>
-          <p:cNvSpPr txBox="1"/>
+          <p:cNvSpPr txBox="1">
+            <a:spLocks noGrp="1"/>
+          </p:cNvSpPr>
           <p:nvPr>
-            <p:ph idx="10" type="dt"/>
+            <p:ph type="dt" idx="10"/>
           </p:nvPr>
         </p:nvSpPr>
         <p:spPr>
@@ -3450,7 +3534,7 @@
           </a:ln>
         </p:spPr>
         <p:txBody>
-          <a:bodyPr anchorCtr="0" anchor="ctr" bIns="45700" lIns="91425" spcFirstLastPara="1" rIns="91425" wrap="square" tIns="45700">
+          <a:bodyPr spcFirstLastPara="1" wrap="square" lIns="91425" tIns="45700" rIns="91425" bIns="45700" anchor="ctr" anchorCtr="0">
             <a:noAutofit/>
           </a:bodyPr>
           <a:lstStyle>
@@ -3554,15 +3638,19 @@
               <a:defRPr/>
             </a:lvl9pPr>
           </a:lstStyle>
-          <a:p/>
+          <a:p>
+            <a:endParaRPr/>
+          </a:p>
         </p:txBody>
       </p:sp>
       <p:sp>
         <p:nvSpPr>
           <p:cNvPr id="82" name="Google Shape;82;p13"/>
-          <p:cNvSpPr txBox="1"/>
+          <p:cNvSpPr txBox="1">
+            <a:spLocks noGrp="1"/>
+          </p:cNvSpPr>
           <p:nvPr>
-            <p:ph idx="11" type="ftr"/>
+            <p:ph type="ftr" idx="11"/>
           </p:nvPr>
         </p:nvSpPr>
         <p:spPr>
@@ -3579,7 +3667,7 @@
           </a:ln>
         </p:spPr>
         <p:txBody>
-          <a:bodyPr anchorCtr="0" anchor="ctr" bIns="45700" lIns="91425" spcFirstLastPara="1" rIns="91425" wrap="square" tIns="45700">
+          <a:bodyPr spcFirstLastPara="1" wrap="square" lIns="91425" tIns="45700" rIns="91425" bIns="45700" anchor="ctr" anchorCtr="0">
             <a:noAutofit/>
           </a:bodyPr>
           <a:lstStyle>
@@ -3683,15 +3771,19 @@
               <a:defRPr/>
             </a:lvl9pPr>
           </a:lstStyle>
-          <a:p/>
+          <a:p>
+            <a:endParaRPr/>
+          </a:p>
         </p:txBody>
       </p:sp>
       <p:sp>
         <p:nvSpPr>
           <p:cNvPr id="83" name="Google Shape;83;p13"/>
-          <p:cNvSpPr txBox="1"/>
+          <p:cNvSpPr txBox="1">
+            <a:spLocks noGrp="1"/>
+          </p:cNvSpPr>
           <p:nvPr>
-            <p:ph idx="12" type="sldNum"/>
+            <p:ph type="sldNum" idx="12"/>
           </p:nvPr>
         </p:nvSpPr>
         <p:spPr>
@@ -3708,67 +3800,67 @@
           </a:ln>
         </p:spPr>
         <p:txBody>
-          <a:bodyPr anchorCtr="0" anchor="ctr" bIns="45700" lIns="91425" spcFirstLastPara="1" rIns="91425" wrap="square" tIns="45700">
+          <a:bodyPr spcFirstLastPara="1" wrap="square" lIns="91425" tIns="45700" rIns="91425" bIns="45700" anchor="ctr" anchorCtr="0">
             <a:noAutofit/>
           </a:bodyPr>
           <a:lstStyle>
-            <a:lvl1pPr indent="0" lvl="0" marL="0" algn="r">
+            <a:lvl1pPr marL="0" lvl="0" indent="0" algn="r">
               <a:spcBef>
                 <a:spcPts val="0"/>
               </a:spcBef>
               <a:buNone/>
               <a:defRPr/>
             </a:lvl1pPr>
-            <a:lvl2pPr indent="0" lvl="1" marL="0" algn="r">
+            <a:lvl2pPr marL="0" lvl="1" indent="0" algn="r">
               <a:spcBef>
                 <a:spcPts val="0"/>
               </a:spcBef>
               <a:buNone/>
               <a:defRPr/>
             </a:lvl2pPr>
-            <a:lvl3pPr indent="0" lvl="2" marL="0" algn="r">
+            <a:lvl3pPr marL="0" lvl="2" indent="0" algn="r">
               <a:spcBef>
                 <a:spcPts val="0"/>
               </a:spcBef>
               <a:buNone/>
               <a:defRPr/>
             </a:lvl3pPr>
-            <a:lvl4pPr indent="0" lvl="3" marL="0" algn="r">
+            <a:lvl4pPr marL="0" lvl="3" indent="0" algn="r">
               <a:spcBef>
                 <a:spcPts val="0"/>
               </a:spcBef>
               <a:buNone/>
               <a:defRPr/>
             </a:lvl4pPr>
-            <a:lvl5pPr indent="0" lvl="4" marL="0" algn="r">
+            <a:lvl5pPr marL="0" lvl="4" indent="0" algn="r">
               <a:spcBef>
                 <a:spcPts val="0"/>
               </a:spcBef>
               <a:buNone/>
               <a:defRPr/>
             </a:lvl5pPr>
-            <a:lvl6pPr indent="0" lvl="5" marL="0" algn="r">
+            <a:lvl6pPr marL="0" lvl="5" indent="0" algn="r">
               <a:spcBef>
                 <a:spcPts val="0"/>
               </a:spcBef>
               <a:buNone/>
               <a:defRPr/>
             </a:lvl6pPr>
-            <a:lvl7pPr indent="0" lvl="6" marL="0" algn="r">
+            <a:lvl7pPr marL="0" lvl="6" indent="0" algn="r">
               <a:spcBef>
                 <a:spcPts val="0"/>
               </a:spcBef>
               <a:buNone/>
               <a:defRPr/>
             </a:lvl7pPr>
-            <a:lvl8pPr indent="0" lvl="7" marL="0" algn="r">
+            <a:lvl8pPr marL="0" lvl="7" indent="0" algn="r">
               <a:spcBef>
                 <a:spcPts val="0"/>
               </a:spcBef>
               <a:buNone/>
               <a:defRPr/>
             </a:lvl8pPr>
-            <a:lvl9pPr indent="0" lvl="8" marL="0" algn="r">
+            <a:lvl9pPr marL="0" lvl="8" indent="0" algn="r">
               <a:spcBef>
                 <a:spcPts val="0"/>
               </a:spcBef>
@@ -3777,7 +3869,7 @@
             </a:lvl9pPr>
           </a:lstStyle>
           <a:p>
-            <a:pPr indent="0" lvl="0" marL="0" rtl="0" algn="r">
+            <a:pPr marL="0" lvl="0" indent="0" algn="r" rtl="0">
               <a:spcBef>
                 <a:spcPts val="0"/>
               </a:spcBef>
@@ -3803,11 +3895,11 @@
 </file>
 
 <file path=ppt/slideLayouts/slideLayout2.xml><?xml version="1.0" encoding="utf-8"?>
-<p:sldLayout xmlns:a="http://schemas.openxmlformats.org/drawingml/2006/main" xmlns:r="http://schemas.openxmlformats.org/officeDocument/2006/relationships" xmlns:mc="http://schemas.openxmlformats.org/markup-compatibility/2006" xmlns:mv="urn:schemas-microsoft-com:mac:vml" xmlns:p="http://schemas.openxmlformats.org/presentationml/2006/main" xmlns:c="http://schemas.openxmlformats.org/drawingml/2006/chart" xmlns:dgm="http://schemas.openxmlformats.org/drawingml/2006/diagram" xmlns:o="urn:schemas-microsoft-com:office:office" xmlns:v="urn:schemas-microsoft-com:vml" xmlns:pvml="urn:schemas-microsoft-com:office:powerpoint" xmlns:com="http://schemas.openxmlformats.org/drawingml/2006/compatibility" xmlns:p14="http://schemas.microsoft.com/office/powerpoint/2010/main" xmlns:p15="http://schemas.microsoft.com/office/powerpoint/2012/main" xmlns:ahyp="http://schemas.microsoft.com/office/drawing/2018/hyperlinkcolor" matchingName="Title and Content" type="obj">
+<p:sldLayout xmlns:a="http://schemas.openxmlformats.org/drawingml/2006/main" xmlns:r="http://schemas.openxmlformats.org/officeDocument/2006/relationships" xmlns:p="http://schemas.openxmlformats.org/presentationml/2006/main" matchingName="Title and Content" type="obj">
   <p:cSld name="OBJECT">
     <p:spTree>
       <p:nvGrpSpPr>
-        <p:cNvPr id="21" name="Shape 21"/>
+        <p:cNvPr id="1" name="Shape 21"/>
         <p:cNvGrpSpPr/>
         <p:nvPr/>
       </p:nvGrpSpPr>
@@ -3822,7 +3914,9 @@
       <p:sp>
         <p:nvSpPr>
           <p:cNvPr id="22" name="Google Shape;22;p4"/>
-          <p:cNvSpPr txBox="1"/>
+          <p:cNvSpPr txBox="1">
+            <a:spLocks noGrp="1"/>
+          </p:cNvSpPr>
           <p:nvPr>
             <p:ph type="title"/>
           </p:nvPr>
@@ -3841,7 +3935,7 @@
           </a:ln>
         </p:spPr>
         <p:txBody>
-          <a:bodyPr anchorCtr="0" anchor="ctr" bIns="45700" lIns="91425" spcFirstLastPara="1" rIns="91425" wrap="square" tIns="45700">
+          <a:bodyPr spcFirstLastPara="1" wrap="square" lIns="91425" tIns="45700" rIns="91425" bIns="45700" anchor="ctr" anchorCtr="0">
             <a:normAutofit/>
           </a:bodyPr>
           <a:lstStyle>
@@ -3951,15 +4045,19 @@
               <a:defRPr/>
             </a:lvl9pPr>
           </a:lstStyle>
-          <a:p/>
+          <a:p>
+            <a:endParaRPr/>
+          </a:p>
         </p:txBody>
       </p:sp>
       <p:sp>
         <p:nvSpPr>
           <p:cNvPr id="23" name="Google Shape;23;p4"/>
-          <p:cNvSpPr txBox="1"/>
+          <p:cNvSpPr txBox="1">
+            <a:spLocks noGrp="1"/>
+          </p:cNvSpPr>
           <p:nvPr>
-            <p:ph idx="1" type="body"/>
+            <p:ph type="body" idx="1"/>
           </p:nvPr>
         </p:nvSpPr>
         <p:spPr>
@@ -3976,11 +4074,11 @@
           </a:ln>
         </p:spPr>
         <p:txBody>
-          <a:bodyPr anchorCtr="0" anchor="t" bIns="45700" lIns="91425" spcFirstLastPara="1" rIns="91425" wrap="square" tIns="45700">
+          <a:bodyPr spcFirstLastPara="1" wrap="square" lIns="91425" tIns="45700" rIns="91425" bIns="45700" anchor="t" anchorCtr="0">
             <a:normAutofit/>
           </a:bodyPr>
           <a:lstStyle>
-            <a:lvl1pPr indent="-342900" lvl="0" marL="457200" algn="l">
+            <a:lvl1pPr marL="457200" lvl="0" indent="-342900" algn="l">
               <a:lnSpc>
                 <a:spcPct val="90000"/>
               </a:lnSpc>
@@ -3997,7 +4095,7 @@
               <a:buChar char="•"/>
               <a:defRPr/>
             </a:lvl1pPr>
-            <a:lvl2pPr indent="-342900" lvl="1" marL="914400" algn="l">
+            <a:lvl2pPr marL="914400" lvl="1" indent="-342900" algn="l">
               <a:lnSpc>
                 <a:spcPct val="90000"/>
               </a:lnSpc>
@@ -4014,7 +4112,7 @@
               <a:buChar char="•"/>
               <a:defRPr/>
             </a:lvl2pPr>
-            <a:lvl3pPr indent="-342900" lvl="2" marL="1371600" algn="l">
+            <a:lvl3pPr marL="1371600" lvl="2" indent="-342900" algn="l">
               <a:lnSpc>
                 <a:spcPct val="90000"/>
               </a:lnSpc>
@@ -4031,7 +4129,7 @@
               <a:buChar char="•"/>
               <a:defRPr/>
             </a:lvl3pPr>
-            <a:lvl4pPr indent="-342900" lvl="3" marL="1828800" algn="l">
+            <a:lvl4pPr marL="1828800" lvl="3" indent="-342900" algn="l">
               <a:lnSpc>
                 <a:spcPct val="90000"/>
               </a:lnSpc>
@@ -4048,7 +4146,7 @@
               <a:buChar char="•"/>
               <a:defRPr/>
             </a:lvl4pPr>
-            <a:lvl5pPr indent="-342900" lvl="4" marL="2286000" algn="l">
+            <a:lvl5pPr marL="2286000" lvl="4" indent="-342900" algn="l">
               <a:lnSpc>
                 <a:spcPct val="90000"/>
               </a:lnSpc>
@@ -4065,7 +4163,7 @@
               <a:buChar char="•"/>
               <a:defRPr/>
             </a:lvl5pPr>
-            <a:lvl6pPr indent="-342900" lvl="5" marL="2743200" algn="l">
+            <a:lvl6pPr marL="2743200" lvl="5" indent="-342900" algn="l">
               <a:lnSpc>
                 <a:spcPct val="90000"/>
               </a:lnSpc>
@@ -4082,7 +4180,7 @@
               <a:buChar char="•"/>
               <a:defRPr/>
             </a:lvl6pPr>
-            <a:lvl7pPr indent="-342900" lvl="6" marL="3200400" algn="l">
+            <a:lvl7pPr marL="3200400" lvl="6" indent="-342900" algn="l">
               <a:lnSpc>
                 <a:spcPct val="90000"/>
               </a:lnSpc>
@@ -4099,7 +4197,7 @@
               <a:buChar char="•"/>
               <a:defRPr/>
             </a:lvl7pPr>
-            <a:lvl8pPr indent="-342900" lvl="7" marL="3657600" algn="l">
+            <a:lvl8pPr marL="3657600" lvl="7" indent="-342900" algn="l">
               <a:lnSpc>
                 <a:spcPct val="90000"/>
               </a:lnSpc>
@@ -4116,7 +4214,7 @@
               <a:buChar char="•"/>
               <a:defRPr/>
             </a:lvl8pPr>
-            <a:lvl9pPr indent="-342900" lvl="8" marL="4114800" algn="l">
+            <a:lvl9pPr marL="4114800" lvl="8" indent="-342900" algn="l">
               <a:lnSpc>
                 <a:spcPct val="90000"/>
               </a:lnSpc>
@@ -4134,15 +4232,19 @@
               <a:defRPr/>
             </a:lvl9pPr>
           </a:lstStyle>
-          <a:p/>
+          <a:p>
+            <a:endParaRPr/>
+          </a:p>
         </p:txBody>
       </p:sp>
       <p:sp>
         <p:nvSpPr>
           <p:cNvPr id="24" name="Google Shape;24;p4"/>
-          <p:cNvSpPr txBox="1"/>
+          <p:cNvSpPr txBox="1">
+            <a:spLocks noGrp="1"/>
+          </p:cNvSpPr>
           <p:nvPr>
-            <p:ph idx="10" type="dt"/>
+            <p:ph type="dt" idx="10"/>
           </p:nvPr>
         </p:nvSpPr>
         <p:spPr>
@@ -4159,7 +4261,7 @@
           </a:ln>
         </p:spPr>
         <p:txBody>
-          <a:bodyPr anchorCtr="0" anchor="ctr" bIns="45700" lIns="91425" spcFirstLastPara="1" rIns="91425" wrap="square" tIns="45700">
+          <a:bodyPr spcFirstLastPara="1" wrap="square" lIns="91425" tIns="45700" rIns="91425" bIns="45700" anchor="ctr" anchorCtr="0">
             <a:noAutofit/>
           </a:bodyPr>
           <a:lstStyle>
@@ -4263,15 +4365,19 @@
               <a:defRPr/>
             </a:lvl9pPr>
           </a:lstStyle>
-          <a:p/>
+          <a:p>
+            <a:endParaRPr/>
+          </a:p>
         </p:txBody>
       </p:sp>
       <p:sp>
         <p:nvSpPr>
           <p:cNvPr id="25" name="Google Shape;25;p4"/>
-          <p:cNvSpPr txBox="1"/>
+          <p:cNvSpPr txBox="1">
+            <a:spLocks noGrp="1"/>
+          </p:cNvSpPr>
           <p:nvPr>
-            <p:ph idx="11" type="ftr"/>
+            <p:ph type="ftr" idx="11"/>
           </p:nvPr>
         </p:nvSpPr>
         <p:spPr>
@@ -4288,7 +4394,7 @@
           </a:ln>
         </p:spPr>
         <p:txBody>
-          <a:bodyPr anchorCtr="0" anchor="ctr" bIns="45700" lIns="91425" spcFirstLastPara="1" rIns="91425" wrap="square" tIns="45700">
+          <a:bodyPr spcFirstLastPara="1" wrap="square" lIns="91425" tIns="45700" rIns="91425" bIns="45700" anchor="ctr" anchorCtr="0">
             <a:noAutofit/>
           </a:bodyPr>
           <a:lstStyle>
@@ -4392,15 +4498,19 @@
               <a:defRPr/>
             </a:lvl9pPr>
           </a:lstStyle>
-          <a:p/>
+          <a:p>
+            <a:endParaRPr/>
+          </a:p>
         </p:txBody>
       </p:sp>
       <p:sp>
         <p:nvSpPr>
           <p:cNvPr id="26" name="Google Shape;26;p4"/>
-          <p:cNvSpPr txBox="1"/>
+          <p:cNvSpPr txBox="1">
+            <a:spLocks noGrp="1"/>
+          </p:cNvSpPr>
           <p:nvPr>
-            <p:ph idx="12" type="sldNum"/>
+            <p:ph type="sldNum" idx="12"/>
           </p:nvPr>
         </p:nvSpPr>
         <p:spPr>
@@ -4417,67 +4527,67 @@
           </a:ln>
         </p:spPr>
         <p:txBody>
-          <a:bodyPr anchorCtr="0" anchor="ctr" bIns="45700" lIns="91425" spcFirstLastPara="1" rIns="91425" wrap="square" tIns="45700">
+          <a:bodyPr spcFirstLastPara="1" wrap="square" lIns="91425" tIns="45700" rIns="91425" bIns="45700" anchor="ctr" anchorCtr="0">
             <a:noAutofit/>
           </a:bodyPr>
           <a:lstStyle>
-            <a:lvl1pPr indent="0" lvl="0" marL="0" algn="r">
+            <a:lvl1pPr marL="0" lvl="0" indent="0" algn="r">
               <a:spcBef>
                 <a:spcPts val="0"/>
               </a:spcBef>
               <a:buNone/>
               <a:defRPr/>
             </a:lvl1pPr>
-            <a:lvl2pPr indent="0" lvl="1" marL="0" algn="r">
+            <a:lvl2pPr marL="0" lvl="1" indent="0" algn="r">
               <a:spcBef>
                 <a:spcPts val="0"/>
               </a:spcBef>
               <a:buNone/>
               <a:defRPr/>
             </a:lvl2pPr>
-            <a:lvl3pPr indent="0" lvl="2" marL="0" algn="r">
+            <a:lvl3pPr marL="0" lvl="2" indent="0" algn="r">
               <a:spcBef>
                 <a:spcPts val="0"/>
               </a:spcBef>
               <a:buNone/>
               <a:defRPr/>
             </a:lvl3pPr>
-            <a:lvl4pPr indent="0" lvl="3" marL="0" algn="r">
+            <a:lvl4pPr marL="0" lvl="3" indent="0" algn="r">
               <a:spcBef>
                 <a:spcPts val="0"/>
               </a:spcBef>
               <a:buNone/>
               <a:defRPr/>
             </a:lvl4pPr>
-            <a:lvl5pPr indent="0" lvl="4" marL="0" algn="r">
+            <a:lvl5pPr marL="0" lvl="4" indent="0" algn="r">
               <a:spcBef>
                 <a:spcPts val="0"/>
               </a:spcBef>
               <a:buNone/>
               <a:defRPr/>
             </a:lvl5pPr>
-            <a:lvl6pPr indent="0" lvl="5" marL="0" algn="r">
+            <a:lvl6pPr marL="0" lvl="5" indent="0" algn="r">
               <a:spcBef>
                 <a:spcPts val="0"/>
               </a:spcBef>
               <a:buNone/>
               <a:defRPr/>
             </a:lvl6pPr>
-            <a:lvl7pPr indent="0" lvl="6" marL="0" algn="r">
+            <a:lvl7pPr marL="0" lvl="6" indent="0" algn="r">
               <a:spcBef>
                 <a:spcPts val="0"/>
               </a:spcBef>
               <a:buNone/>
               <a:defRPr/>
             </a:lvl7pPr>
-            <a:lvl8pPr indent="0" lvl="7" marL="0" algn="r">
+            <a:lvl8pPr marL="0" lvl="7" indent="0" algn="r">
               <a:spcBef>
                 <a:spcPts val="0"/>
               </a:spcBef>
               <a:buNone/>
               <a:defRPr/>
             </a:lvl8pPr>
-            <a:lvl9pPr indent="0" lvl="8" marL="0" algn="r">
+            <a:lvl9pPr marL="0" lvl="8" indent="0" algn="r">
               <a:spcBef>
                 <a:spcPts val="0"/>
               </a:spcBef>
@@ -4486,7 +4596,7 @@
             </a:lvl9pPr>
           </a:lstStyle>
           <a:p>
-            <a:pPr indent="0" lvl="0" marL="0" rtl="0" algn="r">
+            <a:pPr marL="0" lvl="0" indent="0" algn="r" rtl="0">
               <a:spcBef>
                 <a:spcPts val="0"/>
               </a:spcBef>
@@ -4512,11 +4622,11 @@
 </file>
 
 <file path=ppt/slideLayouts/slideLayout3.xml><?xml version="1.0" encoding="utf-8"?>
-<p:sldLayout xmlns:a="http://schemas.openxmlformats.org/drawingml/2006/main" xmlns:r="http://schemas.openxmlformats.org/officeDocument/2006/relationships" xmlns:mc="http://schemas.openxmlformats.org/markup-compatibility/2006" xmlns:mv="urn:schemas-microsoft-com:mac:vml" xmlns:p="http://schemas.openxmlformats.org/presentationml/2006/main" xmlns:c="http://schemas.openxmlformats.org/drawingml/2006/chart" xmlns:dgm="http://schemas.openxmlformats.org/drawingml/2006/diagram" xmlns:o="urn:schemas-microsoft-com:office:office" xmlns:v="urn:schemas-microsoft-com:vml" xmlns:pvml="urn:schemas-microsoft-com:office:powerpoint" xmlns:com="http://schemas.openxmlformats.org/drawingml/2006/compatibility" xmlns:p14="http://schemas.microsoft.com/office/powerpoint/2010/main" xmlns:p15="http://schemas.microsoft.com/office/powerpoint/2012/main" xmlns:ahyp="http://schemas.microsoft.com/office/drawing/2018/hyperlinkcolor" matchingName="Section Header" type="secHead">
+<p:sldLayout xmlns:a="http://schemas.openxmlformats.org/drawingml/2006/main" xmlns:r="http://schemas.openxmlformats.org/officeDocument/2006/relationships" xmlns:p="http://schemas.openxmlformats.org/presentationml/2006/main" matchingName="Section Header" type="secHead">
   <p:cSld name="SECTION_HEADER">
     <p:spTree>
       <p:nvGrpSpPr>
-        <p:cNvPr id="27" name="Shape 27"/>
+        <p:cNvPr id="1" name="Shape 27"/>
         <p:cNvGrpSpPr/>
         <p:nvPr/>
       </p:nvGrpSpPr>
@@ -4531,7 +4641,9 @@
       <p:sp>
         <p:nvSpPr>
           <p:cNvPr id="28" name="Google Shape;28;p5"/>
-          <p:cNvSpPr txBox="1"/>
+          <p:cNvSpPr txBox="1">
+            <a:spLocks noGrp="1"/>
+          </p:cNvSpPr>
           <p:nvPr>
             <p:ph type="title"/>
           </p:nvPr>
@@ -4550,7 +4662,7 @@
           </a:ln>
         </p:spPr>
         <p:txBody>
-          <a:bodyPr anchorCtr="0" anchor="b" bIns="45700" lIns="91425" spcFirstLastPara="1" rIns="91425" wrap="square" tIns="45700">
+          <a:bodyPr spcFirstLastPara="1" wrap="square" lIns="91425" tIns="45700" rIns="91425" bIns="45700" anchor="b" anchorCtr="0">
             <a:normAutofit/>
           </a:bodyPr>
           <a:lstStyle>
@@ -4661,15 +4773,19 @@
               <a:defRPr/>
             </a:lvl9pPr>
           </a:lstStyle>
-          <a:p/>
+          <a:p>
+            <a:endParaRPr/>
+          </a:p>
         </p:txBody>
       </p:sp>
       <p:sp>
         <p:nvSpPr>
           <p:cNvPr id="29" name="Google Shape;29;p5"/>
-          <p:cNvSpPr txBox="1"/>
+          <p:cNvSpPr txBox="1">
+            <a:spLocks noGrp="1"/>
+          </p:cNvSpPr>
           <p:nvPr>
-            <p:ph idx="1" type="body"/>
+            <p:ph type="body" idx="1"/>
           </p:nvPr>
         </p:nvSpPr>
         <p:spPr>
@@ -4686,11 +4802,11 @@
           </a:ln>
         </p:spPr>
         <p:txBody>
-          <a:bodyPr anchorCtr="0" anchor="t" bIns="45700" lIns="91425" spcFirstLastPara="1" rIns="91425" wrap="square" tIns="45700">
+          <a:bodyPr spcFirstLastPara="1" wrap="square" lIns="91425" tIns="45700" rIns="91425" bIns="45700" anchor="t" anchorCtr="0">
             <a:normAutofit/>
           </a:bodyPr>
           <a:lstStyle>
-            <a:lvl1pPr indent="-228600" lvl="0" marL="457200" algn="l">
+            <a:lvl1pPr marL="457200" lvl="0" indent="-228600" algn="l">
               <a:lnSpc>
                 <a:spcPct val="90000"/>
               </a:lnSpc>
@@ -4711,7 +4827,7 @@
                 </a:solidFill>
               </a:defRPr>
             </a:lvl1pPr>
-            <a:lvl2pPr indent="-228600" lvl="1" marL="914400" algn="l">
+            <a:lvl2pPr marL="914400" lvl="1" indent="-228600" algn="l">
               <a:lnSpc>
                 <a:spcPct val="90000"/>
               </a:lnSpc>
@@ -4732,7 +4848,7 @@
                 </a:solidFill>
               </a:defRPr>
             </a:lvl2pPr>
-            <a:lvl3pPr indent="-228600" lvl="2" marL="1371600" algn="l">
+            <a:lvl3pPr marL="1371600" lvl="2" indent="-228600" algn="l">
               <a:lnSpc>
                 <a:spcPct val="90000"/>
               </a:lnSpc>
@@ -4753,7 +4869,7 @@
                 </a:solidFill>
               </a:defRPr>
             </a:lvl3pPr>
-            <a:lvl4pPr indent="-228600" lvl="3" marL="1828800" algn="l">
+            <a:lvl4pPr marL="1828800" lvl="3" indent="-228600" algn="l">
               <a:lnSpc>
                 <a:spcPct val="90000"/>
               </a:lnSpc>
@@ -4774,7 +4890,7 @@
                 </a:solidFill>
               </a:defRPr>
             </a:lvl4pPr>
-            <a:lvl5pPr indent="-228600" lvl="4" marL="2286000" algn="l">
+            <a:lvl5pPr marL="2286000" lvl="4" indent="-228600" algn="l">
               <a:lnSpc>
                 <a:spcPct val="90000"/>
               </a:lnSpc>
@@ -4795,7 +4911,7 @@
                 </a:solidFill>
               </a:defRPr>
             </a:lvl5pPr>
-            <a:lvl6pPr indent="-228600" lvl="5" marL="2743200" algn="l">
+            <a:lvl6pPr marL="2743200" lvl="5" indent="-228600" algn="l">
               <a:lnSpc>
                 <a:spcPct val="90000"/>
               </a:lnSpc>
@@ -4816,7 +4932,7 @@
                 </a:solidFill>
               </a:defRPr>
             </a:lvl6pPr>
-            <a:lvl7pPr indent="-228600" lvl="6" marL="3200400" algn="l">
+            <a:lvl7pPr marL="3200400" lvl="6" indent="-228600" algn="l">
               <a:lnSpc>
                 <a:spcPct val="90000"/>
               </a:lnSpc>
@@ -4837,7 +4953,7 @@
                 </a:solidFill>
               </a:defRPr>
             </a:lvl7pPr>
-            <a:lvl8pPr indent="-228600" lvl="7" marL="3657600" algn="l">
+            <a:lvl8pPr marL="3657600" lvl="7" indent="-228600" algn="l">
               <a:lnSpc>
                 <a:spcPct val="90000"/>
               </a:lnSpc>
@@ -4858,7 +4974,7 @@
                 </a:solidFill>
               </a:defRPr>
             </a:lvl8pPr>
-            <a:lvl9pPr indent="-228600" lvl="8" marL="4114800" algn="l">
+            <a:lvl9pPr marL="4114800" lvl="8" indent="-228600" algn="l">
               <a:lnSpc>
                 <a:spcPct val="90000"/>
               </a:lnSpc>
@@ -4880,15 +4996,19 @@
               </a:defRPr>
             </a:lvl9pPr>
           </a:lstStyle>
-          <a:p/>
+          <a:p>
+            <a:endParaRPr/>
+          </a:p>
         </p:txBody>
       </p:sp>
       <p:sp>
         <p:nvSpPr>
           <p:cNvPr id="30" name="Google Shape;30;p5"/>
-          <p:cNvSpPr txBox="1"/>
+          <p:cNvSpPr txBox="1">
+            <a:spLocks noGrp="1"/>
+          </p:cNvSpPr>
           <p:nvPr>
-            <p:ph idx="10" type="dt"/>
+            <p:ph type="dt" idx="10"/>
           </p:nvPr>
         </p:nvSpPr>
         <p:spPr>
@@ -4905,7 +5025,7 @@
           </a:ln>
         </p:spPr>
         <p:txBody>
-          <a:bodyPr anchorCtr="0" anchor="ctr" bIns="45700" lIns="91425" spcFirstLastPara="1" rIns="91425" wrap="square" tIns="45700">
+          <a:bodyPr spcFirstLastPara="1" wrap="square" lIns="91425" tIns="45700" rIns="91425" bIns="45700" anchor="ctr" anchorCtr="0">
             <a:noAutofit/>
           </a:bodyPr>
           <a:lstStyle>
@@ -5009,15 +5129,19 @@
               <a:defRPr/>
             </a:lvl9pPr>
           </a:lstStyle>
-          <a:p/>
+          <a:p>
+            <a:endParaRPr/>
+          </a:p>
         </p:txBody>
       </p:sp>
       <p:sp>
         <p:nvSpPr>
           <p:cNvPr id="31" name="Google Shape;31;p5"/>
-          <p:cNvSpPr txBox="1"/>
+          <p:cNvSpPr txBox="1">
+            <a:spLocks noGrp="1"/>
+          </p:cNvSpPr>
           <p:nvPr>
-            <p:ph idx="11" type="ftr"/>
+            <p:ph type="ftr" idx="11"/>
           </p:nvPr>
         </p:nvSpPr>
         <p:spPr>
@@ -5034,7 +5158,7 @@
           </a:ln>
         </p:spPr>
         <p:txBody>
-          <a:bodyPr anchorCtr="0" anchor="ctr" bIns="45700" lIns="91425" spcFirstLastPara="1" rIns="91425" wrap="square" tIns="45700">
+          <a:bodyPr spcFirstLastPara="1" wrap="square" lIns="91425" tIns="45700" rIns="91425" bIns="45700" anchor="ctr" anchorCtr="0">
             <a:noAutofit/>
           </a:bodyPr>
           <a:lstStyle>
@@ -5138,15 +5262,19 @@
               <a:defRPr/>
             </a:lvl9pPr>
           </a:lstStyle>
-          <a:p/>
+          <a:p>
+            <a:endParaRPr/>
+          </a:p>
         </p:txBody>
       </p:sp>
       <p:sp>
         <p:nvSpPr>
           <p:cNvPr id="32" name="Google Shape;32;p5"/>
-          <p:cNvSpPr txBox="1"/>
+          <p:cNvSpPr txBox="1">
+            <a:spLocks noGrp="1"/>
+          </p:cNvSpPr>
           <p:nvPr>
-            <p:ph idx="12" type="sldNum"/>
+            <p:ph type="sldNum" idx="12"/>
           </p:nvPr>
         </p:nvSpPr>
         <p:spPr>
@@ -5163,67 +5291,67 @@
           </a:ln>
         </p:spPr>
         <p:txBody>
-          <a:bodyPr anchorCtr="0" anchor="ctr" bIns="45700" lIns="91425" spcFirstLastPara="1" rIns="91425" wrap="square" tIns="45700">
+          <a:bodyPr spcFirstLastPara="1" wrap="square" lIns="91425" tIns="45700" rIns="91425" bIns="45700" anchor="ctr" anchorCtr="0">
             <a:noAutofit/>
           </a:bodyPr>
           <a:lstStyle>
-            <a:lvl1pPr indent="0" lvl="0" marL="0" algn="r">
+            <a:lvl1pPr marL="0" lvl="0" indent="0" algn="r">
               <a:spcBef>
                 <a:spcPts val="0"/>
               </a:spcBef>
               <a:buNone/>
               <a:defRPr/>
             </a:lvl1pPr>
-            <a:lvl2pPr indent="0" lvl="1" marL="0" algn="r">
+            <a:lvl2pPr marL="0" lvl="1" indent="0" algn="r">
               <a:spcBef>
                 <a:spcPts val="0"/>
               </a:spcBef>
               <a:buNone/>
               <a:defRPr/>
             </a:lvl2pPr>
-            <a:lvl3pPr indent="0" lvl="2" marL="0" algn="r">
+            <a:lvl3pPr marL="0" lvl="2" indent="0" algn="r">
               <a:spcBef>
                 <a:spcPts val="0"/>
               </a:spcBef>
               <a:buNone/>
               <a:defRPr/>
             </a:lvl3pPr>
-            <a:lvl4pPr indent="0" lvl="3" marL="0" algn="r">
+            <a:lvl4pPr marL="0" lvl="3" indent="0" algn="r">
               <a:spcBef>
                 <a:spcPts val="0"/>
               </a:spcBef>
               <a:buNone/>
               <a:defRPr/>
             </a:lvl4pPr>
-            <a:lvl5pPr indent="0" lvl="4" marL="0" algn="r">
+            <a:lvl5pPr marL="0" lvl="4" indent="0" algn="r">
               <a:spcBef>
                 <a:spcPts val="0"/>
               </a:spcBef>
               <a:buNone/>
               <a:defRPr/>
             </a:lvl5pPr>
-            <a:lvl6pPr indent="0" lvl="5" marL="0" algn="r">
+            <a:lvl6pPr marL="0" lvl="5" indent="0" algn="r">
               <a:spcBef>
                 <a:spcPts val="0"/>
               </a:spcBef>
               <a:buNone/>
               <a:defRPr/>
             </a:lvl6pPr>
-            <a:lvl7pPr indent="0" lvl="6" marL="0" algn="r">
+            <a:lvl7pPr marL="0" lvl="6" indent="0" algn="r">
               <a:spcBef>
                 <a:spcPts val="0"/>
               </a:spcBef>
               <a:buNone/>
               <a:defRPr/>
             </a:lvl7pPr>
-            <a:lvl8pPr indent="0" lvl="7" marL="0" algn="r">
+            <a:lvl8pPr marL="0" lvl="7" indent="0" algn="r">
               <a:spcBef>
                 <a:spcPts val="0"/>
               </a:spcBef>
               <a:buNone/>
               <a:defRPr/>
             </a:lvl8pPr>
-            <a:lvl9pPr indent="0" lvl="8" marL="0" algn="r">
+            <a:lvl9pPr marL="0" lvl="8" indent="0" algn="r">
               <a:spcBef>
                 <a:spcPts val="0"/>
               </a:spcBef>
@@ -5232,7 +5360,7 @@
             </a:lvl9pPr>
           </a:lstStyle>
           <a:p>
-            <a:pPr indent="0" lvl="0" marL="0" rtl="0" algn="r">
+            <a:pPr marL="0" lvl="0" indent="0" algn="r" rtl="0">
               <a:spcBef>
                 <a:spcPts val="0"/>
               </a:spcBef>
@@ -5258,11 +5386,11 @@
 </file>
 
 <file path=ppt/slideLayouts/slideLayout4.xml><?xml version="1.0" encoding="utf-8"?>
-<p:sldLayout xmlns:a="http://schemas.openxmlformats.org/drawingml/2006/main" xmlns:r="http://schemas.openxmlformats.org/officeDocument/2006/relationships" xmlns:mc="http://schemas.openxmlformats.org/markup-compatibility/2006" xmlns:mv="urn:schemas-microsoft-com:mac:vml" xmlns:p="http://schemas.openxmlformats.org/presentationml/2006/main" xmlns:c="http://schemas.openxmlformats.org/drawingml/2006/chart" xmlns:dgm="http://schemas.openxmlformats.org/drawingml/2006/diagram" xmlns:o="urn:schemas-microsoft-com:office:office" xmlns:v="urn:schemas-microsoft-com:vml" xmlns:pvml="urn:schemas-microsoft-com:office:powerpoint" xmlns:com="http://schemas.openxmlformats.org/drawingml/2006/compatibility" xmlns:p14="http://schemas.microsoft.com/office/powerpoint/2010/main" xmlns:p15="http://schemas.microsoft.com/office/powerpoint/2012/main" xmlns:ahyp="http://schemas.microsoft.com/office/drawing/2018/hyperlinkcolor" matchingName="Two Content" type="twoObj">
+<p:sldLayout xmlns:a="http://schemas.openxmlformats.org/drawingml/2006/main" xmlns:r="http://schemas.openxmlformats.org/officeDocument/2006/relationships" xmlns:p="http://schemas.openxmlformats.org/presentationml/2006/main" matchingName="Two Content" type="twoObj">
   <p:cSld name="TWO_OBJECTS">
     <p:spTree>
       <p:nvGrpSpPr>
-        <p:cNvPr id="33" name="Shape 33"/>
+        <p:cNvPr id="1" name="Shape 33"/>
         <p:cNvGrpSpPr/>
         <p:nvPr/>
       </p:nvGrpSpPr>
@@ -5277,7 +5405,9 @@
       <p:sp>
         <p:nvSpPr>
           <p:cNvPr id="34" name="Google Shape;34;p6"/>
-          <p:cNvSpPr txBox="1"/>
+          <p:cNvSpPr txBox="1">
+            <a:spLocks noGrp="1"/>
+          </p:cNvSpPr>
           <p:nvPr>
             <p:ph type="title"/>
           </p:nvPr>
@@ -5296,7 +5426,7 @@
           </a:ln>
         </p:spPr>
         <p:txBody>
-          <a:bodyPr anchorCtr="0" anchor="ctr" bIns="45700" lIns="91425" spcFirstLastPara="1" rIns="91425" wrap="square" tIns="45700">
+          <a:bodyPr spcFirstLastPara="1" wrap="square" lIns="91425" tIns="45700" rIns="91425" bIns="45700" anchor="ctr" anchorCtr="0">
             <a:normAutofit/>
           </a:bodyPr>
           <a:lstStyle>
@@ -5406,15 +5536,19 @@
               <a:defRPr/>
             </a:lvl9pPr>
           </a:lstStyle>
-          <a:p/>
+          <a:p>
+            <a:endParaRPr/>
+          </a:p>
         </p:txBody>
       </p:sp>
       <p:sp>
         <p:nvSpPr>
           <p:cNvPr id="35" name="Google Shape;35;p6"/>
-          <p:cNvSpPr txBox="1"/>
+          <p:cNvSpPr txBox="1">
+            <a:spLocks noGrp="1"/>
+          </p:cNvSpPr>
           <p:nvPr>
-            <p:ph idx="1" type="body"/>
+            <p:ph type="body" idx="1"/>
           </p:nvPr>
         </p:nvSpPr>
         <p:spPr>
@@ -5431,11 +5565,11 @@
           </a:ln>
         </p:spPr>
         <p:txBody>
-          <a:bodyPr anchorCtr="0" anchor="t" bIns="45700" lIns="91425" spcFirstLastPara="1" rIns="91425" wrap="square" tIns="45700">
+          <a:bodyPr spcFirstLastPara="1" wrap="square" lIns="91425" tIns="45700" rIns="91425" bIns="45700" anchor="t" anchorCtr="0">
             <a:normAutofit/>
           </a:bodyPr>
           <a:lstStyle>
-            <a:lvl1pPr indent="-342900" lvl="0" marL="457200" algn="l">
+            <a:lvl1pPr marL="457200" lvl="0" indent="-342900" algn="l">
               <a:lnSpc>
                 <a:spcPct val="90000"/>
               </a:lnSpc>
@@ -5452,7 +5586,7 @@
               <a:buChar char="•"/>
               <a:defRPr/>
             </a:lvl1pPr>
-            <a:lvl2pPr indent="-342900" lvl="1" marL="914400" algn="l">
+            <a:lvl2pPr marL="914400" lvl="1" indent="-342900" algn="l">
               <a:lnSpc>
                 <a:spcPct val="90000"/>
               </a:lnSpc>
@@ -5469,7 +5603,7 @@
               <a:buChar char="•"/>
               <a:defRPr/>
             </a:lvl2pPr>
-            <a:lvl3pPr indent="-342900" lvl="2" marL="1371600" algn="l">
+            <a:lvl3pPr marL="1371600" lvl="2" indent="-342900" algn="l">
               <a:lnSpc>
                 <a:spcPct val="90000"/>
               </a:lnSpc>
@@ -5486,7 +5620,7 @@
               <a:buChar char="•"/>
               <a:defRPr/>
             </a:lvl3pPr>
-            <a:lvl4pPr indent="-342900" lvl="3" marL="1828800" algn="l">
+            <a:lvl4pPr marL="1828800" lvl="3" indent="-342900" algn="l">
               <a:lnSpc>
                 <a:spcPct val="90000"/>
               </a:lnSpc>
@@ -5503,7 +5637,7 @@
               <a:buChar char="•"/>
               <a:defRPr/>
             </a:lvl4pPr>
-            <a:lvl5pPr indent="-342900" lvl="4" marL="2286000" algn="l">
+            <a:lvl5pPr marL="2286000" lvl="4" indent="-342900" algn="l">
               <a:lnSpc>
                 <a:spcPct val="90000"/>
               </a:lnSpc>
@@ -5520,7 +5654,7 @@
               <a:buChar char="•"/>
               <a:defRPr/>
             </a:lvl5pPr>
-            <a:lvl6pPr indent="-342900" lvl="5" marL="2743200" algn="l">
+            <a:lvl6pPr marL="2743200" lvl="5" indent="-342900" algn="l">
               <a:lnSpc>
                 <a:spcPct val="90000"/>
               </a:lnSpc>
@@ -5537,7 +5671,7 @@
               <a:buChar char="•"/>
               <a:defRPr/>
             </a:lvl6pPr>
-            <a:lvl7pPr indent="-342900" lvl="6" marL="3200400" algn="l">
+            <a:lvl7pPr marL="3200400" lvl="6" indent="-342900" algn="l">
               <a:lnSpc>
                 <a:spcPct val="90000"/>
               </a:lnSpc>
@@ -5554,7 +5688,7 @@
               <a:buChar char="•"/>
               <a:defRPr/>
             </a:lvl7pPr>
-            <a:lvl8pPr indent="-342900" lvl="7" marL="3657600" algn="l">
+            <a:lvl8pPr marL="3657600" lvl="7" indent="-342900" algn="l">
               <a:lnSpc>
                 <a:spcPct val="90000"/>
               </a:lnSpc>
@@ -5571,7 +5705,7 @@
               <a:buChar char="•"/>
               <a:defRPr/>
             </a:lvl8pPr>
-            <a:lvl9pPr indent="-342900" lvl="8" marL="4114800" algn="l">
+            <a:lvl9pPr marL="4114800" lvl="8" indent="-342900" algn="l">
               <a:lnSpc>
                 <a:spcPct val="90000"/>
               </a:lnSpc>
@@ -5589,15 +5723,19 @@
               <a:defRPr/>
             </a:lvl9pPr>
           </a:lstStyle>
-          <a:p/>
+          <a:p>
+            <a:endParaRPr/>
+          </a:p>
         </p:txBody>
       </p:sp>
       <p:sp>
         <p:nvSpPr>
           <p:cNvPr id="36" name="Google Shape;36;p6"/>
-          <p:cNvSpPr txBox="1"/>
+          <p:cNvSpPr txBox="1">
+            <a:spLocks noGrp="1"/>
+          </p:cNvSpPr>
           <p:nvPr>
-            <p:ph idx="2" type="body"/>
+            <p:ph type="body" idx="2"/>
           </p:nvPr>
         </p:nvSpPr>
         <p:spPr>
@@ -5614,11 +5752,11 @@
           </a:ln>
         </p:spPr>
         <p:txBody>
-          <a:bodyPr anchorCtr="0" anchor="t" bIns="45700" lIns="91425" spcFirstLastPara="1" rIns="91425" wrap="square" tIns="45700">
+          <a:bodyPr spcFirstLastPara="1" wrap="square" lIns="91425" tIns="45700" rIns="91425" bIns="45700" anchor="t" anchorCtr="0">
             <a:normAutofit/>
           </a:bodyPr>
           <a:lstStyle>
-            <a:lvl1pPr indent="-342900" lvl="0" marL="457200" algn="l">
+            <a:lvl1pPr marL="457200" lvl="0" indent="-342900" algn="l">
               <a:lnSpc>
                 <a:spcPct val="90000"/>
               </a:lnSpc>
@@ -5635,7 +5773,7 @@
               <a:buChar char="•"/>
               <a:defRPr/>
             </a:lvl1pPr>
-            <a:lvl2pPr indent="-342900" lvl="1" marL="914400" algn="l">
+            <a:lvl2pPr marL="914400" lvl="1" indent="-342900" algn="l">
               <a:lnSpc>
                 <a:spcPct val="90000"/>
               </a:lnSpc>
@@ -5652,7 +5790,7 @@
               <a:buChar char="•"/>
               <a:defRPr/>
             </a:lvl2pPr>
-            <a:lvl3pPr indent="-342900" lvl="2" marL="1371600" algn="l">
+            <a:lvl3pPr marL="1371600" lvl="2" indent="-342900" algn="l">
               <a:lnSpc>
                 <a:spcPct val="90000"/>
               </a:lnSpc>
@@ -5669,7 +5807,7 @@
               <a:buChar char="•"/>
               <a:defRPr/>
             </a:lvl3pPr>
-            <a:lvl4pPr indent="-342900" lvl="3" marL="1828800" algn="l">
+            <a:lvl4pPr marL="1828800" lvl="3" indent="-342900" algn="l">
               <a:lnSpc>
                 <a:spcPct val="90000"/>
               </a:lnSpc>
@@ -5686,7 +5824,7 @@
               <a:buChar char="•"/>
               <a:defRPr/>
             </a:lvl4pPr>
-            <a:lvl5pPr indent="-342900" lvl="4" marL="2286000" algn="l">
+            <a:lvl5pPr marL="2286000" lvl="4" indent="-342900" algn="l">
               <a:lnSpc>
                 <a:spcPct val="90000"/>
               </a:lnSpc>
@@ -5703,7 +5841,7 @@
               <a:buChar char="•"/>
               <a:defRPr/>
             </a:lvl5pPr>
-            <a:lvl6pPr indent="-342900" lvl="5" marL="2743200" algn="l">
+            <a:lvl6pPr marL="2743200" lvl="5" indent="-342900" algn="l">
               <a:lnSpc>
                 <a:spcPct val="90000"/>
               </a:lnSpc>
@@ -5720,7 +5858,7 @@
               <a:buChar char="•"/>
               <a:defRPr/>
             </a:lvl6pPr>
-            <a:lvl7pPr indent="-342900" lvl="6" marL="3200400" algn="l">
+            <a:lvl7pPr marL="3200400" lvl="6" indent="-342900" algn="l">
               <a:lnSpc>
                 <a:spcPct val="90000"/>
               </a:lnSpc>
@@ -5737,7 +5875,7 @@
               <a:buChar char="•"/>
               <a:defRPr/>
             </a:lvl7pPr>
-            <a:lvl8pPr indent="-342900" lvl="7" marL="3657600" algn="l">
+            <a:lvl8pPr marL="3657600" lvl="7" indent="-342900" algn="l">
               <a:lnSpc>
                 <a:spcPct val="90000"/>
               </a:lnSpc>
@@ -5754,7 +5892,7 @@
               <a:buChar char="•"/>
               <a:defRPr/>
             </a:lvl8pPr>
-            <a:lvl9pPr indent="-342900" lvl="8" marL="4114800" algn="l">
+            <a:lvl9pPr marL="4114800" lvl="8" indent="-342900" algn="l">
               <a:lnSpc>
                 <a:spcPct val="90000"/>
               </a:lnSpc>
@@ -5772,15 +5910,19 @@
               <a:defRPr/>
             </a:lvl9pPr>
           </a:lstStyle>
-          <a:p/>
+          <a:p>
+            <a:endParaRPr/>
+          </a:p>
         </p:txBody>
       </p:sp>
       <p:sp>
         <p:nvSpPr>
           <p:cNvPr id="37" name="Google Shape;37;p6"/>
-          <p:cNvSpPr txBox="1"/>
+          <p:cNvSpPr txBox="1">
+            <a:spLocks noGrp="1"/>
+          </p:cNvSpPr>
           <p:nvPr>
-            <p:ph idx="10" type="dt"/>
+            <p:ph type="dt" idx="10"/>
           </p:nvPr>
         </p:nvSpPr>
         <p:spPr>
@@ -5797,7 +5939,7 @@
           </a:ln>
         </p:spPr>
         <p:txBody>
-          <a:bodyPr anchorCtr="0" anchor="ctr" bIns="45700" lIns="91425" spcFirstLastPara="1" rIns="91425" wrap="square" tIns="45700">
+          <a:bodyPr spcFirstLastPara="1" wrap="square" lIns="91425" tIns="45700" rIns="91425" bIns="45700" anchor="ctr" anchorCtr="0">
             <a:noAutofit/>
           </a:bodyPr>
           <a:lstStyle>
@@ -5901,15 +6043,19 @@
               <a:defRPr/>
             </a:lvl9pPr>
           </a:lstStyle>
-          <a:p/>
+          <a:p>
+            <a:endParaRPr/>
+          </a:p>
         </p:txBody>
       </p:sp>
       <p:sp>
         <p:nvSpPr>
           <p:cNvPr id="38" name="Google Shape;38;p6"/>
-          <p:cNvSpPr txBox="1"/>
+          <p:cNvSpPr txBox="1">
+            <a:spLocks noGrp="1"/>
+          </p:cNvSpPr>
           <p:nvPr>
-            <p:ph idx="11" type="ftr"/>
+            <p:ph type="ftr" idx="11"/>
           </p:nvPr>
         </p:nvSpPr>
         <p:spPr>
@@ -5926,7 +6072,7 @@
           </a:ln>
         </p:spPr>
         <p:txBody>
-          <a:bodyPr anchorCtr="0" anchor="ctr" bIns="45700" lIns="91425" spcFirstLastPara="1" rIns="91425" wrap="square" tIns="45700">
+          <a:bodyPr spcFirstLastPara="1" wrap="square" lIns="91425" tIns="45700" rIns="91425" bIns="45700" anchor="ctr" anchorCtr="0">
             <a:noAutofit/>
           </a:bodyPr>
           <a:lstStyle>
@@ -6030,15 +6176,19 @@
               <a:defRPr/>
             </a:lvl9pPr>
           </a:lstStyle>
-          <a:p/>
+          <a:p>
+            <a:endParaRPr/>
+          </a:p>
         </p:txBody>
       </p:sp>
       <p:sp>
         <p:nvSpPr>
           <p:cNvPr id="39" name="Google Shape;39;p6"/>
-          <p:cNvSpPr txBox="1"/>
+          <p:cNvSpPr txBox="1">
+            <a:spLocks noGrp="1"/>
+          </p:cNvSpPr>
           <p:nvPr>
-            <p:ph idx="12" type="sldNum"/>
+            <p:ph type="sldNum" idx="12"/>
           </p:nvPr>
         </p:nvSpPr>
         <p:spPr>
@@ -6055,67 +6205,67 @@
           </a:ln>
         </p:spPr>
         <p:txBody>
-          <a:bodyPr anchorCtr="0" anchor="ctr" bIns="45700" lIns="91425" spcFirstLastPara="1" rIns="91425" wrap="square" tIns="45700">
+          <a:bodyPr spcFirstLastPara="1" wrap="square" lIns="91425" tIns="45700" rIns="91425" bIns="45700" anchor="ctr" anchorCtr="0">
             <a:noAutofit/>
           </a:bodyPr>
           <a:lstStyle>
-            <a:lvl1pPr indent="0" lvl="0" marL="0" algn="r">
+            <a:lvl1pPr marL="0" lvl="0" indent="0" algn="r">
               <a:spcBef>
                 <a:spcPts val="0"/>
               </a:spcBef>
               <a:buNone/>
               <a:defRPr/>
             </a:lvl1pPr>
-            <a:lvl2pPr indent="0" lvl="1" marL="0" algn="r">
+            <a:lvl2pPr marL="0" lvl="1" indent="0" algn="r">
               <a:spcBef>
                 <a:spcPts val="0"/>
               </a:spcBef>
               <a:buNone/>
               <a:defRPr/>
             </a:lvl2pPr>
-            <a:lvl3pPr indent="0" lvl="2" marL="0" algn="r">
+            <a:lvl3pPr marL="0" lvl="2" indent="0" algn="r">
               <a:spcBef>
                 <a:spcPts val="0"/>
               </a:spcBef>
               <a:buNone/>
               <a:defRPr/>
             </a:lvl3pPr>
-            <a:lvl4pPr indent="0" lvl="3" marL="0" algn="r">
+            <a:lvl4pPr marL="0" lvl="3" indent="0" algn="r">
               <a:spcBef>
                 <a:spcPts val="0"/>
               </a:spcBef>
               <a:buNone/>
               <a:defRPr/>
             </a:lvl4pPr>
-            <a:lvl5pPr indent="0" lvl="4" marL="0" algn="r">
+            <a:lvl5pPr marL="0" lvl="4" indent="0" algn="r">
               <a:spcBef>
                 <a:spcPts val="0"/>
               </a:spcBef>
               <a:buNone/>
               <a:defRPr/>
             </a:lvl5pPr>
-            <a:lvl6pPr indent="0" lvl="5" marL="0" algn="r">
+            <a:lvl6pPr marL="0" lvl="5" indent="0" algn="r">
               <a:spcBef>
                 <a:spcPts val="0"/>
               </a:spcBef>
               <a:buNone/>
               <a:defRPr/>
             </a:lvl6pPr>
-            <a:lvl7pPr indent="0" lvl="6" marL="0" algn="r">
+            <a:lvl7pPr marL="0" lvl="6" indent="0" algn="r">
               <a:spcBef>
                 <a:spcPts val="0"/>
               </a:spcBef>
               <a:buNone/>
               <a:defRPr/>
             </a:lvl7pPr>
-            <a:lvl8pPr indent="0" lvl="7" marL="0" algn="r">
+            <a:lvl8pPr marL="0" lvl="7" indent="0" algn="r">
               <a:spcBef>
                 <a:spcPts val="0"/>
               </a:spcBef>
               <a:buNone/>
               <a:defRPr/>
             </a:lvl8pPr>
-            <a:lvl9pPr indent="0" lvl="8" marL="0" algn="r">
+            <a:lvl9pPr marL="0" lvl="8" indent="0" algn="r">
               <a:spcBef>
                 <a:spcPts val="0"/>
               </a:spcBef>
@@ -6124,7 +6274,7 @@
             </a:lvl9pPr>
           </a:lstStyle>
           <a:p>
-            <a:pPr indent="0" lvl="0" marL="0" rtl="0" algn="r">
+            <a:pPr marL="0" lvl="0" indent="0" algn="r" rtl="0">
               <a:spcBef>
                 <a:spcPts val="0"/>
               </a:spcBef>
@@ -6150,11 +6300,11 @@
 </file>
 
 <file path=ppt/slideLayouts/slideLayout5.xml><?xml version="1.0" encoding="utf-8"?>
-<p:sldLayout xmlns:a="http://schemas.openxmlformats.org/drawingml/2006/main" xmlns:r="http://schemas.openxmlformats.org/officeDocument/2006/relationships" xmlns:mc="http://schemas.openxmlformats.org/markup-compatibility/2006" xmlns:mv="urn:schemas-microsoft-com:mac:vml" xmlns:p="http://schemas.openxmlformats.org/presentationml/2006/main" xmlns:c="http://schemas.openxmlformats.org/drawingml/2006/chart" xmlns:dgm="http://schemas.openxmlformats.org/drawingml/2006/diagram" xmlns:o="urn:schemas-microsoft-com:office:office" xmlns:v="urn:schemas-microsoft-com:vml" xmlns:pvml="urn:schemas-microsoft-com:office:powerpoint" xmlns:com="http://schemas.openxmlformats.org/drawingml/2006/compatibility" xmlns:p14="http://schemas.microsoft.com/office/powerpoint/2010/main" xmlns:p15="http://schemas.microsoft.com/office/powerpoint/2012/main" xmlns:ahyp="http://schemas.microsoft.com/office/drawing/2018/hyperlinkcolor" matchingName="Comparison" type="twoTxTwoObj">
+<p:sldLayout xmlns:a="http://schemas.openxmlformats.org/drawingml/2006/main" xmlns:r="http://schemas.openxmlformats.org/officeDocument/2006/relationships" xmlns:p="http://schemas.openxmlformats.org/presentationml/2006/main" matchingName="Comparison" type="twoTxTwoObj">
   <p:cSld name="TWO_OBJECTS_WITH_TEXT">
     <p:spTree>
       <p:nvGrpSpPr>
-        <p:cNvPr id="40" name="Shape 40"/>
+        <p:cNvPr id="1" name="Shape 40"/>
         <p:cNvGrpSpPr/>
         <p:nvPr/>
       </p:nvGrpSpPr>
@@ -6169,7 +6319,9 @@
       <p:sp>
         <p:nvSpPr>
           <p:cNvPr id="41" name="Google Shape;41;p7"/>
-          <p:cNvSpPr txBox="1"/>
+          <p:cNvSpPr txBox="1">
+            <a:spLocks noGrp="1"/>
+          </p:cNvSpPr>
           <p:nvPr>
             <p:ph type="title"/>
           </p:nvPr>
@@ -6188,7 +6340,7 @@
           </a:ln>
         </p:spPr>
         <p:txBody>
-          <a:bodyPr anchorCtr="0" anchor="ctr" bIns="45700" lIns="91425" spcFirstLastPara="1" rIns="91425" wrap="square" tIns="45700">
+          <a:bodyPr spcFirstLastPara="1" wrap="square" lIns="91425" tIns="45700" rIns="91425" bIns="45700" anchor="ctr" anchorCtr="0">
             <a:normAutofit/>
           </a:bodyPr>
           <a:lstStyle>
@@ -6298,15 +6450,19 @@
               <a:defRPr/>
             </a:lvl9pPr>
           </a:lstStyle>
-          <a:p/>
+          <a:p>
+            <a:endParaRPr/>
+          </a:p>
         </p:txBody>
       </p:sp>
       <p:sp>
         <p:nvSpPr>
           <p:cNvPr id="42" name="Google Shape;42;p7"/>
-          <p:cNvSpPr txBox="1"/>
+          <p:cNvSpPr txBox="1">
+            <a:spLocks noGrp="1"/>
+          </p:cNvSpPr>
           <p:nvPr>
-            <p:ph idx="1" type="body"/>
+            <p:ph type="body" idx="1"/>
           </p:nvPr>
         </p:nvSpPr>
         <p:spPr>
@@ -6323,11 +6479,11 @@
           </a:ln>
         </p:spPr>
         <p:txBody>
-          <a:bodyPr anchorCtr="0" anchor="b" bIns="45700" lIns="91425" spcFirstLastPara="1" rIns="91425" wrap="square" tIns="45700">
+          <a:bodyPr spcFirstLastPara="1" wrap="square" lIns="91425" tIns="45700" rIns="91425" bIns="45700" anchor="b" anchorCtr="0">
             <a:normAutofit/>
           </a:bodyPr>
           <a:lstStyle>
-            <a:lvl1pPr indent="-228600" lvl="0" marL="457200" algn="l">
+            <a:lvl1pPr marL="457200" lvl="0" indent="-228600" algn="l">
               <a:lnSpc>
                 <a:spcPct val="90000"/>
               </a:lnSpc>
@@ -6342,9 +6498,9 @@
               </a:buClr>
               <a:buSzPts val="2400"/>
               <a:buNone/>
-              <a:defRPr b="1" sz="2400"/>
+              <a:defRPr sz="2400" b="1"/>
             </a:lvl1pPr>
-            <a:lvl2pPr indent="-228600" lvl="1" marL="914400" algn="l">
+            <a:lvl2pPr marL="914400" lvl="1" indent="-228600" algn="l">
               <a:lnSpc>
                 <a:spcPct val="90000"/>
               </a:lnSpc>
@@ -6359,9 +6515,9 @@
               </a:buClr>
               <a:buSzPts val="2000"/>
               <a:buNone/>
-              <a:defRPr b="1" sz="2000"/>
+              <a:defRPr sz="2000" b="1"/>
             </a:lvl2pPr>
-            <a:lvl3pPr indent="-228600" lvl="2" marL="1371600" algn="l">
+            <a:lvl3pPr marL="1371600" lvl="2" indent="-228600" algn="l">
               <a:lnSpc>
                 <a:spcPct val="90000"/>
               </a:lnSpc>
@@ -6376,9 +6532,9 @@
               </a:buClr>
               <a:buSzPts val="1800"/>
               <a:buNone/>
-              <a:defRPr b="1" sz="1800"/>
+              <a:defRPr sz="1800" b="1"/>
             </a:lvl3pPr>
-            <a:lvl4pPr indent="-228600" lvl="3" marL="1828800" algn="l">
+            <a:lvl4pPr marL="1828800" lvl="3" indent="-228600" algn="l">
               <a:lnSpc>
                 <a:spcPct val="90000"/>
               </a:lnSpc>
@@ -6393,9 +6549,9 @@
               </a:buClr>
               <a:buSzPts val="1600"/>
               <a:buNone/>
-              <a:defRPr b="1" sz="1600"/>
+              <a:defRPr sz="1600" b="1"/>
             </a:lvl4pPr>
-            <a:lvl5pPr indent="-228600" lvl="4" marL="2286000" algn="l">
+            <a:lvl5pPr marL="2286000" lvl="4" indent="-228600" algn="l">
               <a:lnSpc>
                 <a:spcPct val="90000"/>
               </a:lnSpc>
@@ -6410,9 +6566,9 @@
               </a:buClr>
               <a:buSzPts val="1600"/>
               <a:buNone/>
-              <a:defRPr b="1" sz="1600"/>
+              <a:defRPr sz="1600" b="1"/>
             </a:lvl5pPr>
-            <a:lvl6pPr indent="-228600" lvl="5" marL="2743200" algn="l">
+            <a:lvl6pPr marL="2743200" lvl="5" indent="-228600" algn="l">
               <a:lnSpc>
                 <a:spcPct val="90000"/>
               </a:lnSpc>
@@ -6427,9 +6583,9 @@
               </a:buClr>
               <a:buSzPts val="1600"/>
               <a:buNone/>
-              <a:defRPr b="1" sz="1600"/>
+              <a:defRPr sz="1600" b="1"/>
             </a:lvl6pPr>
-            <a:lvl7pPr indent="-228600" lvl="6" marL="3200400" algn="l">
+            <a:lvl7pPr marL="3200400" lvl="6" indent="-228600" algn="l">
               <a:lnSpc>
                 <a:spcPct val="90000"/>
               </a:lnSpc>
@@ -6444,9 +6600,9 @@
               </a:buClr>
               <a:buSzPts val="1600"/>
               <a:buNone/>
-              <a:defRPr b="1" sz="1600"/>
+              <a:defRPr sz="1600" b="1"/>
             </a:lvl7pPr>
-            <a:lvl8pPr indent="-228600" lvl="7" marL="3657600" algn="l">
+            <a:lvl8pPr marL="3657600" lvl="7" indent="-228600" algn="l">
               <a:lnSpc>
                 <a:spcPct val="90000"/>
               </a:lnSpc>
@@ -6461,9 +6617,9 @@
               </a:buClr>
               <a:buSzPts val="1600"/>
               <a:buNone/>
-              <a:defRPr b="1" sz="1600"/>
+              <a:defRPr sz="1600" b="1"/>
             </a:lvl8pPr>
-            <a:lvl9pPr indent="-228600" lvl="8" marL="4114800" algn="l">
+            <a:lvl9pPr marL="4114800" lvl="8" indent="-228600" algn="l">
               <a:lnSpc>
                 <a:spcPct val="90000"/>
               </a:lnSpc>
@@ -6478,18 +6634,22 @@
               </a:buClr>
               <a:buSzPts val="1600"/>
               <a:buNone/>
-              <a:defRPr b="1" sz="1600"/>
+              <a:defRPr sz="1600" b="1"/>
             </a:lvl9pPr>
           </a:lstStyle>
-          <a:p/>
+          <a:p>
+            <a:endParaRPr/>
+          </a:p>
         </p:txBody>
       </p:sp>
       <p:sp>
         <p:nvSpPr>
           <p:cNvPr id="43" name="Google Shape;43;p7"/>
-          <p:cNvSpPr txBox="1"/>
+          <p:cNvSpPr txBox="1">
+            <a:spLocks noGrp="1"/>
+          </p:cNvSpPr>
           <p:nvPr>
-            <p:ph idx="2" type="body"/>
+            <p:ph type="body" idx="2"/>
           </p:nvPr>
         </p:nvSpPr>
         <p:spPr>
@@ -6506,11 +6666,11 @@
           </a:ln>
         </p:spPr>
         <p:txBody>
-          <a:bodyPr anchorCtr="0" anchor="t" bIns="45700" lIns="91425" spcFirstLastPara="1" rIns="91425" wrap="square" tIns="45700">
+          <a:bodyPr spcFirstLastPara="1" wrap="square" lIns="91425" tIns="45700" rIns="91425" bIns="45700" anchor="t" anchorCtr="0">
             <a:normAutofit/>
           </a:bodyPr>
           <a:lstStyle>
-            <a:lvl1pPr indent="-342900" lvl="0" marL="457200" algn="l">
+            <a:lvl1pPr marL="457200" lvl="0" indent="-342900" algn="l">
               <a:lnSpc>
                 <a:spcPct val="90000"/>
               </a:lnSpc>
@@ -6527,7 +6687,7 @@
               <a:buChar char="•"/>
               <a:defRPr/>
             </a:lvl1pPr>
-            <a:lvl2pPr indent="-342900" lvl="1" marL="914400" algn="l">
+            <a:lvl2pPr marL="914400" lvl="1" indent="-342900" algn="l">
               <a:lnSpc>
                 <a:spcPct val="90000"/>
               </a:lnSpc>
@@ -6544,7 +6704,7 @@
               <a:buChar char="•"/>
               <a:defRPr/>
             </a:lvl2pPr>
-            <a:lvl3pPr indent="-342900" lvl="2" marL="1371600" algn="l">
+            <a:lvl3pPr marL="1371600" lvl="2" indent="-342900" algn="l">
               <a:lnSpc>
                 <a:spcPct val="90000"/>
               </a:lnSpc>
@@ -6561,7 +6721,7 @@
               <a:buChar char="•"/>
               <a:defRPr/>
             </a:lvl3pPr>
-            <a:lvl4pPr indent="-342900" lvl="3" marL="1828800" algn="l">
+            <a:lvl4pPr marL="1828800" lvl="3" indent="-342900" algn="l">
               <a:lnSpc>
                 <a:spcPct val="90000"/>
               </a:lnSpc>
@@ -6578,7 +6738,7 @@
               <a:buChar char="•"/>
               <a:defRPr/>
             </a:lvl4pPr>
-            <a:lvl5pPr indent="-342900" lvl="4" marL="2286000" algn="l">
+            <a:lvl5pPr marL="2286000" lvl="4" indent="-342900" algn="l">
               <a:lnSpc>
                 <a:spcPct val="90000"/>
               </a:lnSpc>
@@ -6595,7 +6755,7 @@
               <a:buChar char="•"/>
               <a:defRPr/>
             </a:lvl5pPr>
-            <a:lvl6pPr indent="-342900" lvl="5" marL="2743200" algn="l">
+            <a:lvl6pPr marL="2743200" lvl="5" indent="-342900" algn="l">
               <a:lnSpc>
                 <a:spcPct val="90000"/>
               </a:lnSpc>
@@ -6612,7 +6772,7 @@
               <a:buChar char="•"/>
               <a:defRPr/>
             </a:lvl6pPr>
-            <a:lvl7pPr indent="-342900" lvl="6" marL="3200400" algn="l">
+            <a:lvl7pPr marL="3200400" lvl="6" indent="-342900" algn="l">
               <a:lnSpc>
                 <a:spcPct val="90000"/>
               </a:lnSpc>
@@ -6629,7 +6789,7 @@
               <a:buChar char="•"/>
               <a:defRPr/>
             </a:lvl7pPr>
-            <a:lvl8pPr indent="-342900" lvl="7" marL="3657600" algn="l">
+            <a:lvl8pPr marL="3657600" lvl="7" indent="-342900" algn="l">
               <a:lnSpc>
                 <a:spcPct val="90000"/>
               </a:lnSpc>
@@ -6646,7 +6806,7 @@
               <a:buChar char="•"/>
               <a:defRPr/>
             </a:lvl8pPr>
-            <a:lvl9pPr indent="-342900" lvl="8" marL="4114800" algn="l">
+            <a:lvl9pPr marL="4114800" lvl="8" indent="-342900" algn="l">
               <a:lnSpc>
                 <a:spcPct val="90000"/>
               </a:lnSpc>
@@ -6664,15 +6824,19 @@
               <a:defRPr/>
             </a:lvl9pPr>
           </a:lstStyle>
-          <a:p/>
+          <a:p>
+            <a:endParaRPr/>
+          </a:p>
         </p:txBody>
       </p:sp>
       <p:sp>
         <p:nvSpPr>
           <p:cNvPr id="44" name="Google Shape;44;p7"/>
-          <p:cNvSpPr txBox="1"/>
+          <p:cNvSpPr txBox="1">
+            <a:spLocks noGrp="1"/>
+          </p:cNvSpPr>
           <p:nvPr>
-            <p:ph idx="3" type="body"/>
+            <p:ph type="body" idx="3"/>
           </p:nvPr>
         </p:nvSpPr>
         <p:spPr>
@@ -6689,11 +6853,11 @@
           </a:ln>
         </p:spPr>
         <p:txBody>
-          <a:bodyPr anchorCtr="0" anchor="b" bIns="45700" lIns="91425" spcFirstLastPara="1" rIns="91425" wrap="square" tIns="45700">
+          <a:bodyPr spcFirstLastPara="1" wrap="square" lIns="91425" tIns="45700" rIns="91425" bIns="45700" anchor="b" anchorCtr="0">
             <a:normAutofit/>
           </a:bodyPr>
           <a:lstStyle>
-            <a:lvl1pPr indent="-228600" lvl="0" marL="457200" algn="l">
+            <a:lvl1pPr marL="457200" lvl="0" indent="-228600" algn="l">
               <a:lnSpc>
                 <a:spcPct val="90000"/>
               </a:lnSpc>
@@ -6708,9 +6872,9 @@
               </a:buClr>
               <a:buSzPts val="2400"/>
               <a:buNone/>
-              <a:defRPr b="1" sz="2400"/>
+              <a:defRPr sz="2400" b="1"/>
             </a:lvl1pPr>
-            <a:lvl2pPr indent="-228600" lvl="1" marL="914400" algn="l">
+            <a:lvl2pPr marL="914400" lvl="1" indent="-228600" algn="l">
               <a:lnSpc>
                 <a:spcPct val="90000"/>
               </a:lnSpc>
@@ -6725,9 +6889,9 @@
               </a:buClr>
               <a:buSzPts val="2000"/>
               <a:buNone/>
-              <a:defRPr b="1" sz="2000"/>
+              <a:defRPr sz="2000" b="1"/>
             </a:lvl2pPr>
-            <a:lvl3pPr indent="-228600" lvl="2" marL="1371600" algn="l">
+            <a:lvl3pPr marL="1371600" lvl="2" indent="-228600" algn="l">
               <a:lnSpc>
                 <a:spcPct val="90000"/>
               </a:lnSpc>
@@ -6742,9 +6906,9 @@
               </a:buClr>
               <a:buSzPts val="1800"/>
               <a:buNone/>
-              <a:defRPr b="1" sz="1800"/>
+              <a:defRPr sz="1800" b="1"/>
             </a:lvl3pPr>
-            <a:lvl4pPr indent="-228600" lvl="3" marL="1828800" algn="l">
+            <a:lvl4pPr marL="1828800" lvl="3" indent="-228600" algn="l">
               <a:lnSpc>
                 <a:spcPct val="90000"/>
               </a:lnSpc>
@@ -6759,9 +6923,9 @@
               </a:buClr>
               <a:buSzPts val="1600"/>
               <a:buNone/>
-              <a:defRPr b="1" sz="1600"/>
+              <a:defRPr sz="1600" b="1"/>
             </a:lvl4pPr>
-            <a:lvl5pPr indent="-228600" lvl="4" marL="2286000" algn="l">
+            <a:lvl5pPr marL="2286000" lvl="4" indent="-228600" algn="l">
               <a:lnSpc>
                 <a:spcPct val="90000"/>
               </a:lnSpc>
@@ -6776,9 +6940,9 @@
               </a:buClr>
               <a:buSzPts val="1600"/>
               <a:buNone/>
-              <a:defRPr b="1" sz="1600"/>
+              <a:defRPr sz="1600" b="1"/>
             </a:lvl5pPr>
-            <a:lvl6pPr indent="-228600" lvl="5" marL="2743200" algn="l">
+            <a:lvl6pPr marL="2743200" lvl="5" indent="-228600" algn="l">
               <a:lnSpc>
                 <a:spcPct val="90000"/>
               </a:lnSpc>
@@ -6793,9 +6957,9 @@
               </a:buClr>
               <a:buSzPts val="1600"/>
               <a:buNone/>
-              <a:defRPr b="1" sz="1600"/>
+              <a:defRPr sz="1600" b="1"/>
             </a:lvl6pPr>
-            <a:lvl7pPr indent="-228600" lvl="6" marL="3200400" algn="l">
+            <a:lvl7pPr marL="3200400" lvl="6" indent="-228600" algn="l">
               <a:lnSpc>
                 <a:spcPct val="90000"/>
               </a:lnSpc>
@@ -6810,9 +6974,9 @@
               </a:buClr>
               <a:buSzPts val="1600"/>
               <a:buNone/>
-              <a:defRPr b="1" sz="1600"/>
+              <a:defRPr sz="1600" b="1"/>
             </a:lvl7pPr>
-            <a:lvl8pPr indent="-228600" lvl="7" marL="3657600" algn="l">
+            <a:lvl8pPr marL="3657600" lvl="7" indent="-228600" algn="l">
               <a:lnSpc>
                 <a:spcPct val="90000"/>
               </a:lnSpc>
@@ -6827,9 +6991,9 @@
               </a:buClr>
               <a:buSzPts val="1600"/>
               <a:buNone/>
-              <a:defRPr b="1" sz="1600"/>
+              <a:defRPr sz="1600" b="1"/>
             </a:lvl8pPr>
-            <a:lvl9pPr indent="-228600" lvl="8" marL="4114800" algn="l">
+            <a:lvl9pPr marL="4114800" lvl="8" indent="-228600" algn="l">
               <a:lnSpc>
                 <a:spcPct val="90000"/>
               </a:lnSpc>
@@ -6844,18 +7008,22 @@
               </a:buClr>
               <a:buSzPts val="1600"/>
               <a:buNone/>
-              <a:defRPr b="1" sz="1600"/>
+              <a:defRPr sz="1600" b="1"/>
             </a:lvl9pPr>
           </a:lstStyle>
-          <a:p/>
+          <a:p>
+            <a:endParaRPr/>
+          </a:p>
         </p:txBody>
       </p:sp>
       <p:sp>
         <p:nvSpPr>
           <p:cNvPr id="45" name="Google Shape;45;p7"/>
-          <p:cNvSpPr txBox="1"/>
+          <p:cNvSpPr txBox="1">
+            <a:spLocks noGrp="1"/>
+          </p:cNvSpPr>
           <p:nvPr>
-            <p:ph idx="4" type="body"/>
+            <p:ph type="body" idx="4"/>
           </p:nvPr>
         </p:nvSpPr>
         <p:spPr>
@@ -6872,11 +7040,11 @@
           </a:ln>
         </p:spPr>
         <p:txBody>
-          <a:bodyPr anchorCtr="0" anchor="t" bIns="45700" lIns="91425" spcFirstLastPara="1" rIns="91425" wrap="square" tIns="45700">
+          <a:bodyPr spcFirstLastPara="1" wrap="square" lIns="91425" tIns="45700" rIns="91425" bIns="45700" anchor="t" anchorCtr="0">
             <a:normAutofit/>
           </a:bodyPr>
           <a:lstStyle>
-            <a:lvl1pPr indent="-342900" lvl="0" marL="457200" algn="l">
+            <a:lvl1pPr marL="457200" lvl="0" indent="-342900" algn="l">
               <a:lnSpc>
                 <a:spcPct val="90000"/>
               </a:lnSpc>
@@ -6893,7 +7061,7 @@
               <a:buChar char="•"/>
               <a:defRPr/>
             </a:lvl1pPr>
-            <a:lvl2pPr indent="-342900" lvl="1" marL="914400" algn="l">
+            <a:lvl2pPr marL="914400" lvl="1" indent="-342900" algn="l">
               <a:lnSpc>
                 <a:spcPct val="90000"/>
               </a:lnSpc>
@@ -6910,7 +7078,7 @@
               <a:buChar char="•"/>
               <a:defRPr/>
             </a:lvl2pPr>
-            <a:lvl3pPr indent="-342900" lvl="2" marL="1371600" algn="l">
+            <a:lvl3pPr marL="1371600" lvl="2" indent="-342900" algn="l">
               <a:lnSpc>
                 <a:spcPct val="90000"/>
               </a:lnSpc>
@@ -6927,7 +7095,7 @@
               <a:buChar char="•"/>
               <a:defRPr/>
             </a:lvl3pPr>
-            <a:lvl4pPr indent="-342900" lvl="3" marL="1828800" algn="l">
+            <a:lvl4pPr marL="1828800" lvl="3" indent="-342900" algn="l">
               <a:lnSpc>
                 <a:spcPct val="90000"/>
               </a:lnSpc>
@@ -6944,7 +7112,7 @@
               <a:buChar char="•"/>
               <a:defRPr/>
             </a:lvl4pPr>
-            <a:lvl5pPr indent="-342900" lvl="4" marL="2286000" algn="l">
+            <a:lvl5pPr marL="2286000" lvl="4" indent="-342900" algn="l">
               <a:lnSpc>
                 <a:spcPct val="90000"/>
               </a:lnSpc>
@@ -6961,7 +7129,7 @@
               <a:buChar char="•"/>
               <a:defRPr/>
             </a:lvl5pPr>
-            <a:lvl6pPr indent="-342900" lvl="5" marL="2743200" algn="l">
+            <a:lvl6pPr marL="2743200" lvl="5" indent="-342900" algn="l">
               <a:lnSpc>
                 <a:spcPct val="90000"/>
               </a:lnSpc>
@@ -6978,7 +7146,7 @@
               <a:buChar char="•"/>
               <a:defRPr/>
             </a:lvl6pPr>
-            <a:lvl7pPr indent="-342900" lvl="6" marL="3200400" algn="l">
+            <a:lvl7pPr marL="3200400" lvl="6" indent="-342900" algn="l">
               <a:lnSpc>
                 <a:spcPct val="90000"/>
               </a:lnSpc>
@@ -6995,7 +7163,7 @@
               <a:buChar char="•"/>
               <a:defRPr/>
             </a:lvl7pPr>
-            <a:lvl8pPr indent="-342900" lvl="7" marL="3657600" algn="l">
+            <a:lvl8pPr marL="3657600" lvl="7" indent="-342900" algn="l">
               <a:lnSpc>
                 <a:spcPct val="90000"/>
               </a:lnSpc>
@@ -7012,7 +7180,7 @@
               <a:buChar char="•"/>
               <a:defRPr/>
             </a:lvl8pPr>
-            <a:lvl9pPr indent="-342900" lvl="8" marL="4114800" algn="l">
+            <a:lvl9pPr marL="4114800" lvl="8" indent="-342900" algn="l">
               <a:lnSpc>
                 <a:spcPct val="90000"/>
               </a:lnSpc>
@@ -7030,15 +7198,19 @@
               <a:defRPr/>
             </a:lvl9pPr>
           </a:lstStyle>
-          <a:p/>
+          <a:p>
+            <a:endParaRPr/>
+          </a:p>
         </p:txBody>
       </p:sp>
       <p:sp>
         <p:nvSpPr>
           <p:cNvPr id="46" name="Google Shape;46;p7"/>
-          <p:cNvSpPr txBox="1"/>
+          <p:cNvSpPr txBox="1">
+            <a:spLocks noGrp="1"/>
+          </p:cNvSpPr>
           <p:nvPr>
-            <p:ph idx="10" type="dt"/>
+            <p:ph type="dt" idx="10"/>
           </p:nvPr>
         </p:nvSpPr>
         <p:spPr>
@@ -7055,7 +7227,7 @@
           </a:ln>
         </p:spPr>
         <p:txBody>
-          <a:bodyPr anchorCtr="0" anchor="ctr" bIns="45700" lIns="91425" spcFirstLastPara="1" rIns="91425" wrap="square" tIns="45700">
+          <a:bodyPr spcFirstLastPara="1" wrap="square" lIns="91425" tIns="45700" rIns="91425" bIns="45700" anchor="ctr" anchorCtr="0">
             <a:noAutofit/>
           </a:bodyPr>
           <a:lstStyle>
@@ -7159,15 +7331,19 @@
               <a:defRPr/>
             </a:lvl9pPr>
           </a:lstStyle>
-          <a:p/>
+          <a:p>
+            <a:endParaRPr/>
+          </a:p>
         </p:txBody>
       </p:sp>
       <p:sp>
         <p:nvSpPr>
           <p:cNvPr id="47" name="Google Shape;47;p7"/>
-          <p:cNvSpPr txBox="1"/>
+          <p:cNvSpPr txBox="1">
+            <a:spLocks noGrp="1"/>
+          </p:cNvSpPr>
           <p:nvPr>
-            <p:ph idx="11" type="ftr"/>
+            <p:ph type="ftr" idx="11"/>
           </p:nvPr>
         </p:nvSpPr>
         <p:spPr>
@@ -7184,7 +7360,7 @@
           </a:ln>
         </p:spPr>
         <p:txBody>
-          <a:bodyPr anchorCtr="0" anchor="ctr" bIns="45700" lIns="91425" spcFirstLastPara="1" rIns="91425" wrap="square" tIns="45700">
+          <a:bodyPr spcFirstLastPara="1" wrap="square" lIns="91425" tIns="45700" rIns="91425" bIns="45700" anchor="ctr" anchorCtr="0">
             <a:noAutofit/>
           </a:bodyPr>
           <a:lstStyle>
@@ -7288,15 +7464,19 @@
               <a:defRPr/>
             </a:lvl9pPr>
           </a:lstStyle>
-          <a:p/>
+          <a:p>
+            <a:endParaRPr/>
+          </a:p>
         </p:txBody>
       </p:sp>
       <p:sp>
         <p:nvSpPr>
           <p:cNvPr id="48" name="Google Shape;48;p7"/>
-          <p:cNvSpPr txBox="1"/>
+          <p:cNvSpPr txBox="1">
+            <a:spLocks noGrp="1"/>
+          </p:cNvSpPr>
           <p:nvPr>
-            <p:ph idx="12" type="sldNum"/>
+            <p:ph type="sldNum" idx="12"/>
           </p:nvPr>
         </p:nvSpPr>
         <p:spPr>
@@ -7313,67 +7493,67 @@
           </a:ln>
         </p:spPr>
         <p:txBody>
-          <a:bodyPr anchorCtr="0" anchor="ctr" bIns="45700" lIns="91425" spcFirstLastPara="1" rIns="91425" wrap="square" tIns="45700">
+          <a:bodyPr spcFirstLastPara="1" wrap="square" lIns="91425" tIns="45700" rIns="91425" bIns="45700" anchor="ctr" anchorCtr="0">
             <a:noAutofit/>
           </a:bodyPr>
           <a:lstStyle>
-            <a:lvl1pPr indent="0" lvl="0" marL="0" algn="r">
+            <a:lvl1pPr marL="0" lvl="0" indent="0" algn="r">
               <a:spcBef>
                 <a:spcPts val="0"/>
               </a:spcBef>
               <a:buNone/>
               <a:defRPr/>
             </a:lvl1pPr>
-            <a:lvl2pPr indent="0" lvl="1" marL="0" algn="r">
+            <a:lvl2pPr marL="0" lvl="1" indent="0" algn="r">
               <a:spcBef>
                 <a:spcPts val="0"/>
               </a:spcBef>
               <a:buNone/>
               <a:defRPr/>
             </a:lvl2pPr>
-            <a:lvl3pPr indent="0" lvl="2" marL="0" algn="r">
+            <a:lvl3pPr marL="0" lvl="2" indent="0" algn="r">
               <a:spcBef>
                 <a:spcPts val="0"/>
               </a:spcBef>
               <a:buNone/>
               <a:defRPr/>
             </a:lvl3pPr>
-            <a:lvl4pPr indent="0" lvl="3" marL="0" algn="r">
+            <a:lvl4pPr marL="0" lvl="3" indent="0" algn="r">
               <a:spcBef>
                 <a:spcPts val="0"/>
               </a:spcBef>
               <a:buNone/>
               <a:defRPr/>
             </a:lvl4pPr>
-            <a:lvl5pPr indent="0" lvl="4" marL="0" algn="r">
+            <a:lvl5pPr marL="0" lvl="4" indent="0" algn="r">
               <a:spcBef>
                 <a:spcPts val="0"/>
               </a:spcBef>
               <a:buNone/>
               <a:defRPr/>
             </a:lvl5pPr>
-            <a:lvl6pPr indent="0" lvl="5" marL="0" algn="r">
+            <a:lvl6pPr marL="0" lvl="5" indent="0" algn="r">
               <a:spcBef>
                 <a:spcPts val="0"/>
               </a:spcBef>
               <a:buNone/>
               <a:defRPr/>
             </a:lvl6pPr>
-            <a:lvl7pPr indent="0" lvl="6" marL="0" algn="r">
+            <a:lvl7pPr marL="0" lvl="6" indent="0" algn="r">
               <a:spcBef>
                 <a:spcPts val="0"/>
               </a:spcBef>
               <a:buNone/>
               <a:defRPr/>
             </a:lvl7pPr>
-            <a:lvl8pPr indent="0" lvl="7" marL="0" algn="r">
+            <a:lvl8pPr marL="0" lvl="7" indent="0" algn="r">
               <a:spcBef>
                 <a:spcPts val="0"/>
               </a:spcBef>
               <a:buNone/>
               <a:defRPr/>
             </a:lvl8pPr>
-            <a:lvl9pPr indent="0" lvl="8" marL="0" algn="r">
+            <a:lvl9pPr marL="0" lvl="8" indent="0" algn="r">
               <a:spcBef>
                 <a:spcPts val="0"/>
               </a:spcBef>
@@ -7382,7 +7562,7 @@
             </a:lvl9pPr>
           </a:lstStyle>
           <a:p>
-            <a:pPr indent="0" lvl="0" marL="0" rtl="0" algn="r">
+            <a:pPr marL="0" lvl="0" indent="0" algn="r" rtl="0">
               <a:spcBef>
                 <a:spcPts val="0"/>
               </a:spcBef>
@@ -7408,11 +7588,11 @@
 </file>
 
 <file path=ppt/slideLayouts/slideLayout6.xml><?xml version="1.0" encoding="utf-8"?>
-<p:sldLayout xmlns:a="http://schemas.openxmlformats.org/drawingml/2006/main" xmlns:r="http://schemas.openxmlformats.org/officeDocument/2006/relationships" xmlns:mc="http://schemas.openxmlformats.org/markup-compatibility/2006" xmlns:mv="urn:schemas-microsoft-com:mac:vml" xmlns:p="http://schemas.openxmlformats.org/presentationml/2006/main" xmlns:c="http://schemas.openxmlformats.org/drawingml/2006/chart" xmlns:dgm="http://schemas.openxmlformats.org/drawingml/2006/diagram" xmlns:o="urn:schemas-microsoft-com:office:office" xmlns:v="urn:schemas-microsoft-com:vml" xmlns:pvml="urn:schemas-microsoft-com:office:powerpoint" xmlns:com="http://schemas.openxmlformats.org/drawingml/2006/compatibility" xmlns:p14="http://schemas.microsoft.com/office/powerpoint/2010/main" xmlns:p15="http://schemas.microsoft.com/office/powerpoint/2012/main" xmlns:ahyp="http://schemas.microsoft.com/office/drawing/2018/hyperlinkcolor" matchingName="Title Only" type="titleOnly">
+<p:sldLayout xmlns:a="http://schemas.openxmlformats.org/drawingml/2006/main" xmlns:r="http://schemas.openxmlformats.org/officeDocument/2006/relationships" xmlns:p="http://schemas.openxmlformats.org/presentationml/2006/main" matchingName="Title Only" type="titleOnly">
   <p:cSld name="TITLE_ONLY">
     <p:spTree>
       <p:nvGrpSpPr>
-        <p:cNvPr id="49" name="Shape 49"/>
+        <p:cNvPr id="1" name="Shape 49"/>
         <p:cNvGrpSpPr/>
         <p:nvPr/>
       </p:nvGrpSpPr>
@@ -7427,7 +7607,9 @@
       <p:sp>
         <p:nvSpPr>
           <p:cNvPr id="50" name="Google Shape;50;p8"/>
-          <p:cNvSpPr txBox="1"/>
+          <p:cNvSpPr txBox="1">
+            <a:spLocks noGrp="1"/>
+          </p:cNvSpPr>
           <p:nvPr>
             <p:ph type="title"/>
           </p:nvPr>
@@ -7446,7 +7628,7 @@
           </a:ln>
         </p:spPr>
         <p:txBody>
-          <a:bodyPr anchorCtr="0" anchor="ctr" bIns="45700" lIns="91425" spcFirstLastPara="1" rIns="91425" wrap="square" tIns="45700">
+          <a:bodyPr spcFirstLastPara="1" wrap="square" lIns="91425" tIns="45700" rIns="91425" bIns="45700" anchor="ctr" anchorCtr="0">
             <a:normAutofit/>
           </a:bodyPr>
           <a:lstStyle>
@@ -7556,15 +7738,19 @@
               <a:defRPr/>
             </a:lvl9pPr>
           </a:lstStyle>
-          <a:p/>
+          <a:p>
+            <a:endParaRPr/>
+          </a:p>
         </p:txBody>
       </p:sp>
       <p:sp>
         <p:nvSpPr>
           <p:cNvPr id="51" name="Google Shape;51;p8"/>
-          <p:cNvSpPr txBox="1"/>
+          <p:cNvSpPr txBox="1">
+            <a:spLocks noGrp="1"/>
+          </p:cNvSpPr>
           <p:nvPr>
-            <p:ph idx="10" type="dt"/>
+            <p:ph type="dt" idx="10"/>
           </p:nvPr>
         </p:nvSpPr>
         <p:spPr>
@@ -7581,7 +7767,7 @@
           </a:ln>
         </p:spPr>
         <p:txBody>
-          <a:bodyPr anchorCtr="0" anchor="ctr" bIns="45700" lIns="91425" spcFirstLastPara="1" rIns="91425" wrap="square" tIns="45700">
+          <a:bodyPr spcFirstLastPara="1" wrap="square" lIns="91425" tIns="45700" rIns="91425" bIns="45700" anchor="ctr" anchorCtr="0">
             <a:noAutofit/>
           </a:bodyPr>
           <a:lstStyle>
@@ -7685,15 +7871,19 @@
               <a:defRPr/>
             </a:lvl9pPr>
           </a:lstStyle>
-          <a:p/>
+          <a:p>
+            <a:endParaRPr/>
+          </a:p>
         </p:txBody>
       </p:sp>
       <p:sp>
         <p:nvSpPr>
           <p:cNvPr id="52" name="Google Shape;52;p8"/>
-          <p:cNvSpPr txBox="1"/>
+          <p:cNvSpPr txBox="1">
+            <a:spLocks noGrp="1"/>
+          </p:cNvSpPr>
           <p:nvPr>
-            <p:ph idx="11" type="ftr"/>
+            <p:ph type="ftr" idx="11"/>
           </p:nvPr>
         </p:nvSpPr>
         <p:spPr>
@@ -7710,7 +7900,7 @@
           </a:ln>
         </p:spPr>
         <p:txBody>
-          <a:bodyPr anchorCtr="0" anchor="ctr" bIns="45700" lIns="91425" spcFirstLastPara="1" rIns="91425" wrap="square" tIns="45700">
+          <a:bodyPr spcFirstLastPara="1" wrap="square" lIns="91425" tIns="45700" rIns="91425" bIns="45700" anchor="ctr" anchorCtr="0">
             <a:noAutofit/>
           </a:bodyPr>
           <a:lstStyle>
@@ -7814,15 +8004,19 @@
               <a:defRPr/>
             </a:lvl9pPr>
           </a:lstStyle>
-          <a:p/>
+          <a:p>
+            <a:endParaRPr/>
+          </a:p>
         </p:txBody>
       </p:sp>
       <p:sp>
         <p:nvSpPr>
           <p:cNvPr id="53" name="Google Shape;53;p8"/>
-          <p:cNvSpPr txBox="1"/>
+          <p:cNvSpPr txBox="1">
+            <a:spLocks noGrp="1"/>
+          </p:cNvSpPr>
           <p:nvPr>
-            <p:ph idx="12" type="sldNum"/>
+            <p:ph type="sldNum" idx="12"/>
           </p:nvPr>
         </p:nvSpPr>
         <p:spPr>
@@ -7839,67 +8033,67 @@
           </a:ln>
         </p:spPr>
         <p:txBody>
-          <a:bodyPr anchorCtr="0" anchor="ctr" bIns="45700" lIns="91425" spcFirstLastPara="1" rIns="91425" wrap="square" tIns="45700">
+          <a:bodyPr spcFirstLastPara="1" wrap="square" lIns="91425" tIns="45700" rIns="91425" bIns="45700" anchor="ctr" anchorCtr="0">
             <a:noAutofit/>
           </a:bodyPr>
           <a:lstStyle>
-            <a:lvl1pPr indent="0" lvl="0" marL="0" algn="r">
+            <a:lvl1pPr marL="0" lvl="0" indent="0" algn="r">
               <a:spcBef>
                 <a:spcPts val="0"/>
               </a:spcBef>
               <a:buNone/>
               <a:defRPr/>
             </a:lvl1pPr>
-            <a:lvl2pPr indent="0" lvl="1" marL="0" algn="r">
+            <a:lvl2pPr marL="0" lvl="1" indent="0" algn="r">
               <a:spcBef>
                 <a:spcPts val="0"/>
               </a:spcBef>
               <a:buNone/>
               <a:defRPr/>
             </a:lvl2pPr>
-            <a:lvl3pPr indent="0" lvl="2" marL="0" algn="r">
+            <a:lvl3pPr marL="0" lvl="2" indent="0" algn="r">
               <a:spcBef>
                 <a:spcPts val="0"/>
               </a:spcBef>
               <a:buNone/>
               <a:defRPr/>
             </a:lvl3pPr>
-            <a:lvl4pPr indent="0" lvl="3" marL="0" algn="r">
+            <a:lvl4pPr marL="0" lvl="3" indent="0" algn="r">
               <a:spcBef>
                 <a:spcPts val="0"/>
               </a:spcBef>
               <a:buNone/>
               <a:defRPr/>
             </a:lvl4pPr>
-            <a:lvl5pPr indent="0" lvl="4" marL="0" algn="r">
+            <a:lvl5pPr marL="0" lvl="4" indent="0" algn="r">
               <a:spcBef>
                 <a:spcPts val="0"/>
               </a:spcBef>
               <a:buNone/>
               <a:defRPr/>
             </a:lvl5pPr>
-            <a:lvl6pPr indent="0" lvl="5" marL="0" algn="r">
+            <a:lvl6pPr marL="0" lvl="5" indent="0" algn="r">
               <a:spcBef>
                 <a:spcPts val="0"/>
               </a:spcBef>
               <a:buNone/>
               <a:defRPr/>
             </a:lvl6pPr>
-            <a:lvl7pPr indent="0" lvl="6" marL="0" algn="r">
+            <a:lvl7pPr marL="0" lvl="6" indent="0" algn="r">
               <a:spcBef>
                 <a:spcPts val="0"/>
               </a:spcBef>
               <a:buNone/>
               <a:defRPr/>
             </a:lvl7pPr>
-            <a:lvl8pPr indent="0" lvl="7" marL="0" algn="r">
+            <a:lvl8pPr marL="0" lvl="7" indent="0" algn="r">
               <a:spcBef>
                 <a:spcPts val="0"/>
               </a:spcBef>
               <a:buNone/>
               <a:defRPr/>
             </a:lvl8pPr>
-            <a:lvl9pPr indent="0" lvl="8" marL="0" algn="r">
+            <a:lvl9pPr marL="0" lvl="8" indent="0" algn="r">
               <a:spcBef>
                 <a:spcPts val="0"/>
               </a:spcBef>
@@ -7908,7 +8102,7 @@
             </a:lvl9pPr>
           </a:lstStyle>
           <a:p>
-            <a:pPr indent="0" lvl="0" marL="0" rtl="0" algn="r">
+            <a:pPr marL="0" lvl="0" indent="0" algn="r" rtl="0">
               <a:spcBef>
                 <a:spcPts val="0"/>
               </a:spcBef>
@@ -7934,11 +8128,11 @@
 </file>
 
 <file path=ppt/slideLayouts/slideLayout7.xml><?xml version="1.0" encoding="utf-8"?>
-<p:sldLayout xmlns:a="http://schemas.openxmlformats.org/drawingml/2006/main" xmlns:r="http://schemas.openxmlformats.org/officeDocument/2006/relationships" xmlns:mc="http://schemas.openxmlformats.org/markup-compatibility/2006" xmlns:mv="urn:schemas-microsoft-com:mac:vml" xmlns:p="http://schemas.openxmlformats.org/presentationml/2006/main" xmlns:c="http://schemas.openxmlformats.org/drawingml/2006/chart" xmlns:dgm="http://schemas.openxmlformats.org/drawingml/2006/diagram" xmlns:o="urn:schemas-microsoft-com:office:office" xmlns:v="urn:schemas-microsoft-com:vml" xmlns:pvml="urn:schemas-microsoft-com:office:powerpoint" xmlns:com="http://schemas.openxmlformats.org/drawingml/2006/compatibility" xmlns:p14="http://schemas.microsoft.com/office/powerpoint/2010/main" xmlns:p15="http://schemas.microsoft.com/office/powerpoint/2012/main" xmlns:ahyp="http://schemas.microsoft.com/office/drawing/2018/hyperlinkcolor" matchingName="Blank" type="blank">
+<p:sldLayout xmlns:a="http://schemas.openxmlformats.org/drawingml/2006/main" xmlns:r="http://schemas.openxmlformats.org/officeDocument/2006/relationships" xmlns:p="http://schemas.openxmlformats.org/presentationml/2006/main" matchingName="Blank" type="blank">
   <p:cSld name="BLANK">
     <p:spTree>
       <p:nvGrpSpPr>
-        <p:cNvPr id="54" name="Shape 54"/>
+        <p:cNvPr id="1" name="Shape 54"/>
         <p:cNvGrpSpPr/>
         <p:nvPr/>
       </p:nvGrpSpPr>
@@ -7953,9 +8147,11 @@
       <p:sp>
         <p:nvSpPr>
           <p:cNvPr id="55" name="Google Shape;55;p9"/>
-          <p:cNvSpPr txBox="1"/>
+          <p:cNvSpPr txBox="1">
+            <a:spLocks noGrp="1"/>
+          </p:cNvSpPr>
           <p:nvPr>
-            <p:ph idx="10" type="dt"/>
+            <p:ph type="dt" idx="10"/>
           </p:nvPr>
         </p:nvSpPr>
         <p:spPr>
@@ -7972,7 +8168,7 @@
           </a:ln>
         </p:spPr>
         <p:txBody>
-          <a:bodyPr anchorCtr="0" anchor="ctr" bIns="45700" lIns="91425" spcFirstLastPara="1" rIns="91425" wrap="square" tIns="45700">
+          <a:bodyPr spcFirstLastPara="1" wrap="square" lIns="91425" tIns="45700" rIns="91425" bIns="45700" anchor="ctr" anchorCtr="0">
             <a:noAutofit/>
           </a:bodyPr>
           <a:lstStyle>
@@ -8076,15 +8272,19 @@
               <a:defRPr/>
             </a:lvl9pPr>
           </a:lstStyle>
-          <a:p/>
+          <a:p>
+            <a:endParaRPr/>
+          </a:p>
         </p:txBody>
       </p:sp>
       <p:sp>
         <p:nvSpPr>
           <p:cNvPr id="56" name="Google Shape;56;p9"/>
-          <p:cNvSpPr txBox="1"/>
+          <p:cNvSpPr txBox="1">
+            <a:spLocks noGrp="1"/>
+          </p:cNvSpPr>
           <p:nvPr>
-            <p:ph idx="11" type="ftr"/>
+            <p:ph type="ftr" idx="11"/>
           </p:nvPr>
         </p:nvSpPr>
         <p:spPr>
@@ -8101,7 +8301,7 @@
           </a:ln>
         </p:spPr>
         <p:txBody>
-          <a:bodyPr anchorCtr="0" anchor="ctr" bIns="45700" lIns="91425" spcFirstLastPara="1" rIns="91425" wrap="square" tIns="45700">
+          <a:bodyPr spcFirstLastPara="1" wrap="square" lIns="91425" tIns="45700" rIns="91425" bIns="45700" anchor="ctr" anchorCtr="0">
             <a:noAutofit/>
           </a:bodyPr>
           <a:lstStyle>
@@ -8205,15 +8405,19 @@
               <a:defRPr/>
             </a:lvl9pPr>
           </a:lstStyle>
-          <a:p/>
+          <a:p>
+            <a:endParaRPr/>
+          </a:p>
         </p:txBody>
       </p:sp>
       <p:sp>
         <p:nvSpPr>
           <p:cNvPr id="57" name="Google Shape;57;p9"/>
-          <p:cNvSpPr txBox="1"/>
+          <p:cNvSpPr txBox="1">
+            <a:spLocks noGrp="1"/>
+          </p:cNvSpPr>
           <p:nvPr>
-            <p:ph idx="12" type="sldNum"/>
+            <p:ph type="sldNum" idx="12"/>
           </p:nvPr>
         </p:nvSpPr>
         <p:spPr>
@@ -8230,67 +8434,67 @@
           </a:ln>
         </p:spPr>
         <p:txBody>
-          <a:bodyPr anchorCtr="0" anchor="ctr" bIns="45700" lIns="91425" spcFirstLastPara="1" rIns="91425" wrap="square" tIns="45700">
+          <a:bodyPr spcFirstLastPara="1" wrap="square" lIns="91425" tIns="45700" rIns="91425" bIns="45700" anchor="ctr" anchorCtr="0">
             <a:noAutofit/>
           </a:bodyPr>
           <a:lstStyle>
-            <a:lvl1pPr indent="0" lvl="0" marL="0" algn="r">
+            <a:lvl1pPr marL="0" lvl="0" indent="0" algn="r">
               <a:spcBef>
                 <a:spcPts val="0"/>
               </a:spcBef>
               <a:buNone/>
               <a:defRPr/>
             </a:lvl1pPr>
-            <a:lvl2pPr indent="0" lvl="1" marL="0" algn="r">
+            <a:lvl2pPr marL="0" lvl="1" indent="0" algn="r">
               <a:spcBef>
                 <a:spcPts val="0"/>
               </a:spcBef>
               <a:buNone/>
               <a:defRPr/>
             </a:lvl2pPr>
-            <a:lvl3pPr indent="0" lvl="2" marL="0" algn="r">
+            <a:lvl3pPr marL="0" lvl="2" indent="0" algn="r">
               <a:spcBef>
                 <a:spcPts val="0"/>
               </a:spcBef>
               <a:buNone/>
               <a:defRPr/>
             </a:lvl3pPr>
-            <a:lvl4pPr indent="0" lvl="3" marL="0" algn="r">
+            <a:lvl4pPr marL="0" lvl="3" indent="0" algn="r">
               <a:spcBef>
                 <a:spcPts val="0"/>
               </a:spcBef>
               <a:buNone/>
               <a:defRPr/>
             </a:lvl4pPr>
-            <a:lvl5pPr indent="0" lvl="4" marL="0" algn="r">
+            <a:lvl5pPr marL="0" lvl="4" indent="0" algn="r">
               <a:spcBef>
                 <a:spcPts val="0"/>
               </a:spcBef>
               <a:buNone/>
               <a:defRPr/>
             </a:lvl5pPr>
-            <a:lvl6pPr indent="0" lvl="5" marL="0" algn="r">
+            <a:lvl6pPr marL="0" lvl="5" indent="0" algn="r">
               <a:spcBef>
                 <a:spcPts val="0"/>
               </a:spcBef>
               <a:buNone/>
               <a:defRPr/>
             </a:lvl6pPr>
-            <a:lvl7pPr indent="0" lvl="6" marL="0" algn="r">
+            <a:lvl7pPr marL="0" lvl="6" indent="0" algn="r">
               <a:spcBef>
                 <a:spcPts val="0"/>
               </a:spcBef>
               <a:buNone/>
               <a:defRPr/>
             </a:lvl7pPr>
-            <a:lvl8pPr indent="0" lvl="7" marL="0" algn="r">
+            <a:lvl8pPr marL="0" lvl="7" indent="0" algn="r">
               <a:spcBef>
                 <a:spcPts val="0"/>
               </a:spcBef>
               <a:buNone/>
               <a:defRPr/>
             </a:lvl8pPr>
-            <a:lvl9pPr indent="0" lvl="8" marL="0" algn="r">
+            <a:lvl9pPr marL="0" lvl="8" indent="0" algn="r">
               <a:spcBef>
                 <a:spcPts val="0"/>
               </a:spcBef>
@@ -8299,7 +8503,7 @@
             </a:lvl9pPr>
           </a:lstStyle>
           <a:p>
-            <a:pPr indent="0" lvl="0" marL="0" rtl="0" algn="r">
+            <a:pPr marL="0" lvl="0" indent="0" algn="r" rtl="0">
               <a:spcBef>
                 <a:spcPts val="0"/>
               </a:spcBef>
@@ -8325,11 +8529,11 @@
 </file>
 
 <file path=ppt/slideLayouts/slideLayout8.xml><?xml version="1.0" encoding="utf-8"?>
-<p:sldLayout xmlns:a="http://schemas.openxmlformats.org/drawingml/2006/main" xmlns:r="http://schemas.openxmlformats.org/officeDocument/2006/relationships" xmlns:mc="http://schemas.openxmlformats.org/markup-compatibility/2006" xmlns:mv="urn:schemas-microsoft-com:mac:vml" xmlns:p="http://schemas.openxmlformats.org/presentationml/2006/main" xmlns:c="http://schemas.openxmlformats.org/drawingml/2006/chart" xmlns:dgm="http://schemas.openxmlformats.org/drawingml/2006/diagram" xmlns:o="urn:schemas-microsoft-com:office:office" xmlns:v="urn:schemas-microsoft-com:vml" xmlns:pvml="urn:schemas-microsoft-com:office:powerpoint" xmlns:com="http://schemas.openxmlformats.org/drawingml/2006/compatibility" xmlns:p14="http://schemas.microsoft.com/office/powerpoint/2010/main" xmlns:p15="http://schemas.microsoft.com/office/powerpoint/2012/main" xmlns:ahyp="http://schemas.microsoft.com/office/drawing/2018/hyperlinkcolor" matchingName="Content with Caption" type="objTx">
+<p:sldLayout xmlns:a="http://schemas.openxmlformats.org/drawingml/2006/main" xmlns:r="http://schemas.openxmlformats.org/officeDocument/2006/relationships" xmlns:p="http://schemas.openxmlformats.org/presentationml/2006/main" matchingName="Content with Caption" type="objTx">
   <p:cSld name="OBJECT_WITH_CAPTION_TEXT">
     <p:spTree>
       <p:nvGrpSpPr>
-        <p:cNvPr id="58" name="Shape 58"/>
+        <p:cNvPr id="1" name="Shape 58"/>
         <p:cNvGrpSpPr/>
         <p:nvPr/>
       </p:nvGrpSpPr>
@@ -8344,7 +8548,9 @@
       <p:sp>
         <p:nvSpPr>
           <p:cNvPr id="59" name="Google Shape;59;p10"/>
-          <p:cNvSpPr txBox="1"/>
+          <p:cNvSpPr txBox="1">
+            <a:spLocks noGrp="1"/>
+          </p:cNvSpPr>
           <p:nvPr>
             <p:ph type="title"/>
           </p:nvPr>
@@ -8363,7 +8569,7 @@
           </a:ln>
         </p:spPr>
         <p:txBody>
-          <a:bodyPr anchorCtr="0" anchor="b" bIns="45700" lIns="91425" spcFirstLastPara="1" rIns="91425" wrap="square" tIns="45700">
+          <a:bodyPr spcFirstLastPara="1" wrap="square" lIns="91425" tIns="45700" rIns="91425" bIns="45700" anchor="b" anchorCtr="0">
             <a:normAutofit/>
           </a:bodyPr>
           <a:lstStyle>
@@ -8474,15 +8680,19 @@
               <a:defRPr/>
             </a:lvl9pPr>
           </a:lstStyle>
-          <a:p/>
+          <a:p>
+            <a:endParaRPr/>
+          </a:p>
         </p:txBody>
       </p:sp>
       <p:sp>
         <p:nvSpPr>
           <p:cNvPr id="60" name="Google Shape;60;p10"/>
-          <p:cNvSpPr txBox="1"/>
+          <p:cNvSpPr txBox="1">
+            <a:spLocks noGrp="1"/>
+          </p:cNvSpPr>
           <p:nvPr>
-            <p:ph idx="1" type="body"/>
+            <p:ph type="body" idx="1"/>
           </p:nvPr>
         </p:nvSpPr>
         <p:spPr>
@@ -8499,11 +8709,11 @@
           </a:ln>
         </p:spPr>
         <p:txBody>
-          <a:bodyPr anchorCtr="0" anchor="t" bIns="45700" lIns="91425" spcFirstLastPara="1" rIns="91425" wrap="square" tIns="45700">
+          <a:bodyPr spcFirstLastPara="1" wrap="square" lIns="91425" tIns="45700" rIns="91425" bIns="45700" anchor="t" anchorCtr="0">
             <a:normAutofit/>
           </a:bodyPr>
           <a:lstStyle>
-            <a:lvl1pPr indent="-431800" lvl="0" marL="457200" algn="l">
+            <a:lvl1pPr marL="457200" lvl="0" indent="-431800" algn="l">
               <a:lnSpc>
                 <a:spcPct val="90000"/>
               </a:lnSpc>
@@ -8520,7 +8730,7 @@
               <a:buChar char="•"/>
               <a:defRPr sz="3200"/>
             </a:lvl1pPr>
-            <a:lvl2pPr indent="-406400" lvl="1" marL="914400" algn="l">
+            <a:lvl2pPr marL="914400" lvl="1" indent="-406400" algn="l">
               <a:lnSpc>
                 <a:spcPct val="90000"/>
               </a:lnSpc>
@@ -8537,7 +8747,7 @@
               <a:buChar char="•"/>
               <a:defRPr sz="2800"/>
             </a:lvl2pPr>
-            <a:lvl3pPr indent="-381000" lvl="2" marL="1371600" algn="l">
+            <a:lvl3pPr marL="1371600" lvl="2" indent="-381000" algn="l">
               <a:lnSpc>
                 <a:spcPct val="90000"/>
               </a:lnSpc>
@@ -8554,7 +8764,7 @@
               <a:buChar char="•"/>
               <a:defRPr sz="2400"/>
             </a:lvl3pPr>
-            <a:lvl4pPr indent="-355600" lvl="3" marL="1828800" algn="l">
+            <a:lvl4pPr marL="1828800" lvl="3" indent="-355600" algn="l">
               <a:lnSpc>
                 <a:spcPct val="90000"/>
               </a:lnSpc>
@@ -8571,7 +8781,7 @@
               <a:buChar char="•"/>
               <a:defRPr sz="2000"/>
             </a:lvl4pPr>
-            <a:lvl5pPr indent="-355600" lvl="4" marL="2286000" algn="l">
+            <a:lvl5pPr marL="2286000" lvl="4" indent="-355600" algn="l">
               <a:lnSpc>
                 <a:spcPct val="90000"/>
               </a:lnSpc>
@@ -8588,7 +8798,7 @@
               <a:buChar char="•"/>
               <a:defRPr sz="2000"/>
             </a:lvl5pPr>
-            <a:lvl6pPr indent="-355600" lvl="5" marL="2743200" algn="l">
+            <a:lvl6pPr marL="2743200" lvl="5" indent="-355600" algn="l">
               <a:lnSpc>
                 <a:spcPct val="90000"/>
               </a:lnSpc>
@@ -8605,7 +8815,7 @@
               <a:buChar char="•"/>
               <a:defRPr sz="2000"/>
             </a:lvl6pPr>
-            <a:lvl7pPr indent="-355600" lvl="6" marL="3200400" algn="l">
+            <a:lvl7pPr marL="3200400" lvl="6" indent="-355600" algn="l">
               <a:lnSpc>
                 <a:spcPct val="90000"/>
               </a:lnSpc>
@@ -8622,7 +8832,7 @@
               <a:buChar char="•"/>
               <a:defRPr sz="2000"/>
             </a:lvl7pPr>
-            <a:lvl8pPr indent="-355600" lvl="7" marL="3657600" algn="l">
+            <a:lvl8pPr marL="3657600" lvl="7" indent="-355600" algn="l">
               <a:lnSpc>
                 <a:spcPct val="90000"/>
               </a:lnSpc>
@@ -8639,7 +8849,7 @@
               <a:buChar char="•"/>
               <a:defRPr sz="2000"/>
             </a:lvl8pPr>
-            <a:lvl9pPr indent="-355600" lvl="8" marL="4114800" algn="l">
+            <a:lvl9pPr marL="4114800" lvl="8" indent="-355600" algn="l">
               <a:lnSpc>
                 <a:spcPct val="90000"/>
               </a:lnSpc>
@@ -8657,15 +8867,19 @@
               <a:defRPr sz="2000"/>
             </a:lvl9pPr>
           </a:lstStyle>
-          <a:p/>
+          <a:p>
+            <a:endParaRPr/>
+          </a:p>
         </p:txBody>
       </p:sp>
       <p:sp>
         <p:nvSpPr>
           <p:cNvPr id="61" name="Google Shape;61;p10"/>
-          <p:cNvSpPr txBox="1"/>
+          <p:cNvSpPr txBox="1">
+            <a:spLocks noGrp="1"/>
+          </p:cNvSpPr>
           <p:nvPr>
-            <p:ph idx="2" type="body"/>
+            <p:ph type="body" idx="2"/>
           </p:nvPr>
         </p:nvSpPr>
         <p:spPr>
@@ -8682,11 +8896,11 @@
           </a:ln>
         </p:spPr>
         <p:txBody>
-          <a:bodyPr anchorCtr="0" anchor="t" bIns="45700" lIns="91425" spcFirstLastPara="1" rIns="91425" wrap="square" tIns="45700">
+          <a:bodyPr spcFirstLastPara="1" wrap="square" lIns="91425" tIns="45700" rIns="91425" bIns="45700" anchor="t" anchorCtr="0">
             <a:normAutofit/>
           </a:bodyPr>
           <a:lstStyle>
-            <a:lvl1pPr indent="-228600" lvl="0" marL="457200" algn="l">
+            <a:lvl1pPr marL="457200" lvl="0" indent="-228600" algn="l">
               <a:lnSpc>
                 <a:spcPct val="90000"/>
               </a:lnSpc>
@@ -8703,7 +8917,7 @@
               <a:buNone/>
               <a:defRPr sz="1600"/>
             </a:lvl1pPr>
-            <a:lvl2pPr indent="-228600" lvl="1" marL="914400" algn="l">
+            <a:lvl2pPr marL="914400" lvl="1" indent="-228600" algn="l">
               <a:lnSpc>
                 <a:spcPct val="90000"/>
               </a:lnSpc>
@@ -8720,7 +8934,7 @@
               <a:buNone/>
               <a:defRPr sz="1400"/>
             </a:lvl2pPr>
-            <a:lvl3pPr indent="-228600" lvl="2" marL="1371600" algn="l">
+            <a:lvl3pPr marL="1371600" lvl="2" indent="-228600" algn="l">
               <a:lnSpc>
                 <a:spcPct val="90000"/>
               </a:lnSpc>
@@ -8737,7 +8951,7 @@
               <a:buNone/>
               <a:defRPr sz="1200"/>
             </a:lvl3pPr>
-            <a:lvl4pPr indent="-228600" lvl="3" marL="1828800" algn="l">
+            <a:lvl4pPr marL="1828800" lvl="3" indent="-228600" algn="l">
               <a:lnSpc>
                 <a:spcPct val="90000"/>
               </a:lnSpc>
@@ -8754,7 +8968,7 @@
               <a:buNone/>
               <a:defRPr sz="1000"/>
             </a:lvl4pPr>
-            <a:lvl5pPr indent="-228600" lvl="4" marL="2286000" algn="l">
+            <a:lvl5pPr marL="2286000" lvl="4" indent="-228600" algn="l">
               <a:lnSpc>
                 <a:spcPct val="90000"/>
               </a:lnSpc>
@@ -8771,7 +8985,7 @@
               <a:buNone/>
               <a:defRPr sz="1000"/>
             </a:lvl5pPr>
-            <a:lvl6pPr indent="-228600" lvl="5" marL="2743200" algn="l">
+            <a:lvl6pPr marL="2743200" lvl="5" indent="-228600" algn="l">
               <a:lnSpc>
                 <a:spcPct val="90000"/>
               </a:lnSpc>
@@ -8788,7 +9002,7 @@
               <a:buNone/>
               <a:defRPr sz="1000"/>
             </a:lvl6pPr>
-            <a:lvl7pPr indent="-228600" lvl="6" marL="3200400" algn="l">
+            <a:lvl7pPr marL="3200400" lvl="6" indent="-228600" algn="l">
               <a:lnSpc>
                 <a:spcPct val="90000"/>
               </a:lnSpc>
@@ -8805,7 +9019,7 @@
               <a:buNone/>
               <a:defRPr sz="1000"/>
             </a:lvl7pPr>
-            <a:lvl8pPr indent="-228600" lvl="7" marL="3657600" algn="l">
+            <a:lvl8pPr marL="3657600" lvl="7" indent="-228600" algn="l">
               <a:lnSpc>
                 <a:spcPct val="90000"/>
               </a:lnSpc>
@@ -8822,7 +9036,7 @@
               <a:buNone/>
               <a:defRPr sz="1000"/>
             </a:lvl8pPr>
-            <a:lvl9pPr indent="-228600" lvl="8" marL="4114800" algn="l">
+            <a:lvl9pPr marL="4114800" lvl="8" indent="-228600" algn="l">
               <a:lnSpc>
                 <a:spcPct val="90000"/>
               </a:lnSpc>
@@ -8840,15 +9054,19 @@
               <a:defRPr sz="1000"/>
             </a:lvl9pPr>
           </a:lstStyle>
-          <a:p/>
+          <a:p>
+            <a:endParaRPr/>
+          </a:p>
         </p:txBody>
       </p:sp>
       <p:sp>
         <p:nvSpPr>
           <p:cNvPr id="62" name="Google Shape;62;p10"/>
-          <p:cNvSpPr txBox="1"/>
+          <p:cNvSpPr txBox="1">
+            <a:spLocks noGrp="1"/>
+          </p:cNvSpPr>
           <p:nvPr>
-            <p:ph idx="10" type="dt"/>
+            <p:ph type="dt" idx="10"/>
           </p:nvPr>
         </p:nvSpPr>
         <p:spPr>
@@ -8865,7 +9083,7 @@
           </a:ln>
         </p:spPr>
         <p:txBody>
-          <a:bodyPr anchorCtr="0" anchor="ctr" bIns="45700" lIns="91425" spcFirstLastPara="1" rIns="91425" wrap="square" tIns="45700">
+          <a:bodyPr spcFirstLastPara="1" wrap="square" lIns="91425" tIns="45700" rIns="91425" bIns="45700" anchor="ctr" anchorCtr="0">
             <a:noAutofit/>
           </a:bodyPr>
           <a:lstStyle>
@@ -8969,15 +9187,19 @@
               <a:defRPr/>
             </a:lvl9pPr>
           </a:lstStyle>
-          <a:p/>
+          <a:p>
+            <a:endParaRPr/>
+          </a:p>
         </p:txBody>
       </p:sp>
       <p:sp>
         <p:nvSpPr>
           <p:cNvPr id="63" name="Google Shape;63;p10"/>
-          <p:cNvSpPr txBox="1"/>
+          <p:cNvSpPr txBox="1">
+            <a:spLocks noGrp="1"/>
+          </p:cNvSpPr>
           <p:nvPr>
-            <p:ph idx="11" type="ftr"/>
+            <p:ph type="ftr" idx="11"/>
           </p:nvPr>
         </p:nvSpPr>
         <p:spPr>
@@ -8994,7 +9216,7 @@
           </a:ln>
         </p:spPr>
         <p:txBody>
-          <a:bodyPr anchorCtr="0" anchor="ctr" bIns="45700" lIns="91425" spcFirstLastPara="1" rIns="91425" wrap="square" tIns="45700">
+          <a:bodyPr spcFirstLastPara="1" wrap="square" lIns="91425" tIns="45700" rIns="91425" bIns="45700" anchor="ctr" anchorCtr="0">
             <a:noAutofit/>
           </a:bodyPr>
           <a:lstStyle>
@@ -9098,15 +9320,19 @@
               <a:defRPr/>
             </a:lvl9pPr>
           </a:lstStyle>
-          <a:p/>
+          <a:p>
+            <a:endParaRPr/>
+          </a:p>
         </p:txBody>
       </p:sp>
       <p:sp>
         <p:nvSpPr>
           <p:cNvPr id="64" name="Google Shape;64;p10"/>
-          <p:cNvSpPr txBox="1"/>
+          <p:cNvSpPr txBox="1">
+            <a:spLocks noGrp="1"/>
+          </p:cNvSpPr>
           <p:nvPr>
-            <p:ph idx="12" type="sldNum"/>
+            <p:ph type="sldNum" idx="12"/>
           </p:nvPr>
         </p:nvSpPr>
         <p:spPr>
@@ -9123,67 +9349,67 @@
           </a:ln>
         </p:spPr>
         <p:txBody>
-          <a:bodyPr anchorCtr="0" anchor="ctr" bIns="45700" lIns="91425" spcFirstLastPara="1" rIns="91425" wrap="square" tIns="45700">
+          <a:bodyPr spcFirstLastPara="1" wrap="square" lIns="91425" tIns="45700" rIns="91425" bIns="45700" anchor="ctr" anchorCtr="0">
             <a:noAutofit/>
           </a:bodyPr>
           <a:lstStyle>
-            <a:lvl1pPr indent="0" lvl="0" marL="0" algn="r">
+            <a:lvl1pPr marL="0" lvl="0" indent="0" algn="r">
               <a:spcBef>
                 <a:spcPts val="0"/>
               </a:spcBef>
               <a:buNone/>
               <a:defRPr/>
             </a:lvl1pPr>
-            <a:lvl2pPr indent="0" lvl="1" marL="0" algn="r">
+            <a:lvl2pPr marL="0" lvl="1" indent="0" algn="r">
               <a:spcBef>
                 <a:spcPts val="0"/>
               </a:spcBef>
               <a:buNone/>
               <a:defRPr/>
             </a:lvl2pPr>
-            <a:lvl3pPr indent="0" lvl="2" marL="0" algn="r">
+            <a:lvl3pPr marL="0" lvl="2" indent="0" algn="r">
               <a:spcBef>
                 <a:spcPts val="0"/>
               </a:spcBef>
               <a:buNone/>
               <a:defRPr/>
             </a:lvl3pPr>
-            <a:lvl4pPr indent="0" lvl="3" marL="0" algn="r">
+            <a:lvl4pPr marL="0" lvl="3" indent="0" algn="r">
               <a:spcBef>
                 <a:spcPts val="0"/>
               </a:spcBef>
               <a:buNone/>
               <a:defRPr/>
             </a:lvl4pPr>
-            <a:lvl5pPr indent="0" lvl="4" marL="0" algn="r">
+            <a:lvl5pPr marL="0" lvl="4" indent="0" algn="r">
               <a:spcBef>
                 <a:spcPts val="0"/>
               </a:spcBef>
               <a:buNone/>
               <a:defRPr/>
             </a:lvl5pPr>
-            <a:lvl6pPr indent="0" lvl="5" marL="0" algn="r">
+            <a:lvl6pPr marL="0" lvl="5" indent="0" algn="r">
               <a:spcBef>
                 <a:spcPts val="0"/>
               </a:spcBef>
               <a:buNone/>
               <a:defRPr/>
             </a:lvl6pPr>
-            <a:lvl7pPr indent="0" lvl="6" marL="0" algn="r">
+            <a:lvl7pPr marL="0" lvl="6" indent="0" algn="r">
               <a:spcBef>
                 <a:spcPts val="0"/>
               </a:spcBef>
               <a:buNone/>
               <a:defRPr/>
             </a:lvl7pPr>
-            <a:lvl8pPr indent="0" lvl="7" marL="0" algn="r">
+            <a:lvl8pPr marL="0" lvl="7" indent="0" algn="r">
               <a:spcBef>
                 <a:spcPts val="0"/>
               </a:spcBef>
               <a:buNone/>
               <a:defRPr/>
             </a:lvl8pPr>
-            <a:lvl9pPr indent="0" lvl="8" marL="0" algn="r">
+            <a:lvl9pPr marL="0" lvl="8" indent="0" algn="r">
               <a:spcBef>
                 <a:spcPts val="0"/>
               </a:spcBef>
@@ -9192,7 +9418,7 @@
             </a:lvl9pPr>
           </a:lstStyle>
           <a:p>
-            <a:pPr indent="0" lvl="0" marL="0" rtl="0" algn="r">
+            <a:pPr marL="0" lvl="0" indent="0" algn="r" rtl="0">
               <a:spcBef>
                 <a:spcPts val="0"/>
               </a:spcBef>
@@ -9218,11 +9444,11 @@
 </file>
 
 <file path=ppt/slideLayouts/slideLayout9.xml><?xml version="1.0" encoding="utf-8"?>
-<p:sldLayout xmlns:a="http://schemas.openxmlformats.org/drawingml/2006/main" xmlns:r="http://schemas.openxmlformats.org/officeDocument/2006/relationships" xmlns:mc="http://schemas.openxmlformats.org/markup-compatibility/2006" xmlns:mv="urn:schemas-microsoft-com:mac:vml" xmlns:p="http://schemas.openxmlformats.org/presentationml/2006/main" xmlns:c="http://schemas.openxmlformats.org/drawingml/2006/chart" xmlns:dgm="http://schemas.openxmlformats.org/drawingml/2006/diagram" xmlns:o="urn:schemas-microsoft-com:office:office" xmlns:v="urn:schemas-microsoft-com:vml" xmlns:pvml="urn:schemas-microsoft-com:office:powerpoint" xmlns:com="http://schemas.openxmlformats.org/drawingml/2006/compatibility" xmlns:p14="http://schemas.microsoft.com/office/powerpoint/2010/main" xmlns:p15="http://schemas.microsoft.com/office/powerpoint/2012/main" xmlns:ahyp="http://schemas.microsoft.com/office/drawing/2018/hyperlinkcolor" matchingName="Picture with Caption" type="picTx">
+<p:sldLayout xmlns:a="http://schemas.openxmlformats.org/drawingml/2006/main" xmlns:r="http://schemas.openxmlformats.org/officeDocument/2006/relationships" xmlns:p="http://schemas.openxmlformats.org/presentationml/2006/main" matchingName="Picture with Caption" type="picTx">
   <p:cSld name="PICTURE_WITH_CAPTION_TEXT">
     <p:spTree>
       <p:nvGrpSpPr>
-        <p:cNvPr id="65" name="Shape 65"/>
+        <p:cNvPr id="1" name="Shape 65"/>
         <p:cNvGrpSpPr/>
         <p:nvPr/>
       </p:nvGrpSpPr>
@@ -9237,7 +9463,9 @@
       <p:sp>
         <p:nvSpPr>
           <p:cNvPr id="66" name="Google Shape;66;p11"/>
-          <p:cNvSpPr txBox="1"/>
+          <p:cNvSpPr txBox="1">
+            <a:spLocks noGrp="1"/>
+          </p:cNvSpPr>
           <p:nvPr>
             <p:ph type="title"/>
           </p:nvPr>
@@ -9256,7 +9484,7 @@
           </a:ln>
         </p:spPr>
         <p:txBody>
-          <a:bodyPr anchorCtr="0" anchor="b" bIns="45700" lIns="91425" spcFirstLastPara="1" rIns="91425" wrap="square" tIns="45700">
+          <a:bodyPr spcFirstLastPara="1" wrap="square" lIns="91425" tIns="45700" rIns="91425" bIns="45700" anchor="b" anchorCtr="0">
             <a:normAutofit/>
           </a:bodyPr>
           <a:lstStyle>
@@ -9367,15 +9595,19 @@
               <a:defRPr/>
             </a:lvl9pPr>
           </a:lstStyle>
-          <a:p/>
+          <a:p>
+            <a:endParaRPr/>
+          </a:p>
         </p:txBody>
       </p:sp>
       <p:sp>
         <p:nvSpPr>
           <p:cNvPr id="67" name="Google Shape;67;p11"/>
-          <p:cNvSpPr/>
+          <p:cNvSpPr>
+            <a:spLocks noGrp="1"/>
+          </p:cNvSpPr>
           <p:nvPr>
-            <p:ph idx="2" type="pic"/>
+            <p:ph type="pic" idx="2"/>
           </p:nvPr>
         </p:nvSpPr>
         <p:spPr>
@@ -9392,11 +9624,11 @@
           </a:ln>
         </p:spPr>
         <p:txBody>
-          <a:bodyPr anchorCtr="0" anchor="t" bIns="45700" lIns="91425" spcFirstLastPara="1" rIns="91425" wrap="square" tIns="45700">
+          <a:bodyPr spcFirstLastPara="1" wrap="square" lIns="91425" tIns="45700" rIns="91425" bIns="45700" anchor="t" anchorCtr="0">
             <a:normAutofit/>
           </a:bodyPr>
           <a:lstStyle>
-            <a:lvl1pPr lvl="0" marR="0" rtl="0" algn="l">
+            <a:lvl1pPr marR="0" lvl="0" algn="l" rtl="0">
               <a:lnSpc>
                 <a:spcPct val="90000"/>
               </a:lnSpc>
@@ -9412,7 +9644,7 @@
               <a:buSzPts val="3200"/>
               <a:buFont typeface="Arial"/>
               <a:buNone/>
-              <a:defRPr b="0" i="0" sz="3200" u="none" cap="none" strike="noStrike">
+              <a:defRPr sz="3200" b="0" i="0" u="none" strike="noStrike" cap="none">
                 <a:solidFill>
                   <a:schemeClr val="dk1"/>
                 </a:solidFill>
@@ -9422,7 +9654,7 @@
                 <a:sym typeface="Calibri"/>
               </a:defRPr>
             </a:lvl1pPr>
-            <a:lvl2pPr lvl="1" marR="0" rtl="0" algn="l">
+            <a:lvl2pPr marR="0" lvl="1" algn="l" rtl="0">
               <a:lnSpc>
                 <a:spcPct val="90000"/>
               </a:lnSpc>
@@ -9438,7 +9670,7 @@
               <a:buSzPts val="2800"/>
               <a:buFont typeface="Arial"/>
               <a:buNone/>
-              <a:defRPr b="0" i="0" sz="2800" u="none" cap="none" strike="noStrike">
+              <a:defRPr sz="2800" b="0" i="0" u="none" strike="noStrike" cap="none">
                 <a:solidFill>
                   <a:schemeClr val="dk1"/>
                 </a:solidFill>
@@ -9448,7 +9680,7 @@
                 <a:sym typeface="Calibri"/>
               </a:defRPr>
             </a:lvl2pPr>
-            <a:lvl3pPr lvl="2" marR="0" rtl="0" algn="l">
+            <a:lvl3pPr marR="0" lvl="2" algn="l" rtl="0">
               <a:lnSpc>
                 <a:spcPct val="90000"/>
               </a:lnSpc>
@@ -9464,7 +9696,7 @@
               <a:buSzPts val="2400"/>
               <a:buFont typeface="Arial"/>
               <a:buNone/>
-              <a:defRPr b="0" i="0" sz="2400" u="none" cap="none" strike="noStrike">
+              <a:defRPr sz="2400" b="0" i="0" u="none" strike="noStrike" cap="none">
                 <a:solidFill>
                   <a:schemeClr val="dk1"/>
                 </a:solidFill>
@@ -9474,7 +9706,7 @@
                 <a:sym typeface="Calibri"/>
               </a:defRPr>
             </a:lvl3pPr>
-            <a:lvl4pPr lvl="3" marR="0" rtl="0" algn="l">
+            <a:lvl4pPr marR="0" lvl="3" algn="l" rtl="0">
               <a:lnSpc>
                 <a:spcPct val="90000"/>
               </a:lnSpc>
@@ -9490,7 +9722,7 @@
               <a:buSzPts val="2000"/>
               <a:buFont typeface="Arial"/>
               <a:buNone/>
-              <a:defRPr b="0" i="0" sz="2000" u="none" cap="none" strike="noStrike">
+              <a:defRPr sz="2000" b="0" i="0" u="none" strike="noStrike" cap="none">
                 <a:solidFill>
                   <a:schemeClr val="dk1"/>
                 </a:solidFill>
@@ -9500,7 +9732,7 @@
                 <a:sym typeface="Calibri"/>
               </a:defRPr>
             </a:lvl4pPr>
-            <a:lvl5pPr lvl="4" marR="0" rtl="0" algn="l">
+            <a:lvl5pPr marR="0" lvl="4" algn="l" rtl="0">
               <a:lnSpc>
                 <a:spcPct val="90000"/>
               </a:lnSpc>
@@ -9516,7 +9748,7 @@
               <a:buSzPts val="2000"/>
               <a:buFont typeface="Arial"/>
               <a:buNone/>
-              <a:defRPr b="0" i="0" sz="2000" u="none" cap="none" strike="noStrike">
+              <a:defRPr sz="2000" b="0" i="0" u="none" strike="noStrike" cap="none">
                 <a:solidFill>
                   <a:schemeClr val="dk1"/>
                 </a:solidFill>
@@ -9526,7 +9758,7 @@
                 <a:sym typeface="Calibri"/>
               </a:defRPr>
             </a:lvl5pPr>
-            <a:lvl6pPr lvl="5" marR="0" rtl="0" algn="l">
+            <a:lvl6pPr marR="0" lvl="5" algn="l" rtl="0">
               <a:lnSpc>
                 <a:spcPct val="90000"/>
               </a:lnSpc>
@@ -9542,7 +9774,7 @@
               <a:buSzPts val="2000"/>
               <a:buFont typeface="Arial"/>
               <a:buNone/>
-              <a:defRPr b="0" i="0" sz="2000" u="none" cap="none" strike="noStrike">
+              <a:defRPr sz="2000" b="0" i="0" u="none" strike="noStrike" cap="none">
                 <a:solidFill>
                   <a:schemeClr val="dk1"/>
                 </a:solidFill>
@@ -9552,7 +9784,7 @@
                 <a:sym typeface="Calibri"/>
               </a:defRPr>
             </a:lvl6pPr>
-            <a:lvl7pPr lvl="6" marR="0" rtl="0" algn="l">
+            <a:lvl7pPr marR="0" lvl="6" algn="l" rtl="0">
               <a:lnSpc>
                 <a:spcPct val="90000"/>
               </a:lnSpc>
@@ -9568,7 +9800,7 @@
               <a:buSzPts val="2000"/>
               <a:buFont typeface="Arial"/>
               <a:buNone/>
-              <a:defRPr b="0" i="0" sz="2000" u="none" cap="none" strike="noStrike">
+              <a:defRPr sz="2000" b="0" i="0" u="none" strike="noStrike" cap="none">
                 <a:solidFill>
                   <a:schemeClr val="dk1"/>
                 </a:solidFill>
@@ -9578,7 +9810,7 @@
                 <a:sym typeface="Calibri"/>
               </a:defRPr>
             </a:lvl7pPr>
-            <a:lvl8pPr lvl="7" marR="0" rtl="0" algn="l">
+            <a:lvl8pPr marR="0" lvl="7" algn="l" rtl="0">
               <a:lnSpc>
                 <a:spcPct val="90000"/>
               </a:lnSpc>
@@ -9594,7 +9826,7 @@
               <a:buSzPts val="2000"/>
               <a:buFont typeface="Arial"/>
               <a:buNone/>
-              <a:defRPr b="0" i="0" sz="2000" u="none" cap="none" strike="noStrike">
+              <a:defRPr sz="2000" b="0" i="0" u="none" strike="noStrike" cap="none">
                 <a:solidFill>
                   <a:schemeClr val="dk1"/>
                 </a:solidFill>
@@ -9604,7 +9836,7 @@
                 <a:sym typeface="Calibri"/>
               </a:defRPr>
             </a:lvl8pPr>
-            <a:lvl9pPr lvl="8" marR="0" rtl="0" algn="l">
+            <a:lvl9pPr marR="0" lvl="8" algn="l" rtl="0">
               <a:lnSpc>
                 <a:spcPct val="90000"/>
               </a:lnSpc>
@@ -9620,7 +9852,7 @@
               <a:buSzPts val="2000"/>
               <a:buFont typeface="Arial"/>
               <a:buNone/>
-              <a:defRPr b="0" i="0" sz="2000" u="none" cap="none" strike="noStrike">
+              <a:defRPr sz="2000" b="0" i="0" u="none" strike="noStrike" cap="none">
                 <a:solidFill>
                   <a:schemeClr val="dk1"/>
                 </a:solidFill>
@@ -9631,15 +9863,19 @@
               </a:defRPr>
             </a:lvl9pPr>
           </a:lstStyle>
-          <a:p/>
+          <a:p>
+            <a:endParaRPr/>
+          </a:p>
         </p:txBody>
       </p:sp>
       <p:sp>
         <p:nvSpPr>
           <p:cNvPr id="68" name="Google Shape;68;p11"/>
-          <p:cNvSpPr txBox="1"/>
+          <p:cNvSpPr txBox="1">
+            <a:spLocks noGrp="1"/>
+          </p:cNvSpPr>
           <p:nvPr>
-            <p:ph idx="1" type="body"/>
+            <p:ph type="body" idx="1"/>
           </p:nvPr>
         </p:nvSpPr>
         <p:spPr>
@@ -9656,11 +9892,11 @@
           </a:ln>
         </p:spPr>
         <p:txBody>
-          <a:bodyPr anchorCtr="0" anchor="t" bIns="45700" lIns="91425" spcFirstLastPara="1" rIns="91425" wrap="square" tIns="45700">
+          <a:bodyPr spcFirstLastPara="1" wrap="square" lIns="91425" tIns="45700" rIns="91425" bIns="45700" anchor="t" anchorCtr="0">
             <a:normAutofit/>
           </a:bodyPr>
           <a:lstStyle>
-            <a:lvl1pPr indent="-228600" lvl="0" marL="457200" algn="l">
+            <a:lvl1pPr marL="457200" lvl="0" indent="-228600" algn="l">
               <a:lnSpc>
                 <a:spcPct val="90000"/>
               </a:lnSpc>
@@ -9677,7 +9913,7 @@
               <a:buNone/>
               <a:defRPr sz="1600"/>
             </a:lvl1pPr>
-            <a:lvl2pPr indent="-228600" lvl="1" marL="914400" algn="l">
+            <a:lvl2pPr marL="914400" lvl="1" indent="-228600" algn="l">
               <a:lnSpc>
                 <a:spcPct val="90000"/>
               </a:lnSpc>
@@ -9694,7 +9930,7 @@
               <a:buNone/>
               <a:defRPr sz="1400"/>
             </a:lvl2pPr>
-            <a:lvl3pPr indent="-228600" lvl="2" marL="1371600" algn="l">
+            <a:lvl3pPr marL="1371600" lvl="2" indent="-228600" algn="l">
               <a:lnSpc>
                 <a:spcPct val="90000"/>
               </a:lnSpc>
@@ -9711,7 +9947,7 @@
               <a:buNone/>
               <a:defRPr sz="1200"/>
             </a:lvl3pPr>
-            <a:lvl4pPr indent="-228600" lvl="3" marL="1828800" algn="l">
+            <a:lvl4pPr marL="1828800" lvl="3" indent="-228600" algn="l">
               <a:lnSpc>
                 <a:spcPct val="90000"/>
               </a:lnSpc>
@@ -9728,7 +9964,7 @@
               <a:buNone/>
               <a:defRPr sz="1000"/>
             </a:lvl4pPr>
-            <a:lvl5pPr indent="-228600" lvl="4" marL="2286000" algn="l">
+            <a:lvl5pPr marL="2286000" lvl="4" indent="-228600" algn="l">
               <a:lnSpc>
                 <a:spcPct val="90000"/>
               </a:lnSpc>
@@ -9745,7 +9981,7 @@
               <a:buNone/>
               <a:defRPr sz="1000"/>
             </a:lvl5pPr>
-            <a:lvl6pPr indent="-228600" lvl="5" marL="2743200" algn="l">
+            <a:lvl6pPr marL="2743200" lvl="5" indent="-228600" algn="l">
               <a:lnSpc>
                 <a:spcPct val="90000"/>
               </a:lnSpc>
@@ -9762,7 +9998,7 @@
               <a:buNone/>
               <a:defRPr sz="1000"/>
             </a:lvl6pPr>
-            <a:lvl7pPr indent="-228600" lvl="6" marL="3200400" algn="l">
+            <a:lvl7pPr marL="3200400" lvl="6" indent="-228600" algn="l">
               <a:lnSpc>
                 <a:spcPct val="90000"/>
               </a:lnSpc>
@@ -9779,7 +10015,7 @@
               <a:buNone/>
               <a:defRPr sz="1000"/>
             </a:lvl7pPr>
-            <a:lvl8pPr indent="-228600" lvl="7" marL="3657600" algn="l">
+            <a:lvl8pPr marL="3657600" lvl="7" indent="-228600" algn="l">
               <a:lnSpc>
                 <a:spcPct val="90000"/>
               </a:lnSpc>
@@ -9796,7 +10032,7 @@
               <a:buNone/>
               <a:defRPr sz="1000"/>
             </a:lvl8pPr>
-            <a:lvl9pPr indent="-228600" lvl="8" marL="4114800" algn="l">
+            <a:lvl9pPr marL="4114800" lvl="8" indent="-228600" algn="l">
               <a:lnSpc>
                 <a:spcPct val="90000"/>
               </a:lnSpc>
@@ -9814,15 +10050,19 @@
               <a:defRPr sz="1000"/>
             </a:lvl9pPr>
           </a:lstStyle>
-          <a:p/>
+          <a:p>
+            <a:endParaRPr/>
+          </a:p>
         </p:txBody>
       </p:sp>
       <p:sp>
         <p:nvSpPr>
           <p:cNvPr id="69" name="Google Shape;69;p11"/>
-          <p:cNvSpPr txBox="1"/>
+          <p:cNvSpPr txBox="1">
+            <a:spLocks noGrp="1"/>
+          </p:cNvSpPr>
           <p:nvPr>
-            <p:ph idx="10" type="dt"/>
+            <p:ph type="dt" idx="10"/>
           </p:nvPr>
         </p:nvSpPr>
         <p:spPr>
@@ -9839,7 +10079,7 @@
           </a:ln>
         </p:spPr>
         <p:txBody>
-          <a:bodyPr anchorCtr="0" anchor="ctr" bIns="45700" lIns="91425" spcFirstLastPara="1" rIns="91425" wrap="square" tIns="45700">
+          <a:bodyPr spcFirstLastPara="1" wrap="square" lIns="91425" tIns="45700" rIns="91425" bIns="45700" anchor="ctr" anchorCtr="0">
             <a:noAutofit/>
           </a:bodyPr>
           <a:lstStyle>
@@ -9943,15 +10183,19 @@
               <a:defRPr/>
             </a:lvl9pPr>
           </a:lstStyle>
-          <a:p/>
+          <a:p>
+            <a:endParaRPr/>
+          </a:p>
         </p:txBody>
       </p:sp>
       <p:sp>
         <p:nvSpPr>
           <p:cNvPr id="70" name="Google Shape;70;p11"/>
-          <p:cNvSpPr txBox="1"/>
+          <p:cNvSpPr txBox="1">
+            <a:spLocks noGrp="1"/>
+          </p:cNvSpPr>
           <p:nvPr>
-            <p:ph idx="11" type="ftr"/>
+            <p:ph type="ftr" idx="11"/>
           </p:nvPr>
         </p:nvSpPr>
         <p:spPr>
@@ -9968,7 +10212,7 @@
           </a:ln>
         </p:spPr>
         <p:txBody>
-          <a:bodyPr anchorCtr="0" anchor="ctr" bIns="45700" lIns="91425" spcFirstLastPara="1" rIns="91425" wrap="square" tIns="45700">
+          <a:bodyPr spcFirstLastPara="1" wrap="square" lIns="91425" tIns="45700" rIns="91425" bIns="45700" anchor="ctr" anchorCtr="0">
             <a:noAutofit/>
           </a:bodyPr>
           <a:lstStyle>
@@ -10072,15 +10316,19 @@
               <a:defRPr/>
             </a:lvl9pPr>
           </a:lstStyle>
-          <a:p/>
+          <a:p>
+            <a:endParaRPr/>
+          </a:p>
         </p:txBody>
       </p:sp>
       <p:sp>
         <p:nvSpPr>
           <p:cNvPr id="71" name="Google Shape;71;p11"/>
-          <p:cNvSpPr txBox="1"/>
+          <p:cNvSpPr txBox="1">
+            <a:spLocks noGrp="1"/>
+          </p:cNvSpPr>
           <p:nvPr>
-            <p:ph idx="12" type="sldNum"/>
+            <p:ph type="sldNum" idx="12"/>
           </p:nvPr>
         </p:nvSpPr>
         <p:spPr>
@@ -10097,67 +10345,67 @@
           </a:ln>
         </p:spPr>
         <p:txBody>
-          <a:bodyPr anchorCtr="0" anchor="ctr" bIns="45700" lIns="91425" spcFirstLastPara="1" rIns="91425" wrap="square" tIns="45700">
+          <a:bodyPr spcFirstLastPara="1" wrap="square" lIns="91425" tIns="45700" rIns="91425" bIns="45700" anchor="ctr" anchorCtr="0">
             <a:noAutofit/>
           </a:bodyPr>
           <a:lstStyle>
-            <a:lvl1pPr indent="0" lvl="0" marL="0" algn="r">
+            <a:lvl1pPr marL="0" lvl="0" indent="0" algn="r">
               <a:spcBef>
                 <a:spcPts val="0"/>
               </a:spcBef>
               <a:buNone/>
               <a:defRPr/>
             </a:lvl1pPr>
-            <a:lvl2pPr indent="0" lvl="1" marL="0" algn="r">
+            <a:lvl2pPr marL="0" lvl="1" indent="0" algn="r">
               <a:spcBef>
                 <a:spcPts val="0"/>
               </a:spcBef>
               <a:buNone/>
               <a:defRPr/>
             </a:lvl2pPr>
-            <a:lvl3pPr indent="0" lvl="2" marL="0" algn="r">
+            <a:lvl3pPr marL="0" lvl="2" indent="0" algn="r">
               <a:spcBef>
                 <a:spcPts val="0"/>
               </a:spcBef>
               <a:buNone/>
               <a:defRPr/>
             </a:lvl3pPr>
-            <a:lvl4pPr indent="0" lvl="3" marL="0" algn="r">
+            <a:lvl4pPr marL="0" lvl="3" indent="0" algn="r">
               <a:spcBef>
                 <a:spcPts val="0"/>
               </a:spcBef>
               <a:buNone/>
               <a:defRPr/>
             </a:lvl4pPr>
-            <a:lvl5pPr indent="0" lvl="4" marL="0" algn="r">
+            <a:lvl5pPr marL="0" lvl="4" indent="0" algn="r">
               <a:spcBef>
                 <a:spcPts val="0"/>
               </a:spcBef>
               <a:buNone/>
               <a:defRPr/>
             </a:lvl5pPr>
-            <a:lvl6pPr indent="0" lvl="5" marL="0" algn="r">
+            <a:lvl6pPr marL="0" lvl="5" indent="0" algn="r">
               <a:spcBef>
                 <a:spcPts val="0"/>
               </a:spcBef>
               <a:buNone/>
               <a:defRPr/>
             </a:lvl6pPr>
-            <a:lvl7pPr indent="0" lvl="6" marL="0" algn="r">
+            <a:lvl7pPr marL="0" lvl="6" indent="0" algn="r">
               <a:spcBef>
                 <a:spcPts val="0"/>
               </a:spcBef>
               <a:buNone/>
               <a:defRPr/>
             </a:lvl7pPr>
-            <a:lvl8pPr indent="0" lvl="7" marL="0" algn="r">
+            <a:lvl8pPr marL="0" lvl="7" indent="0" algn="r">
               <a:spcBef>
                 <a:spcPts val="0"/>
               </a:spcBef>
               <a:buNone/>
               <a:defRPr/>
             </a:lvl8pPr>
-            <a:lvl9pPr indent="0" lvl="8" marL="0" algn="r">
+            <a:lvl9pPr marL="0" lvl="8" indent="0" algn="r">
               <a:spcBef>
                 <a:spcPts val="0"/>
               </a:spcBef>
@@ -10166,7 +10414,7 @@
             </a:lvl9pPr>
           </a:lstStyle>
           <a:p>
-            <a:pPr indent="0" lvl="0" marL="0" rtl="0" algn="r">
+            <a:pPr marL="0" lvl="0" indent="0" algn="r" rtl="0">
               <a:spcBef>
                 <a:spcPts val="0"/>
               </a:spcBef>
@@ -10192,18 +10440,19 @@
 </file>
 
 <file path=ppt/slideMasters/slideMaster1.xml><?xml version="1.0" encoding="utf-8"?>
-<p:sldMaster xmlns:a="http://schemas.openxmlformats.org/drawingml/2006/main" xmlns:r="http://schemas.openxmlformats.org/officeDocument/2006/relationships" xmlns:mc="http://schemas.openxmlformats.org/markup-compatibility/2006" xmlns:mv="urn:schemas-microsoft-com:mac:vml" xmlns:p="http://schemas.openxmlformats.org/presentationml/2006/main" xmlns:c="http://schemas.openxmlformats.org/drawingml/2006/chart" xmlns:dgm="http://schemas.openxmlformats.org/drawingml/2006/diagram" xmlns:o="urn:schemas-microsoft-com:office:office" xmlns:v="urn:schemas-microsoft-com:vml" xmlns:pvml="urn:schemas-microsoft-com:office:powerpoint" xmlns:com="http://schemas.openxmlformats.org/drawingml/2006/compatibility" xmlns:p14="http://schemas.microsoft.com/office/powerpoint/2010/main" xmlns:p15="http://schemas.microsoft.com/office/powerpoint/2012/main" xmlns:ahyp="http://schemas.microsoft.com/office/drawing/2018/hyperlinkcolor">
+<p:sldMaster xmlns:a="http://schemas.openxmlformats.org/drawingml/2006/main" xmlns:r="http://schemas.openxmlformats.org/officeDocument/2006/relationships" xmlns:p="http://schemas.openxmlformats.org/presentationml/2006/main">
   <p:cSld>
     <p:bg>
       <p:bgPr>
         <a:solidFill>
           <a:schemeClr val="lt1"/>
         </a:solidFill>
+        <a:effectLst/>
       </p:bgPr>
     </p:bg>
     <p:spTree>
       <p:nvGrpSpPr>
-        <p:cNvPr id="9" name="Shape 9"/>
+        <p:cNvPr id="1" name="Shape 9"/>
         <p:cNvGrpSpPr/>
         <p:nvPr/>
       </p:nvGrpSpPr>
@@ -10218,7 +10467,9 @@
       <p:sp>
         <p:nvSpPr>
           <p:cNvPr id="10" name="Google Shape;10;p2"/>
-          <p:cNvSpPr txBox="1"/>
+          <p:cNvSpPr txBox="1">
+            <a:spLocks noGrp="1"/>
+          </p:cNvSpPr>
           <p:nvPr>
             <p:ph type="title"/>
           </p:nvPr>
@@ -10237,11 +10488,11 @@
           </a:ln>
         </p:spPr>
         <p:txBody>
-          <a:bodyPr anchorCtr="0" anchor="ctr" bIns="45700" lIns="91425" spcFirstLastPara="1" rIns="91425" wrap="square" tIns="45700">
+          <a:bodyPr spcFirstLastPara="1" wrap="square" lIns="91425" tIns="45700" rIns="91425" bIns="45700" anchor="ctr" anchorCtr="0">
             <a:normAutofit/>
           </a:bodyPr>
           <a:lstStyle>
-            <a:lvl1pPr lvl="0" marR="0" rtl="0" algn="l">
+            <a:lvl1pPr marR="0" lvl="0" algn="l" rtl="0">
               <a:lnSpc>
                 <a:spcPct val="90000"/>
               </a:lnSpc>
@@ -10257,7 +10508,7 @@
               <a:buSzPts val="4400"/>
               <a:buFont typeface="Calibri"/>
               <a:buNone/>
-              <a:defRPr b="0" i="0" sz="4400" u="none" cap="none" strike="noStrike">
+              <a:defRPr sz="4400" b="0" i="0" u="none" strike="noStrike" cap="none">
                 <a:solidFill>
                   <a:schemeClr val="dk1"/>
                 </a:solidFill>
@@ -10356,15 +10607,19 @@
               <a:defRPr sz="1800"/>
             </a:lvl9pPr>
           </a:lstStyle>
-          <a:p/>
+          <a:p>
+            <a:endParaRPr/>
+          </a:p>
         </p:txBody>
       </p:sp>
       <p:sp>
         <p:nvSpPr>
           <p:cNvPr id="11" name="Google Shape;11;p2"/>
-          <p:cNvSpPr txBox="1"/>
+          <p:cNvSpPr txBox="1">
+            <a:spLocks noGrp="1"/>
+          </p:cNvSpPr>
           <p:nvPr>
-            <p:ph idx="1" type="body"/>
+            <p:ph type="body" idx="1"/>
           </p:nvPr>
         </p:nvSpPr>
         <p:spPr>
@@ -10381,11 +10636,11 @@
           </a:ln>
         </p:spPr>
         <p:txBody>
-          <a:bodyPr anchorCtr="0" anchor="t" bIns="45700" lIns="91425" spcFirstLastPara="1" rIns="91425" wrap="square" tIns="45700">
+          <a:bodyPr spcFirstLastPara="1" wrap="square" lIns="91425" tIns="45700" rIns="91425" bIns="45700" anchor="t" anchorCtr="0">
             <a:normAutofit/>
           </a:bodyPr>
           <a:lstStyle>
-            <a:lvl1pPr indent="-406400" lvl="0" marL="457200" marR="0" rtl="0" algn="l">
+            <a:lvl1pPr marL="457200" marR="0" lvl="0" indent="-406400" algn="l" rtl="0">
               <a:lnSpc>
                 <a:spcPct val="90000"/>
               </a:lnSpc>
@@ -10401,7 +10656,7 @@
               <a:buSzPts val="2800"/>
               <a:buFont typeface="Arial"/>
               <a:buChar char="•"/>
-              <a:defRPr b="0" i="0" sz="2800" u="none" cap="none" strike="noStrike">
+              <a:defRPr sz="2800" b="0" i="0" u="none" strike="noStrike" cap="none">
                 <a:solidFill>
                   <a:schemeClr val="dk1"/>
                 </a:solidFill>
@@ -10411,7 +10666,7 @@
                 <a:sym typeface="Calibri"/>
               </a:defRPr>
             </a:lvl1pPr>
-            <a:lvl2pPr indent="-381000" lvl="1" marL="914400" marR="0" rtl="0" algn="l">
+            <a:lvl2pPr marL="914400" marR="0" lvl="1" indent="-381000" algn="l" rtl="0">
               <a:lnSpc>
                 <a:spcPct val="90000"/>
               </a:lnSpc>
@@ -10427,7 +10682,7 @@
               <a:buSzPts val="2400"/>
               <a:buFont typeface="Arial"/>
               <a:buChar char="•"/>
-              <a:defRPr b="0" i="0" sz="2400" u="none" cap="none" strike="noStrike">
+              <a:defRPr sz="2400" b="0" i="0" u="none" strike="noStrike" cap="none">
                 <a:solidFill>
                   <a:schemeClr val="dk1"/>
                 </a:solidFill>
@@ -10437,7 +10692,7 @@
                 <a:sym typeface="Calibri"/>
               </a:defRPr>
             </a:lvl2pPr>
-            <a:lvl3pPr indent="-355600" lvl="2" marL="1371600" marR="0" rtl="0" algn="l">
+            <a:lvl3pPr marL="1371600" marR="0" lvl="2" indent="-355600" algn="l" rtl="0">
               <a:lnSpc>
                 <a:spcPct val="90000"/>
               </a:lnSpc>
@@ -10453,7 +10708,7 @@
               <a:buSzPts val="2000"/>
               <a:buFont typeface="Arial"/>
               <a:buChar char="•"/>
-              <a:defRPr b="0" i="0" sz="2000" u="none" cap="none" strike="noStrike">
+              <a:defRPr sz="2000" b="0" i="0" u="none" strike="noStrike" cap="none">
                 <a:solidFill>
                   <a:schemeClr val="dk1"/>
                 </a:solidFill>
@@ -10463,7 +10718,7 @@
                 <a:sym typeface="Calibri"/>
               </a:defRPr>
             </a:lvl3pPr>
-            <a:lvl4pPr indent="-342900" lvl="3" marL="1828800" marR="0" rtl="0" algn="l">
+            <a:lvl4pPr marL="1828800" marR="0" lvl="3" indent="-342900" algn="l" rtl="0">
               <a:lnSpc>
                 <a:spcPct val="90000"/>
               </a:lnSpc>
@@ -10479,7 +10734,7 @@
               <a:buSzPts val="1800"/>
               <a:buFont typeface="Arial"/>
               <a:buChar char="•"/>
-              <a:defRPr b="0" i="0" sz="1800" u="none" cap="none" strike="noStrike">
+              <a:defRPr sz="1800" b="0" i="0" u="none" strike="noStrike" cap="none">
                 <a:solidFill>
                   <a:schemeClr val="dk1"/>
                 </a:solidFill>
@@ -10489,7 +10744,7 @@
                 <a:sym typeface="Calibri"/>
               </a:defRPr>
             </a:lvl4pPr>
-            <a:lvl5pPr indent="-342900" lvl="4" marL="2286000" marR="0" rtl="0" algn="l">
+            <a:lvl5pPr marL="2286000" marR="0" lvl="4" indent="-342900" algn="l" rtl="0">
               <a:lnSpc>
                 <a:spcPct val="90000"/>
               </a:lnSpc>
@@ -10505,7 +10760,7 @@
               <a:buSzPts val="1800"/>
               <a:buFont typeface="Arial"/>
               <a:buChar char="•"/>
-              <a:defRPr b="0" i="0" sz="1800" u="none" cap="none" strike="noStrike">
+              <a:defRPr sz="1800" b="0" i="0" u="none" strike="noStrike" cap="none">
                 <a:solidFill>
                   <a:schemeClr val="dk1"/>
                 </a:solidFill>
@@ -10515,7 +10770,7 @@
                 <a:sym typeface="Calibri"/>
               </a:defRPr>
             </a:lvl5pPr>
-            <a:lvl6pPr indent="-342900" lvl="5" marL="2743200" marR="0" rtl="0" algn="l">
+            <a:lvl6pPr marL="2743200" marR="0" lvl="5" indent="-342900" algn="l" rtl="0">
               <a:lnSpc>
                 <a:spcPct val="90000"/>
               </a:lnSpc>
@@ -10531,7 +10786,7 @@
               <a:buSzPts val="1800"/>
               <a:buFont typeface="Arial"/>
               <a:buChar char="•"/>
-              <a:defRPr b="0" i="0" sz="1800" u="none" cap="none" strike="noStrike">
+              <a:defRPr sz="1800" b="0" i="0" u="none" strike="noStrike" cap="none">
                 <a:solidFill>
                   <a:schemeClr val="dk1"/>
                 </a:solidFill>
@@ -10541,7 +10796,7 @@
                 <a:sym typeface="Calibri"/>
               </a:defRPr>
             </a:lvl6pPr>
-            <a:lvl7pPr indent="-342900" lvl="6" marL="3200400" marR="0" rtl="0" algn="l">
+            <a:lvl7pPr marL="3200400" marR="0" lvl="6" indent="-342900" algn="l" rtl="0">
               <a:lnSpc>
                 <a:spcPct val="90000"/>
               </a:lnSpc>
@@ -10557,7 +10812,7 @@
               <a:buSzPts val="1800"/>
               <a:buFont typeface="Arial"/>
               <a:buChar char="•"/>
-              <a:defRPr b="0" i="0" sz="1800" u="none" cap="none" strike="noStrike">
+              <a:defRPr sz="1800" b="0" i="0" u="none" strike="noStrike" cap="none">
                 <a:solidFill>
                   <a:schemeClr val="dk1"/>
                 </a:solidFill>
@@ -10567,7 +10822,7 @@
                 <a:sym typeface="Calibri"/>
               </a:defRPr>
             </a:lvl7pPr>
-            <a:lvl8pPr indent="-342900" lvl="7" marL="3657600" marR="0" rtl="0" algn="l">
+            <a:lvl8pPr marL="3657600" marR="0" lvl="7" indent="-342900" algn="l" rtl="0">
               <a:lnSpc>
                 <a:spcPct val="90000"/>
               </a:lnSpc>
@@ -10583,7 +10838,7 @@
               <a:buSzPts val="1800"/>
               <a:buFont typeface="Arial"/>
               <a:buChar char="•"/>
-              <a:defRPr b="0" i="0" sz="1800" u="none" cap="none" strike="noStrike">
+              <a:defRPr sz="1800" b="0" i="0" u="none" strike="noStrike" cap="none">
                 <a:solidFill>
                   <a:schemeClr val="dk1"/>
                 </a:solidFill>
@@ -10593,7 +10848,7 @@
                 <a:sym typeface="Calibri"/>
               </a:defRPr>
             </a:lvl8pPr>
-            <a:lvl9pPr indent="-342900" lvl="8" marL="4114800" marR="0" rtl="0" algn="l">
+            <a:lvl9pPr marL="4114800" marR="0" lvl="8" indent="-342900" algn="l" rtl="0">
               <a:lnSpc>
                 <a:spcPct val="90000"/>
               </a:lnSpc>
@@ -10609,7 +10864,7 @@
               <a:buSzPts val="1800"/>
               <a:buFont typeface="Arial"/>
               <a:buChar char="•"/>
-              <a:defRPr b="0" i="0" sz="1800" u="none" cap="none" strike="noStrike">
+              <a:defRPr sz="1800" b="0" i="0" u="none" strike="noStrike" cap="none">
                 <a:solidFill>
                   <a:schemeClr val="dk1"/>
                 </a:solidFill>
@@ -10620,15 +10875,19 @@
               </a:defRPr>
             </a:lvl9pPr>
           </a:lstStyle>
-          <a:p/>
+          <a:p>
+            <a:endParaRPr/>
+          </a:p>
         </p:txBody>
       </p:sp>
       <p:sp>
         <p:nvSpPr>
           <p:cNvPr id="12" name="Google Shape;12;p2"/>
-          <p:cNvSpPr txBox="1"/>
+          <p:cNvSpPr txBox="1">
+            <a:spLocks noGrp="1"/>
+          </p:cNvSpPr>
           <p:nvPr>
-            <p:ph idx="10" type="dt"/>
+            <p:ph type="dt" idx="10"/>
           </p:nvPr>
         </p:nvSpPr>
         <p:spPr>
@@ -10645,20 +10904,20 @@
           </a:ln>
         </p:spPr>
         <p:txBody>
-          <a:bodyPr anchorCtr="0" anchor="ctr" bIns="45700" lIns="91425" spcFirstLastPara="1" rIns="91425" wrap="square" tIns="45700">
+          <a:bodyPr spcFirstLastPara="1" wrap="square" lIns="91425" tIns="45700" rIns="91425" bIns="45700" anchor="ctr" anchorCtr="0">
             <a:noAutofit/>
           </a:bodyPr>
           <a:lstStyle>
-            <a:lvl1pPr lvl="0" marR="0" rtl="0" algn="l">
-              <a:spcBef>
-                <a:spcPts val="0"/>
-              </a:spcBef>
-              <a:spcAft>
-                <a:spcPts val="0"/>
-              </a:spcAft>
-              <a:buSzPts val="1400"/>
-              <a:buNone/>
-              <a:defRPr b="0" i="0" sz="1200" u="none" cap="none" strike="noStrike">
+            <a:lvl1pPr marR="0" lvl="0" algn="l" rtl="0">
+              <a:spcBef>
+                <a:spcPts val="0"/>
+              </a:spcBef>
+              <a:spcAft>
+                <a:spcPts val="0"/>
+              </a:spcAft>
+              <a:buSzPts val="1400"/>
+              <a:buNone/>
+              <a:defRPr sz="1200" b="0" i="0" u="none" strike="noStrike" cap="none">
                 <a:solidFill>
                   <a:srgbClr val="888888"/>
                 </a:solidFill>
@@ -10668,16 +10927,16 @@
                 <a:sym typeface="Calibri"/>
               </a:defRPr>
             </a:lvl1pPr>
-            <a:lvl2pPr lvl="1" marR="0" rtl="0" algn="l">
-              <a:spcBef>
-                <a:spcPts val="0"/>
-              </a:spcBef>
-              <a:spcAft>
-                <a:spcPts val="0"/>
-              </a:spcAft>
-              <a:buSzPts val="1400"/>
-              <a:buNone/>
-              <a:defRPr b="0" i="0" sz="1800" u="none" cap="none" strike="noStrike">
+            <a:lvl2pPr marR="0" lvl="1" algn="l" rtl="0">
+              <a:spcBef>
+                <a:spcPts val="0"/>
+              </a:spcBef>
+              <a:spcAft>
+                <a:spcPts val="0"/>
+              </a:spcAft>
+              <a:buSzPts val="1400"/>
+              <a:buNone/>
+              <a:defRPr sz="1800" b="0" i="0" u="none" strike="noStrike" cap="none">
                 <a:solidFill>
                   <a:schemeClr val="dk1"/>
                 </a:solidFill>
@@ -10687,16 +10946,16 @@
                 <a:sym typeface="Calibri"/>
               </a:defRPr>
             </a:lvl2pPr>
-            <a:lvl3pPr lvl="2" marR="0" rtl="0" algn="l">
-              <a:spcBef>
-                <a:spcPts val="0"/>
-              </a:spcBef>
-              <a:spcAft>
-                <a:spcPts val="0"/>
-              </a:spcAft>
-              <a:buSzPts val="1400"/>
-              <a:buNone/>
-              <a:defRPr b="0" i="0" sz="1800" u="none" cap="none" strike="noStrike">
+            <a:lvl3pPr marR="0" lvl="2" algn="l" rtl="0">
+              <a:spcBef>
+                <a:spcPts val="0"/>
+              </a:spcBef>
+              <a:spcAft>
+                <a:spcPts val="0"/>
+              </a:spcAft>
+              <a:buSzPts val="1400"/>
+              <a:buNone/>
+              <a:defRPr sz="1800" b="0" i="0" u="none" strike="noStrike" cap="none">
                 <a:solidFill>
                   <a:schemeClr val="dk1"/>
                 </a:solidFill>
@@ -10706,16 +10965,16 @@
                 <a:sym typeface="Calibri"/>
               </a:defRPr>
             </a:lvl3pPr>
-            <a:lvl4pPr lvl="3" marR="0" rtl="0" algn="l">
-              <a:spcBef>
-                <a:spcPts val="0"/>
-              </a:spcBef>
-              <a:spcAft>
-                <a:spcPts val="0"/>
-              </a:spcAft>
-              <a:buSzPts val="1400"/>
-              <a:buNone/>
-              <a:defRPr b="0" i="0" sz="1800" u="none" cap="none" strike="noStrike">
+            <a:lvl4pPr marR="0" lvl="3" algn="l" rtl="0">
+              <a:spcBef>
+                <a:spcPts val="0"/>
+              </a:spcBef>
+              <a:spcAft>
+                <a:spcPts val="0"/>
+              </a:spcAft>
+              <a:buSzPts val="1400"/>
+              <a:buNone/>
+              <a:defRPr sz="1800" b="0" i="0" u="none" strike="noStrike" cap="none">
                 <a:solidFill>
                   <a:schemeClr val="dk1"/>
                 </a:solidFill>
@@ -10725,16 +10984,16 @@
                 <a:sym typeface="Calibri"/>
               </a:defRPr>
             </a:lvl4pPr>
-            <a:lvl5pPr lvl="4" marR="0" rtl="0" algn="l">
-              <a:spcBef>
-                <a:spcPts val="0"/>
-              </a:spcBef>
-              <a:spcAft>
-                <a:spcPts val="0"/>
-              </a:spcAft>
-              <a:buSzPts val="1400"/>
-              <a:buNone/>
-              <a:defRPr b="0" i="0" sz="1800" u="none" cap="none" strike="noStrike">
+            <a:lvl5pPr marR="0" lvl="4" algn="l" rtl="0">
+              <a:spcBef>
+                <a:spcPts val="0"/>
+              </a:spcBef>
+              <a:spcAft>
+                <a:spcPts val="0"/>
+              </a:spcAft>
+              <a:buSzPts val="1400"/>
+              <a:buNone/>
+              <a:defRPr sz="1800" b="0" i="0" u="none" strike="noStrike" cap="none">
                 <a:solidFill>
                   <a:schemeClr val="dk1"/>
                 </a:solidFill>
@@ -10744,16 +11003,16 @@
                 <a:sym typeface="Calibri"/>
               </a:defRPr>
             </a:lvl5pPr>
-            <a:lvl6pPr lvl="5" marR="0" rtl="0" algn="l">
-              <a:spcBef>
-                <a:spcPts val="0"/>
-              </a:spcBef>
-              <a:spcAft>
-                <a:spcPts val="0"/>
-              </a:spcAft>
-              <a:buSzPts val="1400"/>
-              <a:buNone/>
-              <a:defRPr b="0" i="0" sz="1800" u="none" cap="none" strike="noStrike">
+            <a:lvl6pPr marR="0" lvl="5" algn="l" rtl="0">
+              <a:spcBef>
+                <a:spcPts val="0"/>
+              </a:spcBef>
+              <a:spcAft>
+                <a:spcPts val="0"/>
+              </a:spcAft>
+              <a:buSzPts val="1400"/>
+              <a:buNone/>
+              <a:defRPr sz="1800" b="0" i="0" u="none" strike="noStrike" cap="none">
                 <a:solidFill>
                   <a:schemeClr val="dk1"/>
                 </a:solidFill>
@@ -10763,16 +11022,16 @@
                 <a:sym typeface="Calibri"/>
               </a:defRPr>
             </a:lvl6pPr>
-            <a:lvl7pPr lvl="6" marR="0" rtl="0" algn="l">
-              <a:spcBef>
-                <a:spcPts val="0"/>
-              </a:spcBef>
-              <a:spcAft>
-                <a:spcPts val="0"/>
-              </a:spcAft>
-              <a:buSzPts val="1400"/>
-              <a:buNone/>
-              <a:defRPr b="0" i="0" sz="1800" u="none" cap="none" strike="noStrike">
+            <a:lvl7pPr marR="0" lvl="6" algn="l" rtl="0">
+              <a:spcBef>
+                <a:spcPts val="0"/>
+              </a:spcBef>
+              <a:spcAft>
+                <a:spcPts val="0"/>
+              </a:spcAft>
+              <a:buSzPts val="1400"/>
+              <a:buNone/>
+              <a:defRPr sz="1800" b="0" i="0" u="none" strike="noStrike" cap="none">
                 <a:solidFill>
                   <a:schemeClr val="dk1"/>
                 </a:solidFill>
@@ -10782,16 +11041,16 @@
                 <a:sym typeface="Calibri"/>
               </a:defRPr>
             </a:lvl7pPr>
-            <a:lvl8pPr lvl="7" marR="0" rtl="0" algn="l">
-              <a:spcBef>
-                <a:spcPts val="0"/>
-              </a:spcBef>
-              <a:spcAft>
-                <a:spcPts val="0"/>
-              </a:spcAft>
-              <a:buSzPts val="1400"/>
-              <a:buNone/>
-              <a:defRPr b="0" i="0" sz="1800" u="none" cap="none" strike="noStrike">
+            <a:lvl8pPr marR="0" lvl="7" algn="l" rtl="0">
+              <a:spcBef>
+                <a:spcPts val="0"/>
+              </a:spcBef>
+              <a:spcAft>
+                <a:spcPts val="0"/>
+              </a:spcAft>
+              <a:buSzPts val="1400"/>
+              <a:buNone/>
+              <a:defRPr sz="1800" b="0" i="0" u="none" strike="noStrike" cap="none">
                 <a:solidFill>
                   <a:schemeClr val="dk1"/>
                 </a:solidFill>
@@ -10801,16 +11060,16 @@
                 <a:sym typeface="Calibri"/>
               </a:defRPr>
             </a:lvl8pPr>
-            <a:lvl9pPr lvl="8" marR="0" rtl="0" algn="l">
-              <a:spcBef>
-                <a:spcPts val="0"/>
-              </a:spcBef>
-              <a:spcAft>
-                <a:spcPts val="0"/>
-              </a:spcAft>
-              <a:buSzPts val="1400"/>
-              <a:buNone/>
-              <a:defRPr b="0" i="0" sz="1800" u="none" cap="none" strike="noStrike">
+            <a:lvl9pPr marR="0" lvl="8" algn="l" rtl="0">
+              <a:spcBef>
+                <a:spcPts val="0"/>
+              </a:spcBef>
+              <a:spcAft>
+                <a:spcPts val="0"/>
+              </a:spcAft>
+              <a:buSzPts val="1400"/>
+              <a:buNone/>
+              <a:defRPr sz="1800" b="0" i="0" u="none" strike="noStrike" cap="none">
                 <a:solidFill>
                   <a:schemeClr val="dk1"/>
                 </a:solidFill>
@@ -10821,15 +11080,19 @@
               </a:defRPr>
             </a:lvl9pPr>
           </a:lstStyle>
-          <a:p/>
+          <a:p>
+            <a:endParaRPr/>
+          </a:p>
         </p:txBody>
       </p:sp>
       <p:sp>
         <p:nvSpPr>
           <p:cNvPr id="13" name="Google Shape;13;p2"/>
-          <p:cNvSpPr txBox="1"/>
+          <p:cNvSpPr txBox="1">
+            <a:spLocks noGrp="1"/>
+          </p:cNvSpPr>
           <p:nvPr>
-            <p:ph idx="11" type="ftr"/>
+            <p:ph type="ftr" idx="11"/>
           </p:nvPr>
         </p:nvSpPr>
         <p:spPr>
@@ -10846,20 +11109,20 @@
           </a:ln>
         </p:spPr>
         <p:txBody>
-          <a:bodyPr anchorCtr="0" anchor="ctr" bIns="45700" lIns="91425" spcFirstLastPara="1" rIns="91425" wrap="square" tIns="45700">
+          <a:bodyPr spcFirstLastPara="1" wrap="square" lIns="91425" tIns="45700" rIns="91425" bIns="45700" anchor="ctr" anchorCtr="0">
             <a:noAutofit/>
           </a:bodyPr>
           <a:lstStyle>
-            <a:lvl1pPr lvl="0" marR="0" rtl="0" algn="ctr">
-              <a:spcBef>
-                <a:spcPts val="0"/>
-              </a:spcBef>
-              <a:spcAft>
-                <a:spcPts val="0"/>
-              </a:spcAft>
-              <a:buSzPts val="1400"/>
-              <a:buNone/>
-              <a:defRPr b="0" i="0" sz="1200" u="none" cap="none" strike="noStrike">
+            <a:lvl1pPr marR="0" lvl="0" algn="ctr" rtl="0">
+              <a:spcBef>
+                <a:spcPts val="0"/>
+              </a:spcBef>
+              <a:spcAft>
+                <a:spcPts val="0"/>
+              </a:spcAft>
+              <a:buSzPts val="1400"/>
+              <a:buNone/>
+              <a:defRPr sz="1200" b="0" i="0" u="none" strike="noStrike" cap="none">
                 <a:solidFill>
                   <a:srgbClr val="888888"/>
                 </a:solidFill>
@@ -10869,16 +11132,16 @@
                 <a:sym typeface="Calibri"/>
               </a:defRPr>
             </a:lvl1pPr>
-            <a:lvl2pPr lvl="1" marR="0" rtl="0" algn="l">
-              <a:spcBef>
-                <a:spcPts val="0"/>
-              </a:spcBef>
-              <a:spcAft>
-                <a:spcPts val="0"/>
-              </a:spcAft>
-              <a:buSzPts val="1400"/>
-              <a:buNone/>
-              <a:defRPr b="0" i="0" sz="1800" u="none" cap="none" strike="noStrike">
+            <a:lvl2pPr marR="0" lvl="1" algn="l" rtl="0">
+              <a:spcBef>
+                <a:spcPts val="0"/>
+              </a:spcBef>
+              <a:spcAft>
+                <a:spcPts val="0"/>
+              </a:spcAft>
+              <a:buSzPts val="1400"/>
+              <a:buNone/>
+              <a:defRPr sz="1800" b="0" i="0" u="none" strike="noStrike" cap="none">
                 <a:solidFill>
                   <a:schemeClr val="dk1"/>
                 </a:solidFill>
@@ -10888,16 +11151,16 @@
                 <a:sym typeface="Calibri"/>
               </a:defRPr>
             </a:lvl2pPr>
-            <a:lvl3pPr lvl="2" marR="0" rtl="0" algn="l">
-              <a:spcBef>
-                <a:spcPts val="0"/>
-              </a:spcBef>
-              <a:spcAft>
-                <a:spcPts val="0"/>
-              </a:spcAft>
-              <a:buSzPts val="1400"/>
-              <a:buNone/>
-              <a:defRPr b="0" i="0" sz="1800" u="none" cap="none" strike="noStrike">
+            <a:lvl3pPr marR="0" lvl="2" algn="l" rtl="0">
+              <a:spcBef>
+                <a:spcPts val="0"/>
+              </a:spcBef>
+              <a:spcAft>
+                <a:spcPts val="0"/>
+              </a:spcAft>
+              <a:buSzPts val="1400"/>
+              <a:buNone/>
+              <a:defRPr sz="1800" b="0" i="0" u="none" strike="noStrike" cap="none">
                 <a:solidFill>
                   <a:schemeClr val="dk1"/>
                 </a:solidFill>
@@ -10907,16 +11170,16 @@
                 <a:sym typeface="Calibri"/>
               </a:defRPr>
             </a:lvl3pPr>
-            <a:lvl4pPr lvl="3" marR="0" rtl="0" algn="l">
-              <a:spcBef>
-                <a:spcPts val="0"/>
-              </a:spcBef>
-              <a:spcAft>
-                <a:spcPts val="0"/>
-              </a:spcAft>
-              <a:buSzPts val="1400"/>
-              <a:buNone/>
-              <a:defRPr b="0" i="0" sz="1800" u="none" cap="none" strike="noStrike">
+            <a:lvl4pPr marR="0" lvl="3" algn="l" rtl="0">
+              <a:spcBef>
+                <a:spcPts val="0"/>
+              </a:spcBef>
+              <a:spcAft>
+                <a:spcPts val="0"/>
+              </a:spcAft>
+              <a:buSzPts val="1400"/>
+              <a:buNone/>
+              <a:defRPr sz="1800" b="0" i="0" u="none" strike="noStrike" cap="none">
                 <a:solidFill>
                   <a:schemeClr val="dk1"/>
                 </a:solidFill>
@@ -10926,16 +11189,16 @@
                 <a:sym typeface="Calibri"/>
               </a:defRPr>
             </a:lvl4pPr>
-            <a:lvl5pPr lvl="4" marR="0" rtl="0" algn="l">
-              <a:spcBef>
-                <a:spcPts val="0"/>
-              </a:spcBef>
-              <a:spcAft>
-                <a:spcPts val="0"/>
-              </a:spcAft>
-              <a:buSzPts val="1400"/>
-              <a:buNone/>
-              <a:defRPr b="0" i="0" sz="1800" u="none" cap="none" strike="noStrike">
+            <a:lvl5pPr marR="0" lvl="4" algn="l" rtl="0">
+              <a:spcBef>
+                <a:spcPts val="0"/>
+              </a:spcBef>
+              <a:spcAft>
+                <a:spcPts val="0"/>
+              </a:spcAft>
+              <a:buSzPts val="1400"/>
+              <a:buNone/>
+              <a:defRPr sz="1800" b="0" i="0" u="none" strike="noStrike" cap="none">
                 <a:solidFill>
                   <a:schemeClr val="dk1"/>
                 </a:solidFill>
@@ -10945,16 +11208,16 @@
                 <a:sym typeface="Calibri"/>
               </a:defRPr>
             </a:lvl5pPr>
-            <a:lvl6pPr lvl="5" marR="0" rtl="0" algn="l">
-              <a:spcBef>
-                <a:spcPts val="0"/>
-              </a:spcBef>
-              <a:spcAft>
-                <a:spcPts val="0"/>
-              </a:spcAft>
-              <a:buSzPts val="1400"/>
-              <a:buNone/>
-              <a:defRPr b="0" i="0" sz="1800" u="none" cap="none" strike="noStrike">
+            <a:lvl6pPr marR="0" lvl="5" algn="l" rtl="0">
+              <a:spcBef>
+                <a:spcPts val="0"/>
+              </a:spcBef>
+              <a:spcAft>
+                <a:spcPts val="0"/>
+              </a:spcAft>
+              <a:buSzPts val="1400"/>
+              <a:buNone/>
+              <a:defRPr sz="1800" b="0" i="0" u="none" strike="noStrike" cap="none">
                 <a:solidFill>
                   <a:schemeClr val="dk1"/>
                 </a:solidFill>
@@ -10964,16 +11227,16 @@
                 <a:sym typeface="Calibri"/>
               </a:defRPr>
             </a:lvl6pPr>
-            <a:lvl7pPr lvl="6" marR="0" rtl="0" algn="l">
-              <a:spcBef>
-                <a:spcPts val="0"/>
-              </a:spcBef>
-              <a:spcAft>
-                <a:spcPts val="0"/>
-              </a:spcAft>
-              <a:buSzPts val="1400"/>
-              <a:buNone/>
-              <a:defRPr b="0" i="0" sz="1800" u="none" cap="none" strike="noStrike">
+            <a:lvl7pPr marR="0" lvl="6" algn="l" rtl="0">
+              <a:spcBef>
+                <a:spcPts val="0"/>
+              </a:spcBef>
+              <a:spcAft>
+                <a:spcPts val="0"/>
+              </a:spcAft>
+              <a:buSzPts val="1400"/>
+              <a:buNone/>
+              <a:defRPr sz="1800" b="0" i="0" u="none" strike="noStrike" cap="none">
                 <a:solidFill>
                   <a:schemeClr val="dk1"/>
                 </a:solidFill>
@@ -10983,16 +11246,16 @@
                 <a:sym typeface="Calibri"/>
               </a:defRPr>
             </a:lvl7pPr>
-            <a:lvl8pPr lvl="7" marR="0" rtl="0" algn="l">
-              <a:spcBef>
-                <a:spcPts val="0"/>
-              </a:spcBef>
-              <a:spcAft>
-                <a:spcPts val="0"/>
-              </a:spcAft>
-              <a:buSzPts val="1400"/>
-              <a:buNone/>
-              <a:defRPr b="0" i="0" sz="1800" u="none" cap="none" strike="noStrike">
+            <a:lvl8pPr marR="0" lvl="7" algn="l" rtl="0">
+              <a:spcBef>
+                <a:spcPts val="0"/>
+              </a:spcBef>
+              <a:spcAft>
+                <a:spcPts val="0"/>
+              </a:spcAft>
+              <a:buSzPts val="1400"/>
+              <a:buNone/>
+              <a:defRPr sz="1800" b="0" i="0" u="none" strike="noStrike" cap="none">
                 <a:solidFill>
                   <a:schemeClr val="dk1"/>
                 </a:solidFill>
@@ -11002,16 +11265,16 @@
                 <a:sym typeface="Calibri"/>
               </a:defRPr>
             </a:lvl8pPr>
-            <a:lvl9pPr lvl="8" marR="0" rtl="0" algn="l">
-              <a:spcBef>
-                <a:spcPts val="0"/>
-              </a:spcBef>
-              <a:spcAft>
-                <a:spcPts val="0"/>
-              </a:spcAft>
-              <a:buSzPts val="1400"/>
-              <a:buNone/>
-              <a:defRPr b="0" i="0" sz="1800" u="none" cap="none" strike="noStrike">
+            <a:lvl9pPr marR="0" lvl="8" algn="l" rtl="0">
+              <a:spcBef>
+                <a:spcPts val="0"/>
+              </a:spcBef>
+              <a:spcAft>
+                <a:spcPts val="0"/>
+              </a:spcAft>
+              <a:buSzPts val="1400"/>
+              <a:buNone/>
+              <a:defRPr sz="1800" b="0" i="0" u="none" strike="noStrike" cap="none">
                 <a:solidFill>
                   <a:schemeClr val="dk1"/>
                 </a:solidFill>
@@ -11022,15 +11285,19 @@
               </a:defRPr>
             </a:lvl9pPr>
           </a:lstStyle>
-          <a:p/>
+          <a:p>
+            <a:endParaRPr/>
+          </a:p>
         </p:txBody>
       </p:sp>
       <p:sp>
         <p:nvSpPr>
           <p:cNvPr id="14" name="Google Shape;14;p2"/>
-          <p:cNvSpPr txBox="1"/>
+          <p:cNvSpPr txBox="1">
+            <a:spLocks noGrp="1"/>
+          </p:cNvSpPr>
           <p:nvPr>
-            <p:ph idx="12" type="sldNum"/>
+            <p:ph type="sldNum" idx="12"/>
           </p:nvPr>
         </p:nvSpPr>
         <p:spPr>
@@ -11047,16 +11314,16 @@
           </a:ln>
         </p:spPr>
         <p:txBody>
-          <a:bodyPr anchorCtr="0" anchor="ctr" bIns="45700" lIns="91425" spcFirstLastPara="1" rIns="91425" wrap="square" tIns="45700">
+          <a:bodyPr spcFirstLastPara="1" wrap="square" lIns="91425" tIns="45700" rIns="91425" bIns="45700" anchor="ctr" anchorCtr="0">
             <a:noAutofit/>
           </a:bodyPr>
           <a:lstStyle>
-            <a:lvl1pPr indent="0" lvl="0" marL="0" marR="0" rtl="0" algn="r">
-              <a:spcBef>
-                <a:spcPts val="0"/>
-              </a:spcBef>
-              <a:buNone/>
-              <a:defRPr b="0" i="0" sz="1200" u="none" cap="none" strike="noStrike">
+            <a:lvl1pPr marL="0" marR="0" lvl="0" indent="0" algn="r" rtl="0">
+              <a:spcBef>
+                <a:spcPts val="0"/>
+              </a:spcBef>
+              <a:buNone/>
+              <a:defRPr sz="1200" b="0" i="0" u="none" strike="noStrike" cap="none">
                 <a:solidFill>
                   <a:srgbClr val="888888"/>
                 </a:solidFill>
@@ -11066,12 +11333,12 @@
                 <a:sym typeface="Calibri"/>
               </a:defRPr>
             </a:lvl1pPr>
-            <a:lvl2pPr indent="0" lvl="1" marL="0" marR="0" rtl="0" algn="r">
-              <a:spcBef>
-                <a:spcPts val="0"/>
-              </a:spcBef>
-              <a:buNone/>
-              <a:defRPr b="0" i="0" sz="1200" u="none" cap="none" strike="noStrike">
+            <a:lvl2pPr marL="0" marR="0" lvl="1" indent="0" algn="r" rtl="0">
+              <a:spcBef>
+                <a:spcPts val="0"/>
+              </a:spcBef>
+              <a:buNone/>
+              <a:defRPr sz="1200" b="0" i="0" u="none" strike="noStrike" cap="none">
                 <a:solidFill>
                   <a:srgbClr val="888888"/>
                 </a:solidFill>
@@ -11081,12 +11348,12 @@
                 <a:sym typeface="Calibri"/>
               </a:defRPr>
             </a:lvl2pPr>
-            <a:lvl3pPr indent="0" lvl="2" marL="0" marR="0" rtl="0" algn="r">
-              <a:spcBef>
-                <a:spcPts val="0"/>
-              </a:spcBef>
-              <a:buNone/>
-              <a:defRPr b="0" i="0" sz="1200" u="none" cap="none" strike="noStrike">
+            <a:lvl3pPr marL="0" marR="0" lvl="2" indent="0" algn="r" rtl="0">
+              <a:spcBef>
+                <a:spcPts val="0"/>
+              </a:spcBef>
+              <a:buNone/>
+              <a:defRPr sz="1200" b="0" i="0" u="none" strike="noStrike" cap="none">
                 <a:solidFill>
                   <a:srgbClr val="888888"/>
                 </a:solidFill>
@@ -11096,12 +11363,12 @@
                 <a:sym typeface="Calibri"/>
               </a:defRPr>
             </a:lvl3pPr>
-            <a:lvl4pPr indent="0" lvl="3" marL="0" marR="0" rtl="0" algn="r">
-              <a:spcBef>
-                <a:spcPts val="0"/>
-              </a:spcBef>
-              <a:buNone/>
-              <a:defRPr b="0" i="0" sz="1200" u="none" cap="none" strike="noStrike">
+            <a:lvl4pPr marL="0" marR="0" lvl="3" indent="0" algn="r" rtl="0">
+              <a:spcBef>
+                <a:spcPts val="0"/>
+              </a:spcBef>
+              <a:buNone/>
+              <a:defRPr sz="1200" b="0" i="0" u="none" strike="noStrike" cap="none">
                 <a:solidFill>
                   <a:srgbClr val="888888"/>
                 </a:solidFill>
@@ -11111,12 +11378,12 @@
                 <a:sym typeface="Calibri"/>
               </a:defRPr>
             </a:lvl4pPr>
-            <a:lvl5pPr indent="0" lvl="4" marL="0" marR="0" rtl="0" algn="r">
-              <a:spcBef>
-                <a:spcPts val="0"/>
-              </a:spcBef>
-              <a:buNone/>
-              <a:defRPr b="0" i="0" sz="1200" u="none" cap="none" strike="noStrike">
+            <a:lvl5pPr marL="0" marR="0" lvl="4" indent="0" algn="r" rtl="0">
+              <a:spcBef>
+                <a:spcPts val="0"/>
+              </a:spcBef>
+              <a:buNone/>
+              <a:defRPr sz="1200" b="0" i="0" u="none" strike="noStrike" cap="none">
                 <a:solidFill>
                   <a:srgbClr val="888888"/>
                 </a:solidFill>
@@ -11126,12 +11393,12 @@
                 <a:sym typeface="Calibri"/>
               </a:defRPr>
             </a:lvl5pPr>
-            <a:lvl6pPr indent="0" lvl="5" marL="0" marR="0" rtl="0" algn="r">
-              <a:spcBef>
-                <a:spcPts val="0"/>
-              </a:spcBef>
-              <a:buNone/>
-              <a:defRPr b="0" i="0" sz="1200" u="none" cap="none" strike="noStrike">
+            <a:lvl6pPr marL="0" marR="0" lvl="5" indent="0" algn="r" rtl="0">
+              <a:spcBef>
+                <a:spcPts val="0"/>
+              </a:spcBef>
+              <a:buNone/>
+              <a:defRPr sz="1200" b="0" i="0" u="none" strike="noStrike" cap="none">
                 <a:solidFill>
                   <a:srgbClr val="888888"/>
                 </a:solidFill>
@@ -11141,12 +11408,12 @@
                 <a:sym typeface="Calibri"/>
               </a:defRPr>
             </a:lvl6pPr>
-            <a:lvl7pPr indent="0" lvl="6" marL="0" marR="0" rtl="0" algn="r">
-              <a:spcBef>
-                <a:spcPts val="0"/>
-              </a:spcBef>
-              <a:buNone/>
-              <a:defRPr b="0" i="0" sz="1200" u="none" cap="none" strike="noStrike">
+            <a:lvl7pPr marL="0" marR="0" lvl="6" indent="0" algn="r" rtl="0">
+              <a:spcBef>
+                <a:spcPts val="0"/>
+              </a:spcBef>
+              <a:buNone/>
+              <a:defRPr sz="1200" b="0" i="0" u="none" strike="noStrike" cap="none">
                 <a:solidFill>
                   <a:srgbClr val="888888"/>
                 </a:solidFill>
@@ -11156,12 +11423,12 @@
                 <a:sym typeface="Calibri"/>
               </a:defRPr>
             </a:lvl7pPr>
-            <a:lvl8pPr indent="0" lvl="7" marL="0" marR="0" rtl="0" algn="r">
-              <a:spcBef>
-                <a:spcPts val="0"/>
-              </a:spcBef>
-              <a:buNone/>
-              <a:defRPr b="0" i="0" sz="1200" u="none" cap="none" strike="noStrike">
+            <a:lvl8pPr marL="0" marR="0" lvl="7" indent="0" algn="r" rtl="0">
+              <a:spcBef>
+                <a:spcPts val="0"/>
+              </a:spcBef>
+              <a:buNone/>
+              <a:defRPr sz="1200" b="0" i="0" u="none" strike="noStrike" cap="none">
                 <a:solidFill>
                   <a:srgbClr val="888888"/>
                 </a:solidFill>
@@ -11171,12 +11438,12 @@
                 <a:sym typeface="Calibri"/>
               </a:defRPr>
             </a:lvl8pPr>
-            <a:lvl9pPr indent="0" lvl="8" marL="0" marR="0" rtl="0" algn="r">
-              <a:spcBef>
-                <a:spcPts val="0"/>
-              </a:spcBef>
-              <a:buNone/>
-              <a:defRPr b="0" i="0" sz="1200" u="none" cap="none" strike="noStrike">
+            <a:lvl9pPr marL="0" marR="0" lvl="8" indent="0" algn="r" rtl="0">
+              <a:spcBef>
+                <a:spcPts val="0"/>
+              </a:spcBef>
+              <a:buNone/>
+              <a:defRPr sz="1200" b="0" i="0" u="none" strike="noStrike" cap="none">
                 <a:solidFill>
                   <a:srgbClr val="888888"/>
                 </a:solidFill>
@@ -11188,7 +11455,7 @@
             </a:lvl9pPr>
           </a:lstStyle>
           <a:p>
-            <a:pPr indent="0" lvl="0" marL="0" rtl="0" algn="r">
+            <a:pPr marL="0" lvl="0" indent="0" algn="r" rtl="0">
               <a:spcBef>
                 <a:spcPts val="0"/>
               </a:spcBef>
@@ -11207,7 +11474,7 @@
       </p:sp>
     </p:spTree>
   </p:cSld>
-  <p:clrMap accent1="accent1" accent2="accent2" accent3="accent3" accent4="accent4" accent5="accent5" accent6="accent6" bg1="lt1" bg2="dk2" tx1="dk1" tx2="lt2" folHlink="folHlink" hlink="hlink"/>
+  <p:clrMap bg1="lt1" tx1="dk1" bg2="dk2" tx2="lt2" accent1="accent1" accent2="accent2" accent3="accent3" accent4="accent4" accent5="accent5" accent6="accent6" hlink="hlink" folHlink="folHlink"/>
   <p:sldLayoutIdLst>
     <p:sldLayoutId id="2147483649" r:id="rId1"/>
     <p:sldLayoutId id="2147483650" r:id="rId2"/>
@@ -11221,10 +11488,10 @@
     <p:sldLayoutId id="2147483658" r:id="rId10"/>
     <p:sldLayoutId id="2147483659" r:id="rId11"/>
   </p:sldLayoutIdLst>
-  <p:hf dt="0" ftr="0" hdr="0" sldNum="0"/>
+  <p:hf sldNum="0" hdr="0" ftr="0" dt="0"/>
   <p:txStyles>
     <p:titleStyle>
-      <a:defPPr lvl="0" marR="0" rtl="0" algn="l">
+      <a:defPPr marR="0" lvl="0" algn="l" rtl="0">
         <a:lnSpc>
           <a:spcPct val="100000"/>
         </a:lnSpc>
@@ -11235,7 +11502,7 @@
           <a:spcPts val="0"/>
         </a:spcAft>
       </a:defPPr>
-      <a:lvl1pPr lvl="0" marR="0" rtl="0" algn="l">
+      <a:lvl1pPr marR="0" lvl="0" algn="l" rtl="0">
         <a:lnSpc>
           <a:spcPct val="100000"/>
         </a:lnSpc>
@@ -11249,7 +11516,7 @@
           <a:srgbClr val="000000"/>
         </a:buClr>
         <a:buFont typeface="Arial"/>
-        <a:defRPr b="0" i="0" sz="1400" u="none" cap="none" strike="noStrike">
+        <a:defRPr sz="1400" b="0" i="0" u="none" strike="noStrike" cap="none">
           <a:solidFill>
             <a:srgbClr val="000000"/>
           </a:solidFill>
@@ -11259,7 +11526,7 @@
           <a:sym typeface="Arial"/>
         </a:defRPr>
       </a:lvl1pPr>
-      <a:lvl2pPr lvl="1" marR="0" rtl="0" algn="l">
+      <a:lvl2pPr marR="0" lvl="1" algn="l" rtl="0">
         <a:lnSpc>
           <a:spcPct val="100000"/>
         </a:lnSpc>
@@ -11273,7 +11540,7 @@
           <a:srgbClr val="000000"/>
         </a:buClr>
         <a:buFont typeface="Arial"/>
-        <a:defRPr b="0" i="0" sz="1400" u="none" cap="none" strike="noStrike">
+        <a:defRPr sz="1400" b="0" i="0" u="none" strike="noStrike" cap="none">
           <a:solidFill>
             <a:srgbClr val="000000"/>
           </a:solidFill>
@@ -11283,7 +11550,7 @@
           <a:sym typeface="Arial"/>
         </a:defRPr>
       </a:lvl2pPr>
-      <a:lvl3pPr lvl="2" marR="0" rtl="0" algn="l">
+      <a:lvl3pPr marR="0" lvl="2" algn="l" rtl="0">
         <a:lnSpc>
           <a:spcPct val="100000"/>
         </a:lnSpc>
@@ -11297,7 +11564,7 @@
           <a:srgbClr val="000000"/>
         </a:buClr>
         <a:buFont typeface="Arial"/>
-        <a:defRPr b="0" i="0" sz="1400" u="none" cap="none" strike="noStrike">
+        <a:defRPr sz="1400" b="0" i="0" u="none" strike="noStrike" cap="none">
           <a:solidFill>
             <a:srgbClr val="000000"/>
           </a:solidFill>
@@ -11307,7 +11574,7 @@
           <a:sym typeface="Arial"/>
         </a:defRPr>
       </a:lvl3pPr>
-      <a:lvl4pPr lvl="3" marR="0" rtl="0" algn="l">
+      <a:lvl4pPr marR="0" lvl="3" algn="l" rtl="0">
         <a:lnSpc>
           <a:spcPct val="100000"/>
         </a:lnSpc>
@@ -11321,7 +11588,7 @@
           <a:srgbClr val="000000"/>
         </a:buClr>
         <a:buFont typeface="Arial"/>
-        <a:defRPr b="0" i="0" sz="1400" u="none" cap="none" strike="noStrike">
+        <a:defRPr sz="1400" b="0" i="0" u="none" strike="noStrike" cap="none">
           <a:solidFill>
             <a:srgbClr val="000000"/>
           </a:solidFill>
@@ -11331,7 +11598,7 @@
           <a:sym typeface="Arial"/>
         </a:defRPr>
       </a:lvl4pPr>
-      <a:lvl5pPr lvl="4" marR="0" rtl="0" algn="l">
+      <a:lvl5pPr marR="0" lvl="4" algn="l" rtl="0">
         <a:lnSpc>
           <a:spcPct val="100000"/>
         </a:lnSpc>
@@ -11345,7 +11612,7 @@
           <a:srgbClr val="000000"/>
         </a:buClr>
         <a:buFont typeface="Arial"/>
-        <a:defRPr b="0" i="0" sz="1400" u="none" cap="none" strike="noStrike">
+        <a:defRPr sz="1400" b="0" i="0" u="none" strike="noStrike" cap="none">
           <a:solidFill>
             <a:srgbClr val="000000"/>
           </a:solidFill>
@@ -11355,7 +11622,7 @@
           <a:sym typeface="Arial"/>
         </a:defRPr>
       </a:lvl5pPr>
-      <a:lvl6pPr lvl="5" marR="0" rtl="0" algn="l">
+      <a:lvl6pPr marR="0" lvl="5" algn="l" rtl="0">
         <a:lnSpc>
           <a:spcPct val="100000"/>
         </a:lnSpc>
@@ -11369,7 +11636,7 @@
           <a:srgbClr val="000000"/>
         </a:buClr>
         <a:buFont typeface="Arial"/>
-        <a:defRPr b="0" i="0" sz="1400" u="none" cap="none" strike="noStrike">
+        <a:defRPr sz="1400" b="0" i="0" u="none" strike="noStrike" cap="none">
           <a:solidFill>
             <a:srgbClr val="000000"/>
           </a:solidFill>
@@ -11379,7 +11646,7 @@
           <a:sym typeface="Arial"/>
         </a:defRPr>
       </a:lvl6pPr>
-      <a:lvl7pPr lvl="6" marR="0" rtl="0" algn="l">
+      <a:lvl7pPr marR="0" lvl="6" algn="l" rtl="0">
         <a:lnSpc>
           <a:spcPct val="100000"/>
         </a:lnSpc>
@@ -11393,7 +11660,7 @@
           <a:srgbClr val="000000"/>
         </a:buClr>
         <a:buFont typeface="Arial"/>
-        <a:defRPr b="0" i="0" sz="1400" u="none" cap="none" strike="noStrike">
+        <a:defRPr sz="1400" b="0" i="0" u="none" strike="noStrike" cap="none">
           <a:solidFill>
             <a:srgbClr val="000000"/>
           </a:solidFill>
@@ -11403,7 +11670,7 @@
           <a:sym typeface="Arial"/>
         </a:defRPr>
       </a:lvl7pPr>
-      <a:lvl8pPr lvl="7" marR="0" rtl="0" algn="l">
+      <a:lvl8pPr marR="0" lvl="7" algn="l" rtl="0">
         <a:lnSpc>
           <a:spcPct val="100000"/>
         </a:lnSpc>
@@ -11417,7 +11684,7 @@
           <a:srgbClr val="000000"/>
         </a:buClr>
         <a:buFont typeface="Arial"/>
-        <a:defRPr b="0" i="0" sz="1400" u="none" cap="none" strike="noStrike">
+        <a:defRPr sz="1400" b="0" i="0" u="none" strike="noStrike" cap="none">
           <a:solidFill>
             <a:srgbClr val="000000"/>
           </a:solidFill>
@@ -11427,7 +11694,7 @@
           <a:sym typeface="Arial"/>
         </a:defRPr>
       </a:lvl8pPr>
-      <a:lvl9pPr lvl="8" marR="0" rtl="0" algn="l">
+      <a:lvl9pPr marR="0" lvl="8" algn="l" rtl="0">
         <a:lnSpc>
           <a:spcPct val="100000"/>
         </a:lnSpc>
@@ -11441,7 +11708,7 @@
           <a:srgbClr val="000000"/>
         </a:buClr>
         <a:buFont typeface="Arial"/>
-        <a:defRPr b="0" i="0" sz="1400" u="none" cap="none" strike="noStrike">
+        <a:defRPr sz="1400" b="0" i="0" u="none" strike="noStrike" cap="none">
           <a:solidFill>
             <a:srgbClr val="000000"/>
           </a:solidFill>
@@ -11453,7 +11720,7 @@
       </a:lvl9pPr>
     </p:titleStyle>
     <p:bodyStyle>
-      <a:defPPr lvl="0" marR="0" rtl="0" algn="l">
+      <a:defPPr marR="0" lvl="0" algn="l" rtl="0">
         <a:lnSpc>
           <a:spcPct val="100000"/>
         </a:lnSpc>
@@ -11464,7 +11731,7 @@
           <a:spcPts val="0"/>
         </a:spcAft>
       </a:defPPr>
-      <a:lvl1pPr lvl="0" marR="0" rtl="0" algn="l">
+      <a:lvl1pPr marR="0" lvl="0" algn="l" rtl="0">
         <a:lnSpc>
           <a:spcPct val="100000"/>
         </a:lnSpc>
@@ -11478,7 +11745,7 @@
           <a:srgbClr val="000000"/>
         </a:buClr>
         <a:buFont typeface="Arial"/>
-        <a:defRPr b="0" i="0" sz="1400" u="none" cap="none" strike="noStrike">
+        <a:defRPr sz="1400" b="0" i="0" u="none" strike="noStrike" cap="none">
           <a:solidFill>
             <a:srgbClr val="000000"/>
           </a:solidFill>
@@ -11488,7 +11755,7 @@
           <a:sym typeface="Arial"/>
         </a:defRPr>
       </a:lvl1pPr>
-      <a:lvl2pPr lvl="1" marR="0" rtl="0" algn="l">
+      <a:lvl2pPr marR="0" lvl="1" algn="l" rtl="0">
         <a:lnSpc>
           <a:spcPct val="100000"/>
         </a:lnSpc>
@@ -11502,7 +11769,7 @@
           <a:srgbClr val="000000"/>
         </a:buClr>
         <a:buFont typeface="Arial"/>
-        <a:defRPr b="0" i="0" sz="1400" u="none" cap="none" strike="noStrike">
+        <a:defRPr sz="1400" b="0" i="0" u="none" strike="noStrike" cap="none">
           <a:solidFill>
             <a:srgbClr val="000000"/>
           </a:solidFill>
@@ -11512,7 +11779,7 @@
           <a:sym typeface="Arial"/>
         </a:defRPr>
       </a:lvl2pPr>
-      <a:lvl3pPr lvl="2" marR="0" rtl="0" algn="l">
+      <a:lvl3pPr marR="0" lvl="2" algn="l" rtl="0">
         <a:lnSpc>
           <a:spcPct val="100000"/>
         </a:lnSpc>
@@ -11526,7 +11793,7 @@
           <a:srgbClr val="000000"/>
         </a:buClr>
         <a:buFont typeface="Arial"/>
-        <a:defRPr b="0" i="0" sz="1400" u="none" cap="none" strike="noStrike">
+        <a:defRPr sz="1400" b="0" i="0" u="none" strike="noStrike" cap="none">
           <a:solidFill>
             <a:srgbClr val="000000"/>
           </a:solidFill>
@@ -11536,7 +11803,7 @@
           <a:sym typeface="Arial"/>
         </a:defRPr>
       </a:lvl3pPr>
-      <a:lvl4pPr lvl="3" marR="0" rtl="0" algn="l">
+      <a:lvl4pPr marR="0" lvl="3" algn="l" rtl="0">
         <a:lnSpc>
           <a:spcPct val="100000"/>
         </a:lnSpc>
@@ -11550,7 +11817,7 @@
           <a:srgbClr val="000000"/>
         </a:buClr>
         <a:buFont typeface="Arial"/>
-        <a:defRPr b="0" i="0" sz="1400" u="none" cap="none" strike="noStrike">
+        <a:defRPr sz="1400" b="0" i="0" u="none" strike="noStrike" cap="none">
           <a:solidFill>
             <a:srgbClr val="000000"/>
           </a:solidFill>
@@ -11560,7 +11827,7 @@
           <a:sym typeface="Arial"/>
         </a:defRPr>
       </a:lvl4pPr>
-      <a:lvl5pPr lvl="4" marR="0" rtl="0" algn="l">
+      <a:lvl5pPr marR="0" lvl="4" algn="l" rtl="0">
         <a:lnSpc>
           <a:spcPct val="100000"/>
         </a:lnSpc>
@@ -11574,7 +11841,7 @@
           <a:srgbClr val="000000"/>
         </a:buClr>
         <a:buFont typeface="Arial"/>
-        <a:defRPr b="0" i="0" sz="1400" u="none" cap="none" strike="noStrike">
+        <a:defRPr sz="1400" b="0" i="0" u="none" strike="noStrike" cap="none">
           <a:solidFill>
             <a:srgbClr val="000000"/>
           </a:solidFill>
@@ -11584,7 +11851,7 @@
           <a:sym typeface="Arial"/>
         </a:defRPr>
       </a:lvl5pPr>
-      <a:lvl6pPr lvl="5" marR="0" rtl="0" algn="l">
+      <a:lvl6pPr marR="0" lvl="5" algn="l" rtl="0">
         <a:lnSpc>
           <a:spcPct val="100000"/>
         </a:lnSpc>
@@ -11598,7 +11865,7 @@
           <a:srgbClr val="000000"/>
         </a:buClr>
         <a:buFont typeface="Arial"/>
-        <a:defRPr b="0" i="0" sz="1400" u="none" cap="none" strike="noStrike">
+        <a:defRPr sz="1400" b="0" i="0" u="none" strike="noStrike" cap="none">
           <a:solidFill>
             <a:srgbClr val="000000"/>
           </a:solidFill>
@@ -11608,7 +11875,7 @@
           <a:sym typeface="Arial"/>
         </a:defRPr>
       </a:lvl6pPr>
-      <a:lvl7pPr lvl="6" marR="0" rtl="0" algn="l">
+      <a:lvl7pPr marR="0" lvl="6" algn="l" rtl="0">
         <a:lnSpc>
           <a:spcPct val="100000"/>
         </a:lnSpc>
@@ -11622,7 +11889,7 @@
           <a:srgbClr val="000000"/>
         </a:buClr>
         <a:buFont typeface="Arial"/>
-        <a:defRPr b="0" i="0" sz="1400" u="none" cap="none" strike="noStrike">
+        <a:defRPr sz="1400" b="0" i="0" u="none" strike="noStrike" cap="none">
           <a:solidFill>
             <a:srgbClr val="000000"/>
           </a:solidFill>
@@ -11632,7 +11899,7 @@
           <a:sym typeface="Arial"/>
         </a:defRPr>
       </a:lvl7pPr>
-      <a:lvl8pPr lvl="7" marR="0" rtl="0" algn="l">
+      <a:lvl8pPr marR="0" lvl="7" algn="l" rtl="0">
         <a:lnSpc>
           <a:spcPct val="100000"/>
         </a:lnSpc>
@@ -11646,7 +11913,7 @@
           <a:srgbClr val="000000"/>
         </a:buClr>
         <a:buFont typeface="Arial"/>
-        <a:defRPr b="0" i="0" sz="1400" u="none" cap="none" strike="noStrike">
+        <a:defRPr sz="1400" b="0" i="0" u="none" strike="noStrike" cap="none">
           <a:solidFill>
             <a:srgbClr val="000000"/>
           </a:solidFill>
@@ -11656,7 +11923,7 @@
           <a:sym typeface="Arial"/>
         </a:defRPr>
       </a:lvl8pPr>
-      <a:lvl9pPr lvl="8" marR="0" rtl="0" algn="l">
+      <a:lvl9pPr marR="0" lvl="8" algn="l" rtl="0">
         <a:lnSpc>
           <a:spcPct val="100000"/>
         </a:lnSpc>
@@ -11670,7 +11937,7 @@
           <a:srgbClr val="000000"/>
         </a:buClr>
         <a:buFont typeface="Arial"/>
-        <a:defRPr b="0" i="0" sz="1400" u="none" cap="none" strike="noStrike">
+        <a:defRPr sz="1400" b="0" i="0" u="none" strike="noStrike" cap="none">
           <a:solidFill>
             <a:srgbClr val="000000"/>
           </a:solidFill>
@@ -11682,7 +11949,7 @@
       </a:lvl9pPr>
     </p:bodyStyle>
     <p:otherStyle>
-      <a:defPPr lvl="0" marR="0" rtl="0" algn="l">
+      <a:defPPr marR="0" lvl="0" algn="l" rtl="0">
         <a:lnSpc>
           <a:spcPct val="100000"/>
         </a:lnSpc>
@@ -11693,7 +11960,7 @@
           <a:spcPts val="0"/>
         </a:spcAft>
       </a:defPPr>
-      <a:lvl1pPr lvl="0" marR="0" rtl="0" algn="l">
+      <a:lvl1pPr marR="0" lvl="0" algn="l" rtl="0">
         <a:lnSpc>
           <a:spcPct val="100000"/>
         </a:lnSpc>
@@ -11707,7 +11974,7 @@
           <a:srgbClr val="000000"/>
         </a:buClr>
         <a:buFont typeface="Arial"/>
-        <a:defRPr b="0" i="0" sz="1400" u="none" cap="none" strike="noStrike">
+        <a:defRPr sz="1400" b="0" i="0" u="none" strike="noStrike" cap="none">
           <a:solidFill>
             <a:srgbClr val="000000"/>
           </a:solidFill>
@@ -11717,7 +11984,7 @@
           <a:sym typeface="Arial"/>
         </a:defRPr>
       </a:lvl1pPr>
-      <a:lvl2pPr lvl="1" marR="0" rtl="0" algn="l">
+      <a:lvl2pPr marR="0" lvl="1" algn="l" rtl="0">
         <a:lnSpc>
           <a:spcPct val="100000"/>
         </a:lnSpc>
@@ -11731,7 +11998,7 @@
           <a:srgbClr val="000000"/>
         </a:buClr>
         <a:buFont typeface="Arial"/>
-        <a:defRPr b="0" i="0" sz="1400" u="none" cap="none" strike="noStrike">
+        <a:defRPr sz="1400" b="0" i="0" u="none" strike="noStrike" cap="none">
           <a:solidFill>
             <a:srgbClr val="000000"/>
           </a:solidFill>
@@ -11741,7 +12008,7 @@
           <a:sym typeface="Arial"/>
         </a:defRPr>
       </a:lvl2pPr>
-      <a:lvl3pPr lvl="2" marR="0" rtl="0" algn="l">
+      <a:lvl3pPr marR="0" lvl="2" algn="l" rtl="0">
         <a:lnSpc>
           <a:spcPct val="100000"/>
         </a:lnSpc>
@@ -11755,7 +12022,7 @@
           <a:srgbClr val="000000"/>
         </a:buClr>
         <a:buFont typeface="Arial"/>
-        <a:defRPr b="0" i="0" sz="1400" u="none" cap="none" strike="noStrike">
+        <a:defRPr sz="1400" b="0" i="0" u="none" strike="noStrike" cap="none">
           <a:solidFill>
             <a:srgbClr val="000000"/>
           </a:solidFill>
@@ -11765,7 +12032,7 @@
           <a:sym typeface="Arial"/>
         </a:defRPr>
       </a:lvl3pPr>
-      <a:lvl4pPr lvl="3" marR="0" rtl="0" algn="l">
+      <a:lvl4pPr marR="0" lvl="3" algn="l" rtl="0">
         <a:lnSpc>
           <a:spcPct val="100000"/>
         </a:lnSpc>
@@ -11779,7 +12046,7 @@
           <a:srgbClr val="000000"/>
         </a:buClr>
         <a:buFont typeface="Arial"/>
-        <a:defRPr b="0" i="0" sz="1400" u="none" cap="none" strike="noStrike">
+        <a:defRPr sz="1400" b="0" i="0" u="none" strike="noStrike" cap="none">
           <a:solidFill>
             <a:srgbClr val="000000"/>
           </a:solidFill>
@@ -11789,7 +12056,7 @@
           <a:sym typeface="Arial"/>
         </a:defRPr>
       </a:lvl4pPr>
-      <a:lvl5pPr lvl="4" marR="0" rtl="0" algn="l">
+      <a:lvl5pPr marR="0" lvl="4" algn="l" rtl="0">
         <a:lnSpc>
           <a:spcPct val="100000"/>
         </a:lnSpc>
@@ -11803,7 +12070,7 @@
           <a:srgbClr val="000000"/>
         </a:buClr>
         <a:buFont typeface="Arial"/>
-        <a:defRPr b="0" i="0" sz="1400" u="none" cap="none" strike="noStrike">
+        <a:defRPr sz="1400" b="0" i="0" u="none" strike="noStrike" cap="none">
           <a:solidFill>
             <a:srgbClr val="000000"/>
           </a:solidFill>
@@ -11813,7 +12080,7 @@
           <a:sym typeface="Arial"/>
         </a:defRPr>
       </a:lvl5pPr>
-      <a:lvl6pPr lvl="5" marR="0" rtl="0" algn="l">
+      <a:lvl6pPr marR="0" lvl="5" algn="l" rtl="0">
         <a:lnSpc>
           <a:spcPct val="100000"/>
         </a:lnSpc>
@@ -11827,7 +12094,7 @@
           <a:srgbClr val="000000"/>
         </a:buClr>
         <a:buFont typeface="Arial"/>
-        <a:defRPr b="0" i="0" sz="1400" u="none" cap="none" strike="noStrike">
+        <a:defRPr sz="1400" b="0" i="0" u="none" strike="noStrike" cap="none">
           <a:solidFill>
             <a:srgbClr val="000000"/>
           </a:solidFill>
@@ -11837,7 +12104,7 @@
           <a:sym typeface="Arial"/>
         </a:defRPr>
       </a:lvl6pPr>
-      <a:lvl7pPr lvl="6" marR="0" rtl="0" algn="l">
+      <a:lvl7pPr marR="0" lvl="6" algn="l" rtl="0">
         <a:lnSpc>
           <a:spcPct val="100000"/>
         </a:lnSpc>
@@ -11851,7 +12118,7 @@
           <a:srgbClr val="000000"/>
         </a:buClr>
         <a:buFont typeface="Arial"/>
-        <a:defRPr b="0" i="0" sz="1400" u="none" cap="none" strike="noStrike">
+        <a:defRPr sz="1400" b="0" i="0" u="none" strike="noStrike" cap="none">
           <a:solidFill>
             <a:srgbClr val="000000"/>
           </a:solidFill>
@@ -11861,7 +12128,7 @@
           <a:sym typeface="Arial"/>
         </a:defRPr>
       </a:lvl7pPr>
-      <a:lvl8pPr lvl="7" marR="0" rtl="0" algn="l">
+      <a:lvl8pPr marR="0" lvl="7" algn="l" rtl="0">
         <a:lnSpc>
           <a:spcPct val="100000"/>
         </a:lnSpc>
@@ -11875,7 +12142,7 @@
           <a:srgbClr val="000000"/>
         </a:buClr>
         <a:buFont typeface="Arial"/>
-        <a:defRPr b="0" i="0" sz="1400" u="none" cap="none" strike="noStrike">
+        <a:defRPr sz="1400" b="0" i="0" u="none" strike="noStrike" cap="none">
           <a:solidFill>
             <a:srgbClr val="000000"/>
           </a:solidFill>
@@ -11885,7 +12152,7 @@
           <a:sym typeface="Arial"/>
         </a:defRPr>
       </a:lvl8pPr>
-      <a:lvl9pPr lvl="8" marR="0" rtl="0" algn="l">
+      <a:lvl9pPr marR="0" lvl="8" algn="l" rtl="0">
         <a:lnSpc>
           <a:spcPct val="100000"/>
         </a:lnSpc>
@@ -11899,7 +12166,7 @@
           <a:srgbClr val="000000"/>
         </a:buClr>
         <a:buFont typeface="Arial"/>
-        <a:defRPr b="0" i="0" sz="1400" u="none" cap="none" strike="noStrike">
+        <a:defRPr sz="1400" b="0" i="0" u="none" strike="noStrike" cap="none">
           <a:solidFill>
             <a:srgbClr val="000000"/>
           </a:solidFill>
@@ -11915,11 +12182,11 @@
 </file>
 
 <file path=ppt/slides/slide1.xml><?xml version="1.0" encoding="utf-8"?>
-<p:sld xmlns:a="http://schemas.openxmlformats.org/drawingml/2006/main" xmlns:r="http://schemas.openxmlformats.org/officeDocument/2006/relationships" xmlns:mc="http://schemas.openxmlformats.org/markup-compatibility/2006" xmlns:mv="urn:schemas-microsoft-com:mac:vml" xmlns:p="http://schemas.openxmlformats.org/presentationml/2006/main" xmlns:c="http://schemas.openxmlformats.org/drawingml/2006/chart" xmlns:dgm="http://schemas.openxmlformats.org/drawingml/2006/diagram" xmlns:o="urn:schemas-microsoft-com:office:office" xmlns:v="urn:schemas-microsoft-com:vml" xmlns:pvml="urn:schemas-microsoft-com:office:powerpoint" xmlns:com="http://schemas.openxmlformats.org/drawingml/2006/compatibility" xmlns:p14="http://schemas.microsoft.com/office/powerpoint/2010/main" xmlns:p15="http://schemas.microsoft.com/office/powerpoint/2012/main" xmlns:ahyp="http://schemas.microsoft.com/office/drawing/2018/hyperlinkcolor">
+<p:sld xmlns:a="http://schemas.openxmlformats.org/drawingml/2006/main" xmlns:r="http://schemas.openxmlformats.org/officeDocument/2006/relationships" xmlns:p="http://schemas.openxmlformats.org/presentationml/2006/main">
   <p:cSld>
     <p:spTree>
       <p:nvGrpSpPr>
-        <p:cNvPr id="87" name="Shape 87"/>
+        <p:cNvPr id="1" name="Shape 87"/>
         <p:cNvGrpSpPr/>
         <p:nvPr/>
       </p:nvGrpSpPr>
@@ -11941,7 +12208,7 @@
           <a:blip r:embed="rId3">
             <a:alphaModFix/>
           </a:blip>
-          <a:srcRect b="0" l="40765" r="29292" t="0"/>
+          <a:srcRect l="40765" r="29292"/>
           <a:stretch/>
         </p:blipFill>
         <p:spPr>
@@ -11968,7 +12235,7 @@
           <a:blip r:embed="rId4">
             <a:alphaModFix/>
           </a:blip>
-          <a:srcRect b="0" l="0" r="0" t="0"/>
+          <a:srcRect/>
           <a:stretch/>
         </p:blipFill>
         <p:spPr>
@@ -12002,23 +12269,23 @@
           <a:solidFill>
             <a:srgbClr val="FF0000"/>
           </a:solidFill>
-          <a:ln cap="flat" cmpd="sng" w="12700">
+          <a:ln w="12700" cap="flat" cmpd="sng">
             <a:solidFill>
               <a:srgbClr val="FF0000"/>
             </a:solidFill>
             <a:prstDash val="solid"/>
             <a:miter lim="800000"/>
-            <a:headEnd len="sm" w="sm" type="none"/>
-            <a:tailEnd len="sm" w="sm" type="none"/>
+            <a:headEnd type="none" w="sm" len="sm"/>
+            <a:tailEnd type="none" w="sm" len="sm"/>
           </a:ln>
         </p:spPr>
         <p:txBody>
-          <a:bodyPr anchorCtr="0" anchor="ctr" bIns="45700" lIns="91425" spcFirstLastPara="1" rIns="91425" wrap="square" tIns="45700">
+          <a:bodyPr spcFirstLastPara="1" wrap="square" lIns="91425" tIns="45700" rIns="91425" bIns="45700" anchor="ctr" anchorCtr="0">
             <a:noAutofit/>
           </a:bodyPr>
           <a:lstStyle/>
           <a:p>
-            <a:pPr indent="0" lvl="0" marL="0" marR="0" rtl="0" algn="ctr">
+            <a:pPr marL="0" marR="0" lvl="0" indent="0" algn="ctr" rtl="0">
               <a:spcBef>
                 <a:spcPts val="0"/>
               </a:spcBef>
@@ -12027,10 +12294,7 @@
               </a:spcAft>
               <a:buNone/>
             </a:pPr>
-            <a:r>
-              <a:t/>
-            </a:r>
-            <a:endParaRPr b="0" i="0" sz="1800" u="none" cap="none" strike="noStrike">
+            <a:endParaRPr sz="1800" b="0" i="0" u="none" strike="noStrike" cap="none">
               <a:solidFill>
                 <a:schemeClr val="lt1"/>
               </a:solidFill>
@@ -12059,23 +12323,23 @@
           <a:solidFill>
             <a:srgbClr val="00B050"/>
           </a:solidFill>
-          <a:ln cap="flat" cmpd="sng" w="12700">
+          <a:ln w="12700" cap="flat" cmpd="sng">
             <a:solidFill>
               <a:srgbClr val="00B050"/>
             </a:solidFill>
             <a:prstDash val="solid"/>
             <a:miter lim="800000"/>
-            <a:headEnd len="sm" w="sm" type="none"/>
-            <a:tailEnd len="sm" w="sm" type="none"/>
+            <a:headEnd type="none" w="sm" len="sm"/>
+            <a:tailEnd type="none" w="sm" len="sm"/>
           </a:ln>
         </p:spPr>
         <p:txBody>
-          <a:bodyPr anchorCtr="0" anchor="ctr" bIns="45700" lIns="91425" spcFirstLastPara="1" rIns="91425" wrap="square" tIns="45700">
+          <a:bodyPr spcFirstLastPara="1" wrap="square" lIns="91425" tIns="45700" rIns="91425" bIns="45700" anchor="ctr" anchorCtr="0">
             <a:noAutofit/>
           </a:bodyPr>
           <a:lstStyle/>
           <a:p>
-            <a:pPr indent="0" lvl="0" marL="0" marR="0" rtl="0" algn="ctr">
+            <a:pPr marL="0" marR="0" lvl="0" indent="0" algn="ctr" rtl="0">
               <a:spcBef>
                 <a:spcPts val="0"/>
               </a:spcBef>
@@ -12084,10 +12348,7 @@
               </a:spcAft>
               <a:buNone/>
             </a:pPr>
-            <a:r>
-              <a:t/>
-            </a:r>
-            <a:endParaRPr b="0" i="0" sz="1800" u="none" cap="none" strike="noStrike">
+            <a:endParaRPr sz="1800" b="0" i="0" u="none" strike="noStrike" cap="none">
               <a:solidFill>
                 <a:schemeClr val="lt1"/>
               </a:solidFill>
@@ -12116,23 +12377,23 @@
           <a:solidFill>
             <a:srgbClr val="0070C0"/>
           </a:solidFill>
-          <a:ln cap="flat" cmpd="sng" w="12700">
+          <a:ln w="12700" cap="flat" cmpd="sng">
             <a:solidFill>
               <a:srgbClr val="0070C0"/>
             </a:solidFill>
             <a:prstDash val="solid"/>
             <a:miter lim="800000"/>
-            <a:headEnd len="sm" w="sm" type="none"/>
-            <a:tailEnd len="sm" w="sm" type="none"/>
+            <a:headEnd type="none" w="sm" len="sm"/>
+            <a:tailEnd type="none" w="sm" len="sm"/>
           </a:ln>
         </p:spPr>
         <p:txBody>
-          <a:bodyPr anchorCtr="0" anchor="ctr" bIns="45700" lIns="91425" spcFirstLastPara="1" rIns="91425" wrap="square" tIns="45700">
+          <a:bodyPr spcFirstLastPara="1" wrap="square" lIns="91425" tIns="45700" rIns="91425" bIns="45700" anchor="ctr" anchorCtr="0">
             <a:noAutofit/>
           </a:bodyPr>
           <a:lstStyle/>
           <a:p>
-            <a:pPr indent="0" lvl="0" marL="0" marR="0" rtl="0" algn="ctr">
+            <a:pPr marL="0" marR="0" lvl="0" indent="0" algn="ctr" rtl="0">
               <a:spcBef>
                 <a:spcPts val="0"/>
               </a:spcBef>
@@ -12141,10 +12402,7 @@
               </a:spcAft>
               <a:buNone/>
             </a:pPr>
-            <a:r>
-              <a:t/>
-            </a:r>
-            <a:endParaRPr b="0" i="0" sz="1800" u="none" cap="none" strike="noStrike">
+            <a:endParaRPr sz="1800" b="0" i="0" u="none" strike="noStrike" cap="none">
               <a:solidFill>
                 <a:schemeClr val="lt1"/>
               </a:solidFill>
@@ -12173,23 +12431,23 @@
           <a:solidFill>
             <a:schemeClr val="dk1"/>
           </a:solidFill>
-          <a:ln cap="flat" cmpd="sng" w="12700">
+          <a:ln w="12700" cap="flat" cmpd="sng">
             <a:solidFill>
               <a:schemeClr val="dk1"/>
             </a:solidFill>
             <a:prstDash val="solid"/>
             <a:miter lim="800000"/>
-            <a:headEnd len="sm" w="sm" type="none"/>
-            <a:tailEnd len="sm" w="sm" type="none"/>
+            <a:headEnd type="none" w="sm" len="sm"/>
+            <a:tailEnd type="none" w="sm" len="sm"/>
           </a:ln>
         </p:spPr>
         <p:txBody>
-          <a:bodyPr anchorCtr="0" anchor="ctr" bIns="45700" lIns="91425" spcFirstLastPara="1" rIns="91425" wrap="square" tIns="45700">
+          <a:bodyPr spcFirstLastPara="1" wrap="square" lIns="91425" tIns="45700" rIns="91425" bIns="45700" anchor="ctr" anchorCtr="0">
             <a:noAutofit/>
           </a:bodyPr>
           <a:lstStyle/>
           <a:p>
-            <a:pPr indent="0" lvl="0" marL="0" marR="0" rtl="0" algn="ctr">
+            <a:pPr marL="0" marR="0" lvl="0" indent="0" algn="ctr" rtl="0">
               <a:spcBef>
                 <a:spcPts val="0"/>
               </a:spcBef>
@@ -12198,10 +12456,7 @@
               </a:spcAft>
               <a:buNone/>
             </a:pPr>
-            <a:r>
-              <a:t/>
-            </a:r>
-            <a:endParaRPr b="0" i="0" sz="1800" u="none" cap="none" strike="noStrike">
+            <a:endParaRPr sz="1800" b="0" i="0" u="none" strike="noStrike" cap="none">
               <a:solidFill>
                 <a:schemeClr val="lt1"/>
               </a:solidFill>
@@ -12230,23 +12485,23 @@
           <a:solidFill>
             <a:schemeClr val="dk1"/>
           </a:solidFill>
-          <a:ln cap="flat" cmpd="sng" w="12700">
+          <a:ln w="12700" cap="flat" cmpd="sng">
             <a:solidFill>
               <a:schemeClr val="dk1"/>
             </a:solidFill>
             <a:prstDash val="solid"/>
             <a:miter lim="800000"/>
-            <a:headEnd len="sm" w="sm" type="none"/>
-            <a:tailEnd len="sm" w="sm" type="none"/>
+            <a:headEnd type="none" w="sm" len="sm"/>
+            <a:tailEnd type="none" w="sm" len="sm"/>
           </a:ln>
         </p:spPr>
         <p:txBody>
-          <a:bodyPr anchorCtr="0" anchor="ctr" bIns="45700" lIns="91425" spcFirstLastPara="1" rIns="91425" wrap="square" tIns="45700">
+          <a:bodyPr spcFirstLastPara="1" wrap="square" lIns="91425" tIns="45700" rIns="91425" bIns="45700" anchor="ctr" anchorCtr="0">
             <a:noAutofit/>
           </a:bodyPr>
           <a:lstStyle/>
           <a:p>
-            <a:pPr indent="0" lvl="0" marL="0" marR="0" rtl="0" algn="ctr">
+            <a:pPr marL="0" marR="0" lvl="0" indent="0" algn="ctr" rtl="0">
               <a:spcBef>
                 <a:spcPts val="0"/>
               </a:spcBef>
@@ -12255,10 +12510,7 @@
               </a:spcAft>
               <a:buNone/>
             </a:pPr>
-            <a:r>
-              <a:t/>
-            </a:r>
-            <a:endParaRPr b="0" i="0" sz="1800" u="none" cap="none" strike="noStrike">
+            <a:endParaRPr sz="1800" b="0" i="0" u="none" strike="noStrike" cap="none">
               <a:solidFill>
                 <a:schemeClr val="lt1"/>
               </a:solidFill>
@@ -12287,23 +12539,23 @@
           <a:solidFill>
             <a:srgbClr val="FF0000"/>
           </a:solidFill>
-          <a:ln cap="flat" cmpd="sng" w="12700">
+          <a:ln w="12700" cap="flat" cmpd="sng">
             <a:solidFill>
               <a:srgbClr val="FF0000"/>
             </a:solidFill>
             <a:prstDash val="solid"/>
             <a:miter lim="800000"/>
-            <a:headEnd len="sm" w="sm" type="none"/>
-            <a:tailEnd len="sm" w="sm" type="none"/>
+            <a:headEnd type="none" w="sm" len="sm"/>
+            <a:tailEnd type="none" w="sm" len="sm"/>
           </a:ln>
         </p:spPr>
         <p:txBody>
-          <a:bodyPr anchorCtr="0" anchor="ctr" bIns="45700" lIns="91425" spcFirstLastPara="1" rIns="91425" wrap="square" tIns="45700">
+          <a:bodyPr spcFirstLastPara="1" wrap="square" lIns="91425" tIns="45700" rIns="91425" bIns="45700" anchor="ctr" anchorCtr="0">
             <a:noAutofit/>
           </a:bodyPr>
           <a:lstStyle/>
           <a:p>
-            <a:pPr indent="0" lvl="0" marL="0" marR="0" rtl="0" algn="ctr">
+            <a:pPr marL="0" marR="0" lvl="0" indent="0" algn="ctr" rtl="0">
               <a:spcBef>
                 <a:spcPts val="0"/>
               </a:spcBef>
@@ -12312,10 +12564,7 @@
               </a:spcAft>
               <a:buNone/>
             </a:pPr>
-            <a:r>
-              <a:t/>
-            </a:r>
-            <a:endParaRPr b="0" i="0" sz="1800" u="none" cap="none" strike="noStrike">
+            <a:endParaRPr sz="1800" b="0" i="0" u="none" strike="noStrike" cap="none">
               <a:solidFill>
                 <a:schemeClr val="lt1"/>
               </a:solidFill>
@@ -12344,23 +12593,23 @@
           <a:solidFill>
             <a:srgbClr val="0070C0"/>
           </a:solidFill>
-          <a:ln cap="flat" cmpd="sng" w="12700">
+          <a:ln w="12700" cap="flat" cmpd="sng">
             <a:solidFill>
               <a:srgbClr val="0070C0"/>
             </a:solidFill>
             <a:prstDash val="solid"/>
             <a:miter lim="800000"/>
-            <a:headEnd len="sm" w="sm" type="none"/>
-            <a:tailEnd len="sm" w="sm" type="none"/>
+            <a:headEnd type="none" w="sm" len="sm"/>
+            <a:tailEnd type="none" w="sm" len="sm"/>
           </a:ln>
         </p:spPr>
         <p:txBody>
-          <a:bodyPr anchorCtr="0" anchor="ctr" bIns="45700" lIns="91425" spcFirstLastPara="1" rIns="91425" wrap="square" tIns="45700">
+          <a:bodyPr spcFirstLastPara="1" wrap="square" lIns="91425" tIns="45700" rIns="91425" bIns="45700" anchor="ctr" anchorCtr="0">
             <a:noAutofit/>
           </a:bodyPr>
           <a:lstStyle/>
           <a:p>
-            <a:pPr indent="0" lvl="0" marL="0" marR="0" rtl="0" algn="ctr">
+            <a:pPr marL="0" marR="0" lvl="0" indent="0" algn="ctr" rtl="0">
               <a:spcBef>
                 <a:spcPts val="0"/>
               </a:spcBef>
@@ -12369,10 +12618,7 @@
               </a:spcAft>
               <a:buNone/>
             </a:pPr>
-            <a:r>
-              <a:t/>
-            </a:r>
-            <a:endParaRPr b="0" i="0" sz="1800" u="none" cap="none" strike="noStrike">
+            <a:endParaRPr sz="1800" b="0" i="0" u="none" strike="noStrike" cap="none">
               <a:solidFill>
                 <a:schemeClr val="lt1"/>
               </a:solidFill>
@@ -12401,23 +12647,23 @@
           <a:solidFill>
             <a:srgbClr val="00B050"/>
           </a:solidFill>
-          <a:ln cap="flat" cmpd="sng" w="12700">
+          <a:ln w="12700" cap="flat" cmpd="sng">
             <a:solidFill>
               <a:srgbClr val="00B050"/>
             </a:solidFill>
             <a:prstDash val="solid"/>
             <a:miter lim="800000"/>
-            <a:headEnd len="sm" w="sm" type="none"/>
-            <a:tailEnd len="sm" w="sm" type="none"/>
+            <a:headEnd type="none" w="sm" len="sm"/>
+            <a:tailEnd type="none" w="sm" len="sm"/>
           </a:ln>
         </p:spPr>
         <p:txBody>
-          <a:bodyPr anchorCtr="0" anchor="ctr" bIns="45700" lIns="91425" spcFirstLastPara="1" rIns="91425" wrap="square" tIns="45700">
+          <a:bodyPr spcFirstLastPara="1" wrap="square" lIns="91425" tIns="45700" rIns="91425" bIns="45700" anchor="ctr" anchorCtr="0">
             <a:noAutofit/>
           </a:bodyPr>
           <a:lstStyle/>
           <a:p>
-            <a:pPr indent="0" lvl="0" marL="0" marR="0" rtl="0" algn="ctr">
+            <a:pPr marL="0" marR="0" lvl="0" indent="0" algn="ctr" rtl="0">
               <a:spcBef>
                 <a:spcPts val="0"/>
               </a:spcBef>
@@ -12426,10 +12672,7 @@
               </a:spcAft>
               <a:buNone/>
             </a:pPr>
-            <a:r>
-              <a:t/>
-            </a:r>
-            <a:endParaRPr b="0" i="0" sz="1800" u="none" cap="none" strike="noStrike">
+            <a:endParaRPr sz="1800" b="0" i="0" u="none" strike="noStrike" cap="none">
               <a:solidFill>
                 <a:schemeClr val="lt1"/>
               </a:solidFill>
@@ -12459,14 +12702,14 @@
             <a:avLst/>
           </a:prstGeom>
           <a:noFill/>
-          <a:ln cap="flat" cmpd="sng" w="57150">
+          <a:ln w="57150" cap="flat" cmpd="sng">
             <a:solidFill>
               <a:schemeClr val="accent1"/>
             </a:solidFill>
             <a:prstDash val="solid"/>
             <a:miter lim="800000"/>
-            <a:headEnd len="sm" w="sm" type="none"/>
-            <a:tailEnd len="med" w="med" type="triangle"/>
+            <a:headEnd type="none" w="sm" len="sm"/>
+            <a:tailEnd type="triangle" w="med" len="med"/>
           </a:ln>
         </p:spPr>
       </p:cxnSp>
@@ -12480,24 +12723,24 @@
           <p:nvPr/>
         </p:nvCxnSpPr>
         <p:spPr>
-          <a:xfrm flipH="1" rot="10800000">
+          <a:xfrm rot="10800000" flipH="1">
             <a:off x="2513965" y="3292262"/>
             <a:ext cx="925200" cy="1800"/>
           </a:xfrm>
           <a:prstGeom prst="bentConnector3">
             <a:avLst>
-              <a:gd fmla="val 50034" name="adj1"/>
+              <a:gd name="adj1" fmla="val 50034"/>
             </a:avLst>
           </a:prstGeom>
           <a:noFill/>
-          <a:ln cap="flat" cmpd="sng" w="57150">
+          <a:ln w="57150" cap="flat" cmpd="sng">
             <a:solidFill>
               <a:srgbClr val="00B050"/>
             </a:solidFill>
             <a:prstDash val="solid"/>
             <a:miter lim="800000"/>
-            <a:headEnd len="sm" w="sm" type="none"/>
-            <a:tailEnd len="med" w="med" type="triangle"/>
+            <a:headEnd type="none" w="sm" len="sm"/>
+            <a:tailEnd type="triangle" w="med" len="med"/>
           </a:ln>
         </p:spPr>
       </p:cxnSp>
@@ -12514,19 +12757,19 @@
           </a:xfrm>
           <a:prstGeom prst="bentConnector4">
             <a:avLst>
-              <a:gd fmla="val 0" name="adj1"/>
-              <a:gd fmla="val 0" name="adj2"/>
+              <a:gd name="adj1" fmla="val 0"/>
+              <a:gd name="adj2" fmla="val 0"/>
             </a:avLst>
           </a:prstGeom>
           <a:noFill/>
-          <a:ln cap="flat" cmpd="sng" w="57150">
+          <a:ln w="57150" cap="flat" cmpd="sng">
             <a:solidFill>
               <a:srgbClr val="FF0000"/>
             </a:solidFill>
             <a:prstDash val="solid"/>
             <a:miter lim="800000"/>
-            <a:headEnd len="sm" w="sm" type="none"/>
-            <a:tailEnd len="sm" w="sm" type="none"/>
+            <a:headEnd type="none" w="sm" len="sm"/>
+            <a:tailEnd type="none" w="sm" len="sm"/>
           </a:ln>
         </p:spPr>
       </p:cxnSp>
@@ -12546,18 +12789,18 @@
           </a:xfrm>
           <a:prstGeom prst="bentConnector3">
             <a:avLst>
-              <a:gd fmla="val 49996" name="adj1"/>
+              <a:gd name="adj1" fmla="val 49996"/>
             </a:avLst>
           </a:prstGeom>
           <a:noFill/>
-          <a:ln cap="flat" cmpd="sng" w="57150">
+          <a:ln w="57150" cap="flat" cmpd="sng">
             <a:solidFill>
               <a:schemeClr val="dk1"/>
             </a:solidFill>
             <a:prstDash val="solid"/>
             <a:miter lim="800000"/>
-            <a:headEnd len="sm" w="sm" type="none"/>
-            <a:tailEnd len="sm" w="sm" type="none"/>
+            <a:headEnd type="none" w="sm" len="sm"/>
+            <a:tailEnd type="none" w="sm" len="sm"/>
           </a:ln>
         </p:spPr>
       </p:cxnSp>
@@ -12571,7 +12814,7 @@
           <a:blip r:embed="rId5">
             <a:alphaModFix/>
           </a:blip>
-          <a:srcRect b="0" l="0" r="0" t="0"/>
+          <a:srcRect/>
           <a:stretch/>
         </p:blipFill>
         <p:spPr>
@@ -12605,23 +12848,23 @@
           <a:solidFill>
             <a:schemeClr val="dk1"/>
           </a:solidFill>
-          <a:ln cap="flat" cmpd="sng" w="12700">
+          <a:ln w="12700" cap="flat" cmpd="sng">
             <a:solidFill>
               <a:schemeClr val="dk1"/>
             </a:solidFill>
             <a:prstDash val="solid"/>
             <a:miter lim="800000"/>
-            <a:headEnd len="sm" w="sm" type="none"/>
-            <a:tailEnd len="sm" w="sm" type="none"/>
+            <a:headEnd type="none" w="sm" len="sm"/>
+            <a:tailEnd type="none" w="sm" len="sm"/>
           </a:ln>
         </p:spPr>
         <p:txBody>
-          <a:bodyPr anchorCtr="0" anchor="ctr" bIns="45700" lIns="91425" spcFirstLastPara="1" rIns="91425" wrap="square" tIns="45700">
+          <a:bodyPr spcFirstLastPara="1" wrap="square" lIns="91425" tIns="45700" rIns="91425" bIns="45700" anchor="ctr" anchorCtr="0">
             <a:noAutofit/>
           </a:bodyPr>
           <a:lstStyle/>
           <a:p>
-            <a:pPr indent="0" lvl="0" marL="0" marR="0" rtl="0" algn="ctr">
+            <a:pPr marL="0" marR="0" lvl="0" indent="0" algn="ctr" rtl="0">
               <a:spcBef>
                 <a:spcPts val="0"/>
               </a:spcBef>
@@ -12630,10 +12873,7 @@
               </a:spcAft>
               <a:buNone/>
             </a:pPr>
-            <a:r>
-              <a:t/>
-            </a:r>
-            <a:endParaRPr b="0" i="0" sz="1800" u="none" cap="none" strike="noStrike">
+            <a:endParaRPr sz="1800" b="0" i="0" u="none" strike="noStrike" cap="none">
               <a:solidFill>
                 <a:schemeClr val="lt1"/>
               </a:solidFill>
@@ -12662,23 +12902,23 @@
           <a:solidFill>
             <a:srgbClr val="FF0000"/>
           </a:solidFill>
-          <a:ln cap="flat" cmpd="sng" w="12700">
+          <a:ln w="12700" cap="flat" cmpd="sng">
             <a:solidFill>
               <a:srgbClr val="FF0000"/>
             </a:solidFill>
             <a:prstDash val="solid"/>
             <a:miter lim="800000"/>
-            <a:headEnd len="sm" w="sm" type="none"/>
-            <a:tailEnd len="sm" w="sm" type="none"/>
+            <a:headEnd type="none" w="sm" len="sm"/>
+            <a:tailEnd type="none" w="sm" len="sm"/>
           </a:ln>
         </p:spPr>
         <p:txBody>
-          <a:bodyPr anchorCtr="0" anchor="ctr" bIns="45700" lIns="91425" spcFirstLastPara="1" rIns="91425" wrap="square" tIns="45700">
+          <a:bodyPr spcFirstLastPara="1" wrap="square" lIns="91425" tIns="45700" rIns="91425" bIns="45700" anchor="ctr" anchorCtr="0">
             <a:noAutofit/>
           </a:bodyPr>
           <a:lstStyle/>
           <a:p>
-            <a:pPr indent="0" lvl="0" marL="0" marR="0" rtl="0" algn="ctr">
+            <a:pPr marL="0" marR="0" lvl="0" indent="0" algn="ctr" rtl="0">
               <a:spcBef>
                 <a:spcPts val="0"/>
               </a:spcBef>
@@ -12687,10 +12927,7 @@
               </a:spcAft>
               <a:buNone/>
             </a:pPr>
-            <a:r>
-              <a:t/>
-            </a:r>
-            <a:endParaRPr b="0" i="0" sz="1800" u="none" cap="none" strike="noStrike">
+            <a:endParaRPr sz="1800" b="0" i="0" u="none" strike="noStrike" cap="none">
               <a:solidFill>
                 <a:schemeClr val="lt1"/>
               </a:solidFill>
@@ -12719,23 +12956,23 @@
           <a:solidFill>
             <a:schemeClr val="dk1"/>
           </a:solidFill>
-          <a:ln cap="flat" cmpd="sng" w="12700">
+          <a:ln w="12700" cap="flat" cmpd="sng">
             <a:solidFill>
               <a:schemeClr val="dk1"/>
             </a:solidFill>
             <a:prstDash val="solid"/>
             <a:miter lim="800000"/>
-            <a:headEnd len="sm" w="sm" type="none"/>
-            <a:tailEnd len="sm" w="sm" type="none"/>
+            <a:headEnd type="none" w="sm" len="sm"/>
+            <a:tailEnd type="none" w="sm" len="sm"/>
           </a:ln>
         </p:spPr>
         <p:txBody>
-          <a:bodyPr anchorCtr="0" anchor="ctr" bIns="45700" lIns="91425" spcFirstLastPara="1" rIns="91425" wrap="square" tIns="45700">
+          <a:bodyPr spcFirstLastPara="1" wrap="square" lIns="91425" tIns="45700" rIns="91425" bIns="45700" anchor="ctr" anchorCtr="0">
             <a:noAutofit/>
           </a:bodyPr>
           <a:lstStyle/>
           <a:p>
-            <a:pPr indent="0" lvl="0" marL="0" marR="0" rtl="0" algn="ctr">
+            <a:pPr marL="0" marR="0" lvl="0" indent="0" algn="ctr" rtl="0">
               <a:spcBef>
                 <a:spcPts val="0"/>
               </a:spcBef>
@@ -12744,10 +12981,7 @@
               </a:spcAft>
               <a:buNone/>
             </a:pPr>
-            <a:r>
-              <a:t/>
-            </a:r>
-            <a:endParaRPr b="0" i="0" sz="1800" u="none" cap="none" strike="noStrike">
+            <a:endParaRPr sz="1800" b="0" i="0" u="none" strike="noStrike" cap="none">
               <a:solidFill>
                 <a:schemeClr val="lt1"/>
               </a:solidFill>
@@ -12776,23 +13010,23 @@
           <a:solidFill>
             <a:srgbClr val="FF0000"/>
           </a:solidFill>
-          <a:ln cap="flat" cmpd="sng" w="12700">
+          <a:ln w="12700" cap="flat" cmpd="sng">
             <a:solidFill>
               <a:srgbClr val="FF0000"/>
             </a:solidFill>
             <a:prstDash val="solid"/>
             <a:miter lim="800000"/>
-            <a:headEnd len="sm" w="sm" type="none"/>
-            <a:tailEnd len="sm" w="sm" type="none"/>
+            <a:headEnd type="none" w="sm" len="sm"/>
+            <a:tailEnd type="none" w="sm" len="sm"/>
           </a:ln>
         </p:spPr>
         <p:txBody>
-          <a:bodyPr anchorCtr="0" anchor="ctr" bIns="45700" lIns="91425" spcFirstLastPara="1" rIns="91425" wrap="square" tIns="45700">
+          <a:bodyPr spcFirstLastPara="1" wrap="square" lIns="91425" tIns="45700" rIns="91425" bIns="45700" anchor="ctr" anchorCtr="0">
             <a:noAutofit/>
           </a:bodyPr>
           <a:lstStyle/>
           <a:p>
-            <a:pPr indent="0" lvl="0" marL="0" marR="0" rtl="0" algn="ctr">
+            <a:pPr marL="0" marR="0" lvl="0" indent="0" algn="ctr" rtl="0">
               <a:spcBef>
                 <a:spcPts val="0"/>
               </a:spcBef>
@@ -12801,10 +13035,7 @@
               </a:spcAft>
               <a:buNone/>
             </a:pPr>
-            <a:r>
-              <a:t/>
-            </a:r>
-            <a:endParaRPr b="0" i="0" sz="1800" u="none" cap="none" strike="noStrike">
+            <a:endParaRPr sz="1800" b="0" i="0" u="none" strike="noStrike" cap="none">
               <a:solidFill>
                 <a:schemeClr val="lt1"/>
               </a:solidFill>
@@ -12826,7 +13057,7 @@
           <a:blip r:embed="rId6">
             <a:alphaModFix/>
           </a:blip>
-          <a:srcRect b="0" l="0" r="0" t="0"/>
+          <a:srcRect/>
           <a:stretch/>
         </p:blipFill>
         <p:spPr>
@@ -12860,23 +13091,23 @@
           <a:solidFill>
             <a:schemeClr val="accent5"/>
           </a:solidFill>
-          <a:ln cap="flat" cmpd="sng" w="12700">
+          <a:ln w="12700" cap="flat" cmpd="sng">
             <a:solidFill>
               <a:schemeClr val="accent5"/>
             </a:solidFill>
             <a:prstDash val="solid"/>
             <a:miter lim="800000"/>
-            <a:headEnd len="sm" w="sm" type="none"/>
-            <a:tailEnd len="sm" w="sm" type="none"/>
+            <a:headEnd type="none" w="sm" len="sm"/>
+            <a:tailEnd type="none" w="sm" len="sm"/>
           </a:ln>
         </p:spPr>
         <p:txBody>
-          <a:bodyPr anchorCtr="0" anchor="ctr" bIns="45700" lIns="91425" spcFirstLastPara="1" rIns="91425" wrap="square" tIns="45700">
+          <a:bodyPr spcFirstLastPara="1" wrap="square" lIns="91425" tIns="45700" rIns="91425" bIns="45700" anchor="ctr" anchorCtr="0">
             <a:noAutofit/>
           </a:bodyPr>
           <a:lstStyle/>
           <a:p>
-            <a:pPr indent="0" lvl="0" marL="0" marR="0" rtl="0" algn="ctr">
+            <a:pPr marL="0" marR="0" lvl="0" indent="0" algn="ctr" rtl="0">
               <a:spcBef>
                 <a:spcPts val="0"/>
               </a:spcBef>
@@ -12885,10 +13116,7 @@
               </a:spcAft>
               <a:buNone/>
             </a:pPr>
-            <a:r>
-              <a:t/>
-            </a:r>
-            <a:endParaRPr b="0" i="0" sz="1800" u="none" cap="none" strike="noStrike">
+            <a:endParaRPr sz="1800" b="0" i="0" u="none" strike="noStrike" cap="none">
               <a:solidFill>
                 <a:schemeClr val="lt1"/>
               </a:solidFill>
@@ -12917,23 +13145,23 @@
           <a:solidFill>
             <a:srgbClr val="7030A0"/>
           </a:solidFill>
-          <a:ln cap="flat" cmpd="sng" w="12700">
+          <a:ln w="12700" cap="flat" cmpd="sng">
             <a:solidFill>
               <a:srgbClr val="7030A0"/>
             </a:solidFill>
             <a:prstDash val="solid"/>
             <a:miter lim="800000"/>
-            <a:headEnd len="sm" w="sm" type="none"/>
-            <a:tailEnd len="sm" w="sm" type="none"/>
+            <a:headEnd type="none" w="sm" len="sm"/>
+            <a:tailEnd type="none" w="sm" len="sm"/>
           </a:ln>
         </p:spPr>
         <p:txBody>
-          <a:bodyPr anchorCtr="0" anchor="ctr" bIns="45700" lIns="91425" spcFirstLastPara="1" rIns="91425" wrap="square" tIns="45700">
+          <a:bodyPr spcFirstLastPara="1" wrap="square" lIns="91425" tIns="45700" rIns="91425" bIns="45700" anchor="ctr" anchorCtr="0">
             <a:noAutofit/>
           </a:bodyPr>
           <a:lstStyle/>
           <a:p>
-            <a:pPr indent="0" lvl="0" marL="0" marR="0" rtl="0" algn="ctr">
+            <a:pPr marL="0" marR="0" lvl="0" indent="0" algn="ctr" rtl="0">
               <a:spcBef>
                 <a:spcPts val="0"/>
               </a:spcBef>
@@ -12942,10 +13170,7 @@
               </a:spcAft>
               <a:buNone/>
             </a:pPr>
-            <a:r>
-              <a:t/>
-            </a:r>
-            <a:endParaRPr b="0" i="0" sz="1800" u="none" cap="none" strike="noStrike">
+            <a:endParaRPr sz="1800" b="0" i="0" u="none" strike="noStrike" cap="none">
               <a:solidFill>
                 <a:schemeClr val="lt1"/>
               </a:solidFill>
@@ -12967,7 +13192,7 @@
           <a:blip r:embed="rId7">
             <a:alphaModFix/>
           </a:blip>
-          <a:srcRect b="0" l="0" r="0" t="0"/>
+          <a:srcRect/>
           <a:stretch/>
         </p:blipFill>
         <p:spPr>
@@ -13001,23 +13226,23 @@
           <a:solidFill>
             <a:schemeClr val="accent5"/>
           </a:solidFill>
-          <a:ln cap="flat" cmpd="sng" w="12700">
+          <a:ln w="12700" cap="flat" cmpd="sng">
             <a:solidFill>
               <a:schemeClr val="accent5"/>
             </a:solidFill>
             <a:prstDash val="solid"/>
             <a:miter lim="800000"/>
-            <a:headEnd len="sm" w="sm" type="none"/>
-            <a:tailEnd len="sm" w="sm" type="none"/>
+            <a:headEnd type="none" w="sm" len="sm"/>
+            <a:tailEnd type="none" w="sm" len="sm"/>
           </a:ln>
         </p:spPr>
         <p:txBody>
-          <a:bodyPr anchorCtr="0" anchor="ctr" bIns="45700" lIns="91425" spcFirstLastPara="1" rIns="91425" wrap="square" tIns="45700">
+          <a:bodyPr spcFirstLastPara="1" wrap="square" lIns="91425" tIns="45700" rIns="91425" bIns="45700" anchor="ctr" anchorCtr="0">
             <a:noAutofit/>
           </a:bodyPr>
           <a:lstStyle/>
           <a:p>
-            <a:pPr indent="0" lvl="0" marL="0" marR="0" rtl="0" algn="ctr">
+            <a:pPr marL="0" marR="0" lvl="0" indent="0" algn="ctr" rtl="0">
               <a:spcBef>
                 <a:spcPts val="0"/>
               </a:spcBef>
@@ -13026,10 +13251,7 @@
               </a:spcAft>
               <a:buNone/>
             </a:pPr>
-            <a:r>
-              <a:t/>
-            </a:r>
-            <a:endParaRPr b="0" i="0" sz="1800" u="none" cap="none" strike="noStrike">
+            <a:endParaRPr sz="1800" b="0" i="0" u="none" strike="noStrike" cap="none">
               <a:solidFill>
                 <a:schemeClr val="lt1"/>
               </a:solidFill>
@@ -13058,23 +13280,23 @@
           <a:solidFill>
             <a:srgbClr val="7030A0"/>
           </a:solidFill>
-          <a:ln cap="flat" cmpd="sng" w="12700">
+          <a:ln w="12700" cap="flat" cmpd="sng">
             <a:solidFill>
               <a:srgbClr val="7030A0"/>
             </a:solidFill>
             <a:prstDash val="solid"/>
             <a:miter lim="800000"/>
-            <a:headEnd len="sm" w="sm" type="none"/>
-            <a:tailEnd len="sm" w="sm" type="none"/>
+            <a:headEnd type="none" w="sm" len="sm"/>
+            <a:tailEnd type="none" w="sm" len="sm"/>
           </a:ln>
         </p:spPr>
         <p:txBody>
-          <a:bodyPr anchorCtr="0" anchor="ctr" bIns="45700" lIns="91425" spcFirstLastPara="1" rIns="91425" wrap="square" tIns="45700">
+          <a:bodyPr spcFirstLastPara="1" wrap="square" lIns="91425" tIns="45700" rIns="91425" bIns="45700" anchor="ctr" anchorCtr="0">
             <a:noAutofit/>
           </a:bodyPr>
           <a:lstStyle/>
           <a:p>
-            <a:pPr indent="0" lvl="0" marL="0" marR="0" rtl="0" algn="ctr">
+            <a:pPr marL="0" marR="0" lvl="0" indent="0" algn="ctr" rtl="0">
               <a:spcBef>
                 <a:spcPts val="0"/>
               </a:spcBef>
@@ -13083,10 +13305,7 @@
               </a:spcAft>
               <a:buNone/>
             </a:pPr>
-            <a:r>
-              <a:t/>
-            </a:r>
-            <a:endParaRPr b="0" i="0" sz="1800" u="none" cap="none" strike="noStrike">
+            <a:endParaRPr sz="1800" b="0" i="0" u="none" strike="noStrike" cap="none">
               <a:solidFill>
                 <a:schemeClr val="lt1"/>
               </a:solidFill>
@@ -13118,12 +13337,12 @@
           </a:ln>
         </p:spPr>
         <p:txBody>
-          <a:bodyPr anchorCtr="0" anchor="t" bIns="45700" lIns="91425" spcFirstLastPara="1" rIns="91425" wrap="square" tIns="45700">
+          <a:bodyPr spcFirstLastPara="1" wrap="square" lIns="91425" tIns="45700" rIns="91425" bIns="45700" anchor="t" anchorCtr="0">
             <a:spAutoFit/>
           </a:bodyPr>
           <a:lstStyle/>
           <a:p>
-            <a:pPr indent="0" lvl="0" marL="0" marR="0" rtl="0" algn="ctr">
+            <a:pPr marL="0" marR="0" lvl="0" indent="0" algn="ctr" rtl="0">
               <a:spcBef>
                 <a:spcPts val="0"/>
               </a:spcBef>
@@ -13133,7 +13352,7 @@
               <a:buNone/>
             </a:pPr>
             <a:r>
-              <a:rPr b="0" i="0" lang="en-US" sz="1800" u="none" cap="none" strike="noStrike">
+              <a:rPr lang="en-US" sz="1800" b="0" i="0" u="none" strike="noStrike" cap="none">
                 <a:solidFill>
                   <a:schemeClr val="dk1"/>
                 </a:solidFill>
@@ -13144,7 +13363,7 @@
               </a:rPr>
               <a:t>LOAD</a:t>
             </a:r>
-            <a:endParaRPr b="0" i="0" sz="1800" u="none" cap="none" strike="noStrike">
+            <a:endParaRPr sz="1800" b="0" i="0" u="none" strike="noStrike" cap="none">
               <a:solidFill>
                 <a:schemeClr val="dk1"/>
               </a:solidFill>
@@ -13155,7 +13374,7 @@
             </a:endParaRPr>
           </a:p>
           <a:p>
-            <a:pPr indent="0" lvl="0" marL="0" marR="0" rtl="0" algn="ctr">
+            <a:pPr marL="0" marR="0" lvl="0" indent="0" algn="ctr" rtl="0">
               <a:spcBef>
                 <a:spcPts val="0"/>
               </a:spcBef>
@@ -13165,7 +13384,7 @@
               <a:buNone/>
             </a:pPr>
             <a:r>
-              <a:rPr b="0" i="0" lang="en-US" sz="1800" u="none" cap="none" strike="noStrike">
+              <a:rPr lang="en-US" sz="1800" b="0" i="0" u="none" strike="noStrike" cap="none">
                 <a:solidFill>
                   <a:schemeClr val="dk1"/>
                 </a:solidFill>
@@ -13176,7 +13395,7 @@
               </a:rPr>
               <a:t>SOLDER</a:t>
             </a:r>
-            <a:endParaRPr b="0" i="0" sz="1800" u="none" cap="none" strike="noStrike">
+            <a:endParaRPr sz="1800" b="0" i="0" u="none" strike="noStrike" cap="none">
               <a:solidFill>
                 <a:schemeClr val="dk1"/>
               </a:solidFill>
@@ -13206,14 +13425,14 @@
             <a:avLst/>
           </a:prstGeom>
           <a:noFill/>
-          <a:ln cap="flat" cmpd="sng" w="57150">
+          <a:ln w="57150" cap="flat" cmpd="sng">
             <a:solidFill>
               <a:srgbClr val="FF0000"/>
             </a:solidFill>
             <a:prstDash val="solid"/>
             <a:miter lim="800000"/>
-            <a:headEnd len="sm" w="sm" type="none"/>
-            <a:tailEnd len="sm" w="sm" type="none"/>
+            <a:headEnd type="none" w="sm" len="sm"/>
+            <a:tailEnd type="none" w="sm" len="sm"/>
           </a:ln>
         </p:spPr>
       </p:cxnSp>
@@ -13235,14 +13454,14 @@
             <a:avLst/>
           </a:prstGeom>
           <a:noFill/>
-          <a:ln cap="flat" cmpd="sng" w="57150">
+          <a:ln w="57150" cap="flat" cmpd="sng">
             <a:solidFill>
               <a:schemeClr val="dk1"/>
             </a:solidFill>
             <a:prstDash val="solid"/>
             <a:miter lim="800000"/>
-            <a:headEnd len="sm" w="sm" type="none"/>
-            <a:tailEnd len="sm" w="sm" type="none"/>
+            <a:headEnd type="none" w="sm" len="sm"/>
+            <a:tailEnd type="none" w="sm" len="sm"/>
           </a:ln>
         </p:spPr>
       </p:cxnSp>
@@ -13256,7 +13475,7 @@
           <p:nvPr/>
         </p:nvCxnSpPr>
         <p:spPr>
-          <a:xfrm flipH="1" rot="5400000">
+          <a:xfrm rot="5400000" flipH="1">
             <a:off x="9367242" y="4049435"/>
             <a:ext cx="2440500" cy="930000"/>
           </a:xfrm>
@@ -13264,14 +13483,14 @@
             <a:avLst/>
           </a:prstGeom>
           <a:noFill/>
-          <a:ln cap="flat" cmpd="sng" w="57150">
+          <a:ln w="57150" cap="flat" cmpd="sng">
             <a:solidFill>
               <a:srgbClr val="0070C0"/>
             </a:solidFill>
             <a:prstDash val="solid"/>
             <a:miter lim="800000"/>
-            <a:headEnd len="sm" w="sm" type="none"/>
-            <a:tailEnd len="sm" w="sm" type="none"/>
+            <a:headEnd type="none" w="sm" len="sm"/>
+            <a:tailEnd type="none" w="sm" len="sm"/>
           </a:ln>
         </p:spPr>
       </p:cxnSp>
@@ -13285,7 +13504,7 @@
           <p:nvPr/>
         </p:nvCxnSpPr>
         <p:spPr>
-          <a:xfrm flipH="1" rot="5400000">
+          <a:xfrm rot="5400000" flipH="1">
             <a:off x="9367528" y="4474535"/>
             <a:ext cx="2015100" cy="505200"/>
           </a:xfrm>
@@ -13293,14 +13512,14 @@
             <a:avLst/>
           </a:prstGeom>
           <a:noFill/>
-          <a:ln cap="flat" cmpd="sng" w="57150">
+          <a:ln w="57150" cap="flat" cmpd="sng">
             <a:solidFill>
               <a:srgbClr val="7030A0"/>
             </a:solidFill>
             <a:prstDash val="solid"/>
             <a:miter lim="800000"/>
-            <a:headEnd len="sm" w="sm" type="none"/>
-            <a:tailEnd len="sm" w="sm" type="none"/>
+            <a:headEnd type="none" w="sm" len="sm"/>
+            <a:tailEnd type="none" w="sm" len="sm"/>
           </a:ln>
         </p:spPr>
       </p:cxnSp>
@@ -13314,7 +13533,7 @@
           <a:blip r:embed="rId8">
             <a:alphaModFix/>
           </a:blip>
-          <a:srcRect b="0" l="0" r="0" t="0"/>
+          <a:srcRect/>
           <a:stretch/>
         </p:blipFill>
         <p:spPr>
@@ -13351,12 +13570,12 @@
           </a:ln>
         </p:spPr>
         <p:txBody>
-          <a:bodyPr anchorCtr="0" anchor="t" bIns="45700" lIns="91425" spcFirstLastPara="1" rIns="91425" wrap="square" tIns="45700">
+          <a:bodyPr spcFirstLastPara="1" wrap="square" lIns="91425" tIns="45700" rIns="91425" bIns="45700" anchor="t" anchorCtr="0">
             <a:spAutoFit/>
           </a:bodyPr>
           <a:lstStyle/>
           <a:p>
-            <a:pPr indent="0" lvl="0" marL="0" marR="0" rtl="0" algn="ctr">
+            <a:pPr marL="0" marR="0" lvl="0" indent="0" algn="ctr" rtl="0">
               <a:spcBef>
                 <a:spcPts val="0"/>
               </a:spcBef>
@@ -13366,7 +13585,7 @@
               <a:buNone/>
             </a:pPr>
             <a:r>
-              <a:rPr b="0" i="0" lang="en-US" sz="1800" u="none" cap="none" strike="noStrike">
+              <a:rPr lang="en-US" sz="1800" b="0" i="0" u="none" strike="noStrike" cap="none">
                 <a:solidFill>
                   <a:schemeClr val="dk1"/>
                 </a:solidFill>
@@ -13377,7 +13596,7 @@
               </a:rPr>
               <a:t>220VAC</a:t>
             </a:r>
-            <a:endParaRPr b="0" i="0" sz="1800" u="none" cap="none" strike="noStrike">
+            <a:endParaRPr sz="1800" b="0" i="0" u="none" strike="noStrike" cap="none">
               <a:solidFill>
                 <a:schemeClr val="dk1"/>
               </a:solidFill>
@@ -13409,12 +13628,12 @@
           </a:ln>
         </p:spPr>
         <p:txBody>
-          <a:bodyPr anchorCtr="0" anchor="t" bIns="45700" lIns="91425" spcFirstLastPara="1" rIns="91425" wrap="square" tIns="45700">
+          <a:bodyPr spcFirstLastPara="1" wrap="square" lIns="91425" tIns="45700" rIns="91425" bIns="45700" anchor="t" anchorCtr="0">
             <a:spAutoFit/>
           </a:bodyPr>
           <a:lstStyle/>
           <a:p>
-            <a:pPr indent="0" lvl="0" marL="0" marR="0" rtl="0" algn="ctr">
+            <a:pPr marL="0" marR="0" lvl="0" indent="0" algn="ctr" rtl="0">
               <a:spcBef>
                 <a:spcPts val="0"/>
               </a:spcBef>
@@ -13424,7 +13643,7 @@
               <a:buNone/>
             </a:pPr>
             <a:r>
-              <a:rPr b="0" i="0" lang="en-US" sz="1800" u="none" cap="none" strike="noStrike">
+              <a:rPr lang="en-US" sz="1800" b="0" i="0" u="none" strike="noStrike" cap="none">
                 <a:solidFill>
                   <a:schemeClr val="dk1"/>
                 </a:solidFill>
@@ -13435,7 +13654,7 @@
               </a:rPr>
               <a:t>L</a:t>
             </a:r>
-            <a:endParaRPr b="0" i="0" sz="1800" u="none" cap="none" strike="noStrike">
+            <a:endParaRPr sz="1800" b="0" i="0" u="none" strike="noStrike" cap="none">
               <a:solidFill>
                 <a:schemeClr val="dk1"/>
               </a:solidFill>
@@ -13467,12 +13686,12 @@
           </a:ln>
         </p:spPr>
         <p:txBody>
-          <a:bodyPr anchorCtr="0" anchor="t" bIns="45700" lIns="91425" spcFirstLastPara="1" rIns="91425" wrap="square" tIns="45700">
+          <a:bodyPr spcFirstLastPara="1" wrap="square" lIns="91425" tIns="45700" rIns="91425" bIns="45700" anchor="t" anchorCtr="0">
             <a:spAutoFit/>
           </a:bodyPr>
           <a:lstStyle/>
           <a:p>
-            <a:pPr indent="0" lvl="0" marL="0" marR="0" rtl="0" algn="ctr">
+            <a:pPr marL="0" marR="0" lvl="0" indent="0" algn="ctr" rtl="0">
               <a:spcBef>
                 <a:spcPts val="0"/>
               </a:spcBef>
@@ -13482,7 +13701,7 @@
               <a:buNone/>
             </a:pPr>
             <a:r>
-              <a:rPr b="0" i="0" lang="en-US" sz="1800" u="none" cap="none" strike="noStrike">
+              <a:rPr lang="en-US" sz="1800" b="0" i="0" u="none" strike="noStrike" cap="none">
                 <a:solidFill>
                   <a:schemeClr val="dk1"/>
                 </a:solidFill>
@@ -13493,7 +13712,7 @@
               </a:rPr>
               <a:t>N</a:t>
             </a:r>
-            <a:endParaRPr b="0" i="0" sz="1800" u="none" cap="none" strike="noStrike">
+            <a:endParaRPr sz="1800" b="0" i="0" u="none" strike="noStrike" cap="none">
               <a:solidFill>
                 <a:schemeClr val="dk1"/>
               </a:solidFill>
@@ -13514,11 +13733,11 @@
 </file>
 
 <file path=ppt/slides/slide2.xml><?xml version="1.0" encoding="utf-8"?>
-<p:sld xmlns:a="http://schemas.openxmlformats.org/drawingml/2006/main" xmlns:r="http://schemas.openxmlformats.org/officeDocument/2006/relationships" xmlns:mc="http://schemas.openxmlformats.org/markup-compatibility/2006" xmlns:mv="urn:schemas-microsoft-com:mac:vml" xmlns:p="http://schemas.openxmlformats.org/presentationml/2006/main" xmlns:c="http://schemas.openxmlformats.org/drawingml/2006/chart" xmlns:dgm="http://schemas.openxmlformats.org/drawingml/2006/diagram" xmlns:o="urn:schemas-microsoft-com:office:office" xmlns:v="urn:schemas-microsoft-com:vml" xmlns:pvml="urn:schemas-microsoft-com:office:powerpoint" xmlns:com="http://schemas.openxmlformats.org/drawingml/2006/compatibility" xmlns:p14="http://schemas.microsoft.com/office/powerpoint/2010/main" xmlns:p15="http://schemas.microsoft.com/office/powerpoint/2012/main" xmlns:ahyp="http://schemas.microsoft.com/office/drawing/2018/hyperlinkcolor">
+<p:sld xmlns:a="http://schemas.openxmlformats.org/drawingml/2006/main" xmlns:r="http://schemas.openxmlformats.org/officeDocument/2006/relationships" xmlns:p="http://schemas.openxmlformats.org/presentationml/2006/main">
   <p:cSld>
     <p:spTree>
       <p:nvGrpSpPr>
-        <p:cNvPr id="126" name="Shape 126"/>
+        <p:cNvPr id="1" name="Shape 126"/>
         <p:cNvGrpSpPr/>
         <p:nvPr/>
       </p:nvGrpSpPr>
@@ -13540,7 +13759,7 @@
           <a:blip r:embed="rId3">
             <a:alphaModFix/>
           </a:blip>
-          <a:srcRect b="0" l="40764" r="29293" t="0"/>
+          <a:srcRect l="40764" r="29293"/>
           <a:stretch/>
         </p:blipFill>
         <p:spPr>
@@ -13565,8 +13784,68 @@
 </p:sld>
 </file>
 
+<file path=ppt/slides/slide3.xml><?xml version="1.0" encoding="utf-8"?>
+<p:sld xmlns:a="http://schemas.openxmlformats.org/drawingml/2006/main" xmlns:r="http://schemas.openxmlformats.org/officeDocument/2006/relationships" xmlns:p="http://schemas.openxmlformats.org/presentationml/2006/main">
+  <p:cSld>
+    <p:spTree>
+      <p:nvGrpSpPr>
+        <p:cNvPr id="1" name=""/>
+        <p:cNvGrpSpPr/>
+        <p:nvPr/>
+      </p:nvGrpSpPr>
+      <p:grpSpPr>
+        <a:xfrm>
+          <a:off x="0" y="0"/>
+          <a:ext cx="0" cy="0"/>
+          <a:chOff x="0" y="0"/>
+          <a:chExt cx="0" cy="0"/>
+        </a:xfrm>
+      </p:grpSpPr>
+      <p:pic>
+        <p:nvPicPr>
+          <p:cNvPr id="5" name="Picture 4" descr="Diagram, schematic&#10;&#10;Description automatically generated">
+            <a:extLst>
+              <a:ext uri="{FF2B5EF4-FFF2-40B4-BE49-F238E27FC236}">
+                <a16:creationId xmlns:a16="http://schemas.microsoft.com/office/drawing/2014/main" id="{2C371DFC-56F4-4354-A88D-41A868478CCB}"/>
+              </a:ext>
+            </a:extLst>
+          </p:cNvPr>
+          <p:cNvPicPr>
+            <a:picLocks noChangeAspect="1"/>
+          </p:cNvPicPr>
+          <p:nvPr/>
+        </p:nvPicPr>
+        <p:blipFill>
+          <a:blip r:embed="rId2"/>
+          <a:stretch>
+            <a:fillRect/>
+          </a:stretch>
+        </p:blipFill>
+        <p:spPr>
+          <a:xfrm>
+            <a:off x="2957512" y="1704975"/>
+            <a:ext cx="6276975" cy="3448050"/>
+          </a:xfrm>
+          <a:prstGeom prst="rect">
+            <a:avLst/>
+          </a:prstGeom>
+        </p:spPr>
+      </p:pic>
+    </p:spTree>
+    <p:extLst>
+      <p:ext uri="{BB962C8B-B14F-4D97-AF65-F5344CB8AC3E}">
+        <p14:creationId xmlns:p14="http://schemas.microsoft.com/office/powerpoint/2010/main" val="99425422"/>
+      </p:ext>
+    </p:extLst>
+  </p:cSld>
+  <p:clrMapOvr>
+    <a:masterClrMapping/>
+  </p:clrMapOvr>
+</p:sld>
+</file>
+
 <file path=ppt/theme/theme1.xml><?xml version="1.0" encoding="utf-8"?>
-<a:theme xmlns:a="http://schemas.openxmlformats.org/drawingml/2006/main" xmlns:r="http://schemas.openxmlformats.org/officeDocument/2006/relationships" name="Office Theme">
+<a:theme xmlns:a="http://schemas.openxmlformats.org/drawingml/2006/main" name="Office Theme">
   <a:themeElements>
     <a:clrScheme name="Office">
       <a:dk1>
@@ -13841,11 +14120,13 @@
       </a:bgFillStyleLst>
     </a:fmtScheme>
   </a:themeElements>
+  <a:objectDefaults/>
+  <a:extraClrSchemeLst/>
 </a:theme>
 </file>
 
 <file path=ppt/theme/theme2.xml><?xml version="1.0" encoding="utf-8"?>
-<a:theme xmlns:a="http://schemas.openxmlformats.org/drawingml/2006/main" xmlns:r="http://schemas.openxmlformats.org/officeDocument/2006/relationships" name="Office Theme">
+<a:theme xmlns:a="http://schemas.openxmlformats.org/drawingml/2006/main" name="Office Theme">
   <a:themeElements>
     <a:clrScheme name="Office">
       <a:dk1>
@@ -14120,5 +14401,7 @@
       </a:bgFillStyleLst>
     </a:fmtScheme>
   </a:themeElements>
+  <a:objectDefaults/>
+  <a:extraClrSchemeLst/>
 </a:theme>
 </file>